--- a/document/PPT/ProjDDT ver.1 - JMG.pptx
+++ b/document/PPT/ProjDDT ver.1 - JMG.pptx
@@ -24,32 +24,40 @@
     <p:sldId id="532" r:id="rId18"/>
     <p:sldId id="503" r:id="rId19"/>
     <p:sldId id="504" r:id="rId20"/>
-    <p:sldId id="505" r:id="rId21"/>
-    <p:sldId id="506" r:id="rId22"/>
-    <p:sldId id="507" r:id="rId23"/>
-    <p:sldId id="508" r:id="rId24"/>
-    <p:sldId id="533" r:id="rId25"/>
-    <p:sldId id="509" r:id="rId26"/>
-    <p:sldId id="510" r:id="rId27"/>
-    <p:sldId id="511" r:id="rId28"/>
-    <p:sldId id="512" r:id="rId29"/>
-    <p:sldId id="513" r:id="rId30"/>
-    <p:sldId id="514" r:id="rId31"/>
-    <p:sldId id="515" r:id="rId32"/>
-    <p:sldId id="516" r:id="rId33"/>
-    <p:sldId id="517" r:id="rId34"/>
-    <p:sldId id="534" r:id="rId35"/>
-    <p:sldId id="518" r:id="rId36"/>
-    <p:sldId id="535" r:id="rId37"/>
-    <p:sldId id="519" r:id="rId38"/>
-    <p:sldId id="536" r:id="rId39"/>
-    <p:sldId id="520" r:id="rId40"/>
-    <p:sldId id="521" r:id="rId41"/>
-    <p:sldId id="522" r:id="rId42"/>
-    <p:sldId id="523" r:id="rId43"/>
-    <p:sldId id="524" r:id="rId44"/>
-    <p:sldId id="525" r:id="rId45"/>
-    <p:sldId id="526" r:id="rId46"/>
+    <p:sldId id="537" r:id="rId21"/>
+    <p:sldId id="505" r:id="rId22"/>
+    <p:sldId id="506" r:id="rId23"/>
+    <p:sldId id="507" r:id="rId24"/>
+    <p:sldId id="508" r:id="rId25"/>
+    <p:sldId id="533" r:id="rId26"/>
+    <p:sldId id="509" r:id="rId27"/>
+    <p:sldId id="510" r:id="rId28"/>
+    <p:sldId id="511" r:id="rId29"/>
+    <p:sldId id="512" r:id="rId30"/>
+    <p:sldId id="513" r:id="rId31"/>
+    <p:sldId id="514" r:id="rId32"/>
+    <p:sldId id="538" r:id="rId33"/>
+    <p:sldId id="515" r:id="rId34"/>
+    <p:sldId id="516" r:id="rId35"/>
+    <p:sldId id="517" r:id="rId36"/>
+    <p:sldId id="534" r:id="rId37"/>
+    <p:sldId id="518" r:id="rId38"/>
+    <p:sldId id="535" r:id="rId39"/>
+    <p:sldId id="519" r:id="rId40"/>
+    <p:sldId id="536" r:id="rId41"/>
+    <p:sldId id="539" r:id="rId42"/>
+    <p:sldId id="521" r:id="rId43"/>
+    <p:sldId id="522" r:id="rId44"/>
+    <p:sldId id="523" r:id="rId45"/>
+    <p:sldId id="524" r:id="rId46"/>
+    <p:sldId id="525" r:id="rId47"/>
+    <p:sldId id="526" r:id="rId48"/>
+    <p:sldId id="540" r:id="rId49"/>
+    <p:sldId id="546" r:id="rId50"/>
+    <p:sldId id="547" r:id="rId51"/>
+    <p:sldId id="549" r:id="rId52"/>
+    <p:sldId id="550" r:id="rId53"/>
+    <p:sldId id="548" r:id="rId54"/>
   </p:sldIdLst>
   <p:sldSz cx="12192000" cy="6858000"/>
   <p:notesSz cx="6858000" cy="9144000"/>
@@ -12221,8 +12229,8 @@
         </p:nvSpPr>
         <p:spPr>
           <a:xfrm>
-            <a:off x="8870464" y="1245573"/>
-            <a:ext cx="1209600" cy="96744"/>
+            <a:off x="7058507" y="1245573"/>
+            <a:ext cx="1569600" cy="96744"/>
           </a:xfrm>
           <a:prstGeom prst="rect">
             <a:avLst/>
@@ -12264,7 +12272,7 @@
           <p:cNvPr id="15" name="직사각형 14">
             <a:extLst>
               <a:ext uri="{FF2B5EF4-FFF2-40B4-BE49-F238E27FC236}">
-                <a16:creationId xmlns:a16="http://schemas.microsoft.com/office/drawing/2014/main" id="{1CF9AE64-1CFE-439C-853D-72C2139E7BCB}"/>
+                <a16:creationId xmlns:a16="http://schemas.microsoft.com/office/drawing/2014/main" id="{587F1927-40C5-4B53-A931-A439877C0193}"/>
               </a:ext>
             </a:extLst>
           </p:cNvPr>
@@ -12313,10 +12321,10 @@
       </p:sp>
       <p:pic>
         <p:nvPicPr>
-          <p:cNvPr id="4" name="그림 3">
-            <a:extLst>
-              <a:ext uri="{FF2B5EF4-FFF2-40B4-BE49-F238E27FC236}">
-                <a16:creationId xmlns:a16="http://schemas.microsoft.com/office/drawing/2014/main" id="{10717964-A9A4-4AFC-B95D-FAD2C5F8CE9B}"/>
+          <p:cNvPr id="19" name="그림 18">
+            <a:extLst>
+              <a:ext uri="{FF2B5EF4-FFF2-40B4-BE49-F238E27FC236}">
+                <a16:creationId xmlns:a16="http://schemas.microsoft.com/office/drawing/2014/main" id="{09E697BF-B1E3-4D8B-A82D-C1BA9055C5FC}"/>
               </a:ext>
             </a:extLst>
           </p:cNvPr>
@@ -12326,88 +12334,73 @@
           <p:nvPr/>
         </p:nvPicPr>
         <p:blipFill>
-          <a:blip r:embed="rId13">
-            <a:extLst>
-              <a:ext uri="{28A0092B-C50C-407E-A947-70E740481C1C}">
-                <a14:useLocalDpi xmlns:a14="http://schemas.microsoft.com/office/drawing/2010/main" val="0"/>
-              </a:ext>
-            </a:extLst>
-          </a:blip>
+          <a:blip r:embed="rId2"/>
           <a:stretch>
             <a:fillRect/>
           </a:stretch>
         </p:blipFill>
         <p:spPr>
           <a:xfrm>
-            <a:off x="2450210" y="1825891"/>
-            <a:ext cx="7291579" cy="4871395"/>
-          </a:xfrm>
-          <a:prstGeom prst="rect">
-            <a:avLst/>
-          </a:prstGeom>
+            <a:off x="0" y="3264932"/>
+            <a:ext cx="12192000" cy="1333499"/>
+          </a:xfrm>
+          <a:prstGeom prst="rect">
+            <a:avLst/>
+          </a:prstGeom>
+          <a:ln>
+            <a:noFill/>
+          </a:ln>
         </p:spPr>
       </p:pic>
       <p:sp>
         <p:nvSpPr>
-          <p:cNvPr id="5" name="사각형: 둥근 모서리 4">
-            <a:extLst>
-              <a:ext uri="{FF2B5EF4-FFF2-40B4-BE49-F238E27FC236}">
-                <a16:creationId xmlns:a16="http://schemas.microsoft.com/office/drawing/2014/main" id="{57ADC2C8-68F4-4E58-88C5-FDC877E11FCF}"/>
-              </a:ext>
-            </a:extLst>
-          </p:cNvPr>
-          <p:cNvSpPr/>
-          <p:nvPr/>
-        </p:nvSpPr>
-        <p:spPr>
-          <a:xfrm>
-            <a:off x="8277726" y="2839453"/>
-            <a:ext cx="986590" cy="196877"/>
-          </a:xfrm>
-          <a:prstGeom prst="roundRect">
+          <p:cNvPr id="20" name="TextBox 19">
+            <a:extLst>
+              <a:ext uri="{FF2B5EF4-FFF2-40B4-BE49-F238E27FC236}">
+                <a16:creationId xmlns:a16="http://schemas.microsoft.com/office/drawing/2014/main" id="{53C2AF23-8153-468F-A021-4C66A9A8799C}"/>
+              </a:ext>
+            </a:extLst>
+          </p:cNvPr>
+          <p:cNvSpPr txBox="1"/>
+          <p:nvPr/>
+        </p:nvSpPr>
+        <p:spPr>
+          <a:xfrm>
+            <a:off x="0" y="3380876"/>
+            <a:ext cx="12192000" cy="1107996"/>
+          </a:xfrm>
+          <a:prstGeom prst="rect">
             <a:avLst/>
           </a:prstGeom>
           <a:noFill/>
-          <a:ln w="38100">
-            <a:solidFill>
-              <a:srgbClr val="FF0000"/>
-            </a:solidFill>
-          </a:ln>
-        </p:spPr>
-        <p:style>
-          <a:lnRef idx="2">
-            <a:schemeClr val="accent1">
-              <a:shade val="50000"/>
-            </a:schemeClr>
-          </a:lnRef>
-          <a:fillRef idx="1">
-            <a:schemeClr val="accent1"/>
-          </a:fillRef>
-          <a:effectRef idx="0">
-            <a:schemeClr val="accent1"/>
-          </a:effectRef>
-          <a:fontRef idx="minor">
-            <a:schemeClr val="lt1"/>
-          </a:fontRef>
-        </p:style>
-        <p:txBody>
-          <a:bodyPr rot="0" spcFirstLastPara="0" vertOverflow="overflow" horzOverflow="overflow" vert="horz" wrap="square" lIns="91440" tIns="45720" rIns="91440" bIns="45720" numCol="1" spcCol="0" rtlCol="0" fromWordArt="0" anchor="ctr" anchorCtr="0" forceAA="0" compatLnSpc="1">
-            <a:prstTxWarp prst="textNoShape">
-              <a:avLst/>
-            </a:prstTxWarp>
-            <a:noAutofit/>
+        </p:spPr>
+        <p:txBody>
+          <a:bodyPr wrap="square" rtlCol="0">
+            <a:spAutoFit/>
           </a:bodyPr>
           <a:lstStyle/>
           <a:p>
             <a:pPr algn="ctr"/>
-            <a:endParaRPr lang="ko-KR" altLang="en-US"/>
+            <a:r>
+              <a:rPr lang="ko-KR" altLang="en-US" sz="6600" b="1" dirty="0">
+                <a:solidFill>
+                  <a:schemeClr val="bg1"/>
+                </a:solidFill>
+              </a:rPr>
+              <a:t>사업자 홈페이지</a:t>
+            </a:r>
+            <a:endParaRPr lang="en-US" altLang="ko-KR" sz="6600" b="1" dirty="0">
+              <a:solidFill>
+                <a:schemeClr val="bg1"/>
+              </a:solidFill>
+            </a:endParaRPr>
           </a:p>
         </p:txBody>
       </p:sp>
     </p:spTree>
     <p:extLst>
       <p:ext uri="{BB962C8B-B14F-4D97-AF65-F5344CB8AC3E}">
-        <p14:creationId xmlns:p14="http://schemas.microsoft.com/office/powerpoint/2010/main" val="485854047"/>
+        <p14:creationId xmlns:p14="http://schemas.microsoft.com/office/powerpoint/2010/main" val="638789166"/>
       </p:ext>
     </p:extLst>
   </p:cSld>
@@ -13023,7 +13016,7 @@
           <p:cNvPr id="4" name="그림 3">
             <a:extLst>
               <a:ext uri="{FF2B5EF4-FFF2-40B4-BE49-F238E27FC236}">
-                <a16:creationId xmlns:a16="http://schemas.microsoft.com/office/drawing/2014/main" id="{42EC45BD-C928-4E4A-930B-C3963FA4D621}"/>
+                <a16:creationId xmlns:a16="http://schemas.microsoft.com/office/drawing/2014/main" id="{10717964-A9A4-4AFC-B95D-FAD2C5F8CE9B}"/>
               </a:ext>
             </a:extLst>
           </p:cNvPr>
@@ -13046,8 +13039,8 @@
         </p:blipFill>
         <p:spPr>
           <a:xfrm>
-            <a:off x="2215816" y="1825891"/>
-            <a:ext cx="7633368" cy="4781340"/>
+            <a:off x="2450210" y="1825891"/>
+            <a:ext cx="7291579" cy="4871395"/>
           </a:xfrm>
           <a:prstGeom prst="rect">
             <a:avLst/>
@@ -13059,7 +13052,7 @@
           <p:cNvPr id="5" name="사각형: 둥근 모서리 4">
             <a:extLst>
               <a:ext uri="{FF2B5EF4-FFF2-40B4-BE49-F238E27FC236}">
-                <a16:creationId xmlns:a16="http://schemas.microsoft.com/office/drawing/2014/main" id="{B43B5BCC-B53E-45D8-B60E-13D65784CF0D}"/>
+                <a16:creationId xmlns:a16="http://schemas.microsoft.com/office/drawing/2014/main" id="{57ADC2C8-68F4-4E58-88C5-FDC877E11FCF}"/>
               </a:ext>
             </a:extLst>
           </p:cNvPr>
@@ -13068,8 +13061,8 @@
         </p:nvSpPr>
         <p:spPr>
           <a:xfrm>
-            <a:off x="8626642" y="2394284"/>
-            <a:ext cx="409074" cy="288758"/>
+            <a:off x="8277726" y="2839453"/>
+            <a:ext cx="986590" cy="196877"/>
           </a:xfrm>
           <a:prstGeom prst="roundRect">
             <a:avLst/>
@@ -13114,7 +13107,7 @@
     </p:spTree>
     <p:extLst>
       <p:ext uri="{BB962C8B-B14F-4D97-AF65-F5344CB8AC3E}">
-        <p14:creationId xmlns:p14="http://schemas.microsoft.com/office/powerpoint/2010/main" val="2954619735"/>
+        <p14:creationId xmlns:p14="http://schemas.microsoft.com/office/powerpoint/2010/main" val="485854047"/>
       </p:ext>
     </p:extLst>
   </p:cSld>
@@ -13727,10 +13720,10 @@
       </p:sp>
       <p:pic>
         <p:nvPicPr>
-          <p:cNvPr id="19" name="그림 18">
-            <a:extLst>
-              <a:ext uri="{FF2B5EF4-FFF2-40B4-BE49-F238E27FC236}">
-                <a16:creationId xmlns:a16="http://schemas.microsoft.com/office/drawing/2014/main" id="{8F5D7551-CC4B-4ED6-B965-6408A15A0975}"/>
+          <p:cNvPr id="4" name="그림 3">
+            <a:extLst>
+              <a:ext uri="{FF2B5EF4-FFF2-40B4-BE49-F238E27FC236}">
+                <a16:creationId xmlns:a16="http://schemas.microsoft.com/office/drawing/2014/main" id="{42EC45BD-C928-4E4A-930B-C3963FA4D621}"/>
               </a:ext>
             </a:extLst>
           </p:cNvPr>
@@ -13753,8 +13746,8 @@
         </p:blipFill>
         <p:spPr>
           <a:xfrm>
-            <a:off x="2419365" y="1883228"/>
-            <a:ext cx="7353270" cy="4721640"/>
+            <a:off x="2215816" y="1825891"/>
+            <a:ext cx="7633368" cy="4781340"/>
           </a:xfrm>
           <a:prstGeom prst="rect">
             <a:avLst/>
@@ -13763,10 +13756,10 @@
       </p:pic>
       <p:sp>
         <p:nvSpPr>
-          <p:cNvPr id="20" name="사각형: 둥근 모서리 19">
-            <a:extLst>
-              <a:ext uri="{FF2B5EF4-FFF2-40B4-BE49-F238E27FC236}">
-                <a16:creationId xmlns:a16="http://schemas.microsoft.com/office/drawing/2014/main" id="{9ACE797A-1C95-42C2-97FB-76F49995A0AC}"/>
+          <p:cNvPr id="5" name="사각형: 둥근 모서리 4">
+            <a:extLst>
+              <a:ext uri="{FF2B5EF4-FFF2-40B4-BE49-F238E27FC236}">
+                <a16:creationId xmlns:a16="http://schemas.microsoft.com/office/drawing/2014/main" id="{B43B5BCC-B53E-45D8-B60E-13D65784CF0D}"/>
               </a:ext>
             </a:extLst>
           </p:cNvPr>
@@ -13775,8 +13768,8 @@
         </p:nvSpPr>
         <p:spPr>
           <a:xfrm>
-            <a:off x="4939966" y="3513220"/>
-            <a:ext cx="902368" cy="168443"/>
+            <a:off x="8626642" y="2394284"/>
+            <a:ext cx="409074" cy="288758"/>
           </a:xfrm>
           <a:prstGeom prst="roundRect">
             <a:avLst/>
@@ -13821,7 +13814,7 @@
     </p:spTree>
     <p:extLst>
       <p:ext uri="{BB962C8B-B14F-4D97-AF65-F5344CB8AC3E}">
-        <p14:creationId xmlns:p14="http://schemas.microsoft.com/office/powerpoint/2010/main" val="3615994189"/>
+        <p14:creationId xmlns:p14="http://schemas.microsoft.com/office/powerpoint/2010/main" val="2954619735"/>
       </p:ext>
     </p:extLst>
   </p:cSld>
@@ -14434,10 +14427,10 @@
       </p:sp>
       <p:pic>
         <p:nvPicPr>
-          <p:cNvPr id="4" name="그림 3">
-            <a:extLst>
-              <a:ext uri="{FF2B5EF4-FFF2-40B4-BE49-F238E27FC236}">
-                <a16:creationId xmlns:a16="http://schemas.microsoft.com/office/drawing/2014/main" id="{E976712B-52F4-40C1-B369-D61420FAE8DC}"/>
+          <p:cNvPr id="19" name="그림 18">
+            <a:extLst>
+              <a:ext uri="{FF2B5EF4-FFF2-40B4-BE49-F238E27FC236}">
+                <a16:creationId xmlns:a16="http://schemas.microsoft.com/office/drawing/2014/main" id="{8F5D7551-CC4B-4ED6-B965-6408A15A0975}"/>
               </a:ext>
             </a:extLst>
           </p:cNvPr>
@@ -14460,18 +14453,75 @@
         </p:blipFill>
         <p:spPr>
           <a:xfrm>
-            <a:off x="2329929" y="1814820"/>
-            <a:ext cx="7532141" cy="4889740"/>
+            <a:off x="2419365" y="1883228"/>
+            <a:ext cx="7353270" cy="4721640"/>
           </a:xfrm>
           <a:prstGeom prst="rect">
             <a:avLst/>
           </a:prstGeom>
         </p:spPr>
       </p:pic>
+      <p:sp>
+        <p:nvSpPr>
+          <p:cNvPr id="20" name="사각형: 둥근 모서리 19">
+            <a:extLst>
+              <a:ext uri="{FF2B5EF4-FFF2-40B4-BE49-F238E27FC236}">
+                <a16:creationId xmlns:a16="http://schemas.microsoft.com/office/drawing/2014/main" id="{9ACE797A-1C95-42C2-97FB-76F49995A0AC}"/>
+              </a:ext>
+            </a:extLst>
+          </p:cNvPr>
+          <p:cNvSpPr/>
+          <p:nvPr/>
+        </p:nvSpPr>
+        <p:spPr>
+          <a:xfrm>
+            <a:off x="4939966" y="3513220"/>
+            <a:ext cx="902368" cy="168443"/>
+          </a:xfrm>
+          <a:prstGeom prst="roundRect">
+            <a:avLst/>
+          </a:prstGeom>
+          <a:noFill/>
+          <a:ln w="38100">
+            <a:solidFill>
+              <a:srgbClr val="FF0000"/>
+            </a:solidFill>
+          </a:ln>
+        </p:spPr>
+        <p:style>
+          <a:lnRef idx="2">
+            <a:schemeClr val="accent1">
+              <a:shade val="50000"/>
+            </a:schemeClr>
+          </a:lnRef>
+          <a:fillRef idx="1">
+            <a:schemeClr val="accent1"/>
+          </a:fillRef>
+          <a:effectRef idx="0">
+            <a:schemeClr val="accent1"/>
+          </a:effectRef>
+          <a:fontRef idx="minor">
+            <a:schemeClr val="lt1"/>
+          </a:fontRef>
+        </p:style>
+        <p:txBody>
+          <a:bodyPr rot="0" spcFirstLastPara="0" vertOverflow="overflow" horzOverflow="overflow" vert="horz" wrap="square" lIns="91440" tIns="45720" rIns="91440" bIns="45720" numCol="1" spcCol="0" rtlCol="0" fromWordArt="0" anchor="ctr" anchorCtr="0" forceAA="0" compatLnSpc="1">
+            <a:prstTxWarp prst="textNoShape">
+              <a:avLst/>
+            </a:prstTxWarp>
+            <a:noAutofit/>
+          </a:bodyPr>
+          <a:lstStyle/>
+          <a:p>
+            <a:pPr algn="ctr"/>
+            <a:endParaRPr lang="ko-KR" altLang="en-US"/>
+          </a:p>
+        </p:txBody>
+      </p:sp>
     </p:spTree>
     <p:extLst>
       <p:ext uri="{BB962C8B-B14F-4D97-AF65-F5344CB8AC3E}">
-        <p14:creationId xmlns:p14="http://schemas.microsoft.com/office/powerpoint/2010/main" val="2523272996"/>
+        <p14:creationId xmlns:p14="http://schemas.microsoft.com/office/powerpoint/2010/main" val="3615994189"/>
       </p:ext>
     </p:extLst>
   </p:cSld>
@@ -15084,10 +15134,10 @@
       </p:sp>
       <p:pic>
         <p:nvPicPr>
-          <p:cNvPr id="19" name="그림 18">
-            <a:extLst>
-              <a:ext uri="{FF2B5EF4-FFF2-40B4-BE49-F238E27FC236}">
-                <a16:creationId xmlns:a16="http://schemas.microsoft.com/office/drawing/2014/main" id="{8F5D7551-CC4B-4ED6-B965-6408A15A0975}"/>
+          <p:cNvPr id="4" name="그림 3">
+            <a:extLst>
+              <a:ext uri="{FF2B5EF4-FFF2-40B4-BE49-F238E27FC236}">
+                <a16:creationId xmlns:a16="http://schemas.microsoft.com/office/drawing/2014/main" id="{E976712B-52F4-40C1-B369-D61420FAE8DC}"/>
               </a:ext>
             </a:extLst>
           </p:cNvPr>
@@ -15110,75 +15160,18 @@
         </p:blipFill>
         <p:spPr>
           <a:xfrm>
-            <a:off x="2419365" y="1883228"/>
-            <a:ext cx="7353270" cy="4721640"/>
+            <a:off x="2329929" y="1814820"/>
+            <a:ext cx="7532141" cy="4889740"/>
           </a:xfrm>
           <a:prstGeom prst="rect">
             <a:avLst/>
           </a:prstGeom>
         </p:spPr>
       </p:pic>
-      <p:sp>
-        <p:nvSpPr>
-          <p:cNvPr id="2" name="사각형: 둥근 모서리 1">
-            <a:extLst>
-              <a:ext uri="{FF2B5EF4-FFF2-40B4-BE49-F238E27FC236}">
-                <a16:creationId xmlns:a16="http://schemas.microsoft.com/office/drawing/2014/main" id="{EE224DBD-E1E4-4E42-A3DE-79846F682C4E}"/>
-              </a:ext>
-            </a:extLst>
-          </p:cNvPr>
-          <p:cNvSpPr/>
-          <p:nvPr/>
-        </p:nvSpPr>
-        <p:spPr>
-          <a:xfrm>
-            <a:off x="6605336" y="3513222"/>
-            <a:ext cx="673769" cy="228600"/>
-          </a:xfrm>
-          <a:prstGeom prst="roundRect">
-            <a:avLst/>
-          </a:prstGeom>
-          <a:noFill/>
-          <a:ln w="38100">
-            <a:solidFill>
-              <a:srgbClr val="FF0000"/>
-            </a:solidFill>
-          </a:ln>
-        </p:spPr>
-        <p:style>
-          <a:lnRef idx="2">
-            <a:schemeClr val="accent1">
-              <a:shade val="50000"/>
-            </a:schemeClr>
-          </a:lnRef>
-          <a:fillRef idx="1">
-            <a:schemeClr val="accent1"/>
-          </a:fillRef>
-          <a:effectRef idx="0">
-            <a:schemeClr val="accent1"/>
-          </a:effectRef>
-          <a:fontRef idx="minor">
-            <a:schemeClr val="lt1"/>
-          </a:fontRef>
-        </p:style>
-        <p:txBody>
-          <a:bodyPr rot="0" spcFirstLastPara="0" vertOverflow="overflow" horzOverflow="overflow" vert="horz" wrap="square" lIns="91440" tIns="45720" rIns="91440" bIns="45720" numCol="1" spcCol="0" rtlCol="0" fromWordArt="0" anchor="ctr" anchorCtr="0" forceAA="0" compatLnSpc="1">
-            <a:prstTxWarp prst="textNoShape">
-              <a:avLst/>
-            </a:prstTxWarp>
-            <a:noAutofit/>
-          </a:bodyPr>
-          <a:lstStyle/>
-          <a:p>
-            <a:pPr algn="ctr"/>
-            <a:endParaRPr lang="ko-KR" altLang="en-US"/>
-          </a:p>
-        </p:txBody>
-      </p:sp>
     </p:spTree>
     <p:extLst>
       <p:ext uri="{BB962C8B-B14F-4D97-AF65-F5344CB8AC3E}">
-        <p14:creationId xmlns:p14="http://schemas.microsoft.com/office/powerpoint/2010/main" val="3124787002"/>
+        <p14:creationId xmlns:p14="http://schemas.microsoft.com/office/powerpoint/2010/main" val="2523272996"/>
       </p:ext>
     </p:extLst>
   </p:cSld>
@@ -15791,10 +15784,10 @@
       </p:sp>
       <p:pic>
         <p:nvPicPr>
-          <p:cNvPr id="4" name="그림 3">
-            <a:extLst>
-              <a:ext uri="{FF2B5EF4-FFF2-40B4-BE49-F238E27FC236}">
-                <a16:creationId xmlns:a16="http://schemas.microsoft.com/office/drawing/2014/main" id="{D09E331B-FAAF-4551-A1F1-734AB88F22A0}"/>
+          <p:cNvPr id="19" name="그림 18">
+            <a:extLst>
+              <a:ext uri="{FF2B5EF4-FFF2-40B4-BE49-F238E27FC236}">
+                <a16:creationId xmlns:a16="http://schemas.microsoft.com/office/drawing/2014/main" id="{8F5D7551-CC4B-4ED6-B965-6408A15A0975}"/>
               </a:ext>
             </a:extLst>
           </p:cNvPr>
@@ -15817,18 +15810,75 @@
         </p:blipFill>
         <p:spPr>
           <a:xfrm>
-            <a:off x="2306167" y="1803914"/>
-            <a:ext cx="7579666" cy="4816314"/>
+            <a:off x="2419365" y="1883228"/>
+            <a:ext cx="7353270" cy="4721640"/>
           </a:xfrm>
           <a:prstGeom prst="rect">
             <a:avLst/>
           </a:prstGeom>
         </p:spPr>
       </p:pic>
+      <p:sp>
+        <p:nvSpPr>
+          <p:cNvPr id="2" name="사각형: 둥근 모서리 1">
+            <a:extLst>
+              <a:ext uri="{FF2B5EF4-FFF2-40B4-BE49-F238E27FC236}">
+                <a16:creationId xmlns:a16="http://schemas.microsoft.com/office/drawing/2014/main" id="{EE224DBD-E1E4-4E42-A3DE-79846F682C4E}"/>
+              </a:ext>
+            </a:extLst>
+          </p:cNvPr>
+          <p:cNvSpPr/>
+          <p:nvPr/>
+        </p:nvSpPr>
+        <p:spPr>
+          <a:xfrm>
+            <a:off x="6605336" y="3513222"/>
+            <a:ext cx="673769" cy="228600"/>
+          </a:xfrm>
+          <a:prstGeom prst="roundRect">
+            <a:avLst/>
+          </a:prstGeom>
+          <a:noFill/>
+          <a:ln w="38100">
+            <a:solidFill>
+              <a:srgbClr val="FF0000"/>
+            </a:solidFill>
+          </a:ln>
+        </p:spPr>
+        <p:style>
+          <a:lnRef idx="2">
+            <a:schemeClr val="accent1">
+              <a:shade val="50000"/>
+            </a:schemeClr>
+          </a:lnRef>
+          <a:fillRef idx="1">
+            <a:schemeClr val="accent1"/>
+          </a:fillRef>
+          <a:effectRef idx="0">
+            <a:schemeClr val="accent1"/>
+          </a:effectRef>
+          <a:fontRef idx="minor">
+            <a:schemeClr val="lt1"/>
+          </a:fontRef>
+        </p:style>
+        <p:txBody>
+          <a:bodyPr rot="0" spcFirstLastPara="0" vertOverflow="overflow" horzOverflow="overflow" vert="horz" wrap="square" lIns="91440" tIns="45720" rIns="91440" bIns="45720" numCol="1" spcCol="0" rtlCol="0" fromWordArt="0" anchor="ctr" anchorCtr="0" forceAA="0" compatLnSpc="1">
+            <a:prstTxWarp prst="textNoShape">
+              <a:avLst/>
+            </a:prstTxWarp>
+            <a:noAutofit/>
+          </a:bodyPr>
+          <a:lstStyle/>
+          <a:p>
+            <a:pPr algn="ctr"/>
+            <a:endParaRPr lang="ko-KR" altLang="en-US"/>
+          </a:p>
+        </p:txBody>
+      </p:sp>
     </p:spTree>
     <p:extLst>
       <p:ext uri="{BB962C8B-B14F-4D97-AF65-F5344CB8AC3E}">
-        <p14:creationId xmlns:p14="http://schemas.microsoft.com/office/powerpoint/2010/main" val="3536890100"/>
+        <p14:creationId xmlns:p14="http://schemas.microsoft.com/office/powerpoint/2010/main" val="3124787002"/>
       </p:ext>
     </p:extLst>
   </p:cSld>
@@ -16444,7 +16494,7 @@
           <p:cNvPr id="4" name="그림 3">
             <a:extLst>
               <a:ext uri="{FF2B5EF4-FFF2-40B4-BE49-F238E27FC236}">
-                <a16:creationId xmlns:a16="http://schemas.microsoft.com/office/drawing/2014/main" id="{26CEBEB4-EB5A-4C06-8AAE-21F2938A95A6}"/>
+                <a16:creationId xmlns:a16="http://schemas.microsoft.com/office/drawing/2014/main" id="{D09E331B-FAAF-4551-A1F1-734AB88F22A0}"/>
               </a:ext>
             </a:extLst>
           </p:cNvPr>
@@ -16467,75 +16517,18 @@
         </p:blipFill>
         <p:spPr>
           <a:xfrm>
-            <a:off x="2395120" y="1883228"/>
-            <a:ext cx="7401760" cy="4798382"/>
+            <a:off x="2306167" y="1803914"/>
+            <a:ext cx="7579666" cy="4816314"/>
           </a:xfrm>
           <a:prstGeom prst="rect">
             <a:avLst/>
           </a:prstGeom>
         </p:spPr>
       </p:pic>
-      <p:sp>
-        <p:nvSpPr>
-          <p:cNvPr id="5" name="사각형: 둥근 모서리 4">
-            <a:extLst>
-              <a:ext uri="{FF2B5EF4-FFF2-40B4-BE49-F238E27FC236}">
-                <a16:creationId xmlns:a16="http://schemas.microsoft.com/office/drawing/2014/main" id="{2B65F35C-13B0-4A99-A744-F0F5AD8FF65A}"/>
-              </a:ext>
-            </a:extLst>
-          </p:cNvPr>
-          <p:cNvSpPr/>
-          <p:nvPr/>
-        </p:nvSpPr>
-        <p:spPr>
-          <a:xfrm>
-            <a:off x="6906126" y="3789947"/>
-            <a:ext cx="709863" cy="264695"/>
-          </a:xfrm>
-          <a:prstGeom prst="roundRect">
-            <a:avLst/>
-          </a:prstGeom>
-          <a:noFill/>
-          <a:ln w="38100">
-            <a:solidFill>
-              <a:srgbClr val="FF0000"/>
-            </a:solidFill>
-          </a:ln>
-        </p:spPr>
-        <p:style>
-          <a:lnRef idx="2">
-            <a:schemeClr val="accent1">
-              <a:shade val="50000"/>
-            </a:schemeClr>
-          </a:lnRef>
-          <a:fillRef idx="1">
-            <a:schemeClr val="accent1"/>
-          </a:fillRef>
-          <a:effectRef idx="0">
-            <a:schemeClr val="accent1"/>
-          </a:effectRef>
-          <a:fontRef idx="minor">
-            <a:schemeClr val="lt1"/>
-          </a:fontRef>
-        </p:style>
-        <p:txBody>
-          <a:bodyPr rot="0" spcFirstLastPara="0" vertOverflow="overflow" horzOverflow="overflow" vert="horz" wrap="square" lIns="91440" tIns="45720" rIns="91440" bIns="45720" numCol="1" spcCol="0" rtlCol="0" fromWordArt="0" anchor="ctr" anchorCtr="0" forceAA="0" compatLnSpc="1">
-            <a:prstTxWarp prst="textNoShape">
-              <a:avLst/>
-            </a:prstTxWarp>
-            <a:noAutofit/>
-          </a:bodyPr>
-          <a:lstStyle/>
-          <a:p>
-            <a:pPr algn="ctr"/>
-            <a:endParaRPr lang="ko-KR" altLang="en-US"/>
-          </a:p>
-        </p:txBody>
-      </p:sp>
     </p:spTree>
     <p:extLst>
       <p:ext uri="{BB962C8B-B14F-4D97-AF65-F5344CB8AC3E}">
-        <p14:creationId xmlns:p14="http://schemas.microsoft.com/office/powerpoint/2010/main" val="4124305948"/>
+        <p14:creationId xmlns:p14="http://schemas.microsoft.com/office/powerpoint/2010/main" val="3536890100"/>
       </p:ext>
     </p:extLst>
   </p:cSld>
@@ -17151,7 +17144,7 @@
           <p:cNvPr id="4" name="그림 3">
             <a:extLst>
               <a:ext uri="{FF2B5EF4-FFF2-40B4-BE49-F238E27FC236}">
-                <a16:creationId xmlns:a16="http://schemas.microsoft.com/office/drawing/2014/main" id="{AB55AAA5-FBD7-4A2F-9DE1-EF216B2F3789}"/>
+                <a16:creationId xmlns:a16="http://schemas.microsoft.com/office/drawing/2014/main" id="{26CEBEB4-EB5A-4C06-8AAE-21F2938A95A6}"/>
               </a:ext>
             </a:extLst>
           </p:cNvPr>
@@ -17174,8 +17167,8 @@
         </p:blipFill>
         <p:spPr>
           <a:xfrm>
-            <a:off x="2287295" y="1993840"/>
-            <a:ext cx="7617409" cy="4455590"/>
+            <a:off x="2395120" y="1883228"/>
+            <a:ext cx="7401760" cy="4798382"/>
           </a:xfrm>
           <a:prstGeom prst="rect">
             <a:avLst/>
@@ -17187,7 +17180,7 @@
           <p:cNvPr id="5" name="사각형: 둥근 모서리 4">
             <a:extLst>
               <a:ext uri="{FF2B5EF4-FFF2-40B4-BE49-F238E27FC236}">
-                <a16:creationId xmlns:a16="http://schemas.microsoft.com/office/drawing/2014/main" id="{35DBB5D7-3815-4262-B9B0-25597C5B04F8}"/>
+                <a16:creationId xmlns:a16="http://schemas.microsoft.com/office/drawing/2014/main" id="{2B65F35C-13B0-4A99-A744-F0F5AD8FF65A}"/>
               </a:ext>
             </a:extLst>
           </p:cNvPr>
@@ -17196,8 +17189,8 @@
         </p:nvSpPr>
         <p:spPr>
           <a:xfrm>
-            <a:off x="3937000" y="3092116"/>
-            <a:ext cx="5483726" cy="180473"/>
+            <a:off x="6906126" y="3789947"/>
+            <a:ext cx="709863" cy="264695"/>
           </a:xfrm>
           <a:prstGeom prst="roundRect">
             <a:avLst/>
@@ -17242,7 +17235,7 @@
     </p:spTree>
     <p:extLst>
       <p:ext uri="{BB962C8B-B14F-4D97-AF65-F5344CB8AC3E}">
-        <p14:creationId xmlns:p14="http://schemas.microsoft.com/office/powerpoint/2010/main" val="3449835595"/>
+        <p14:creationId xmlns:p14="http://schemas.microsoft.com/office/powerpoint/2010/main" val="4124305948"/>
       </p:ext>
     </p:extLst>
   </p:cSld>
@@ -17858,7 +17851,7 @@
           <p:cNvPr id="4" name="그림 3">
             <a:extLst>
               <a:ext uri="{FF2B5EF4-FFF2-40B4-BE49-F238E27FC236}">
-                <a16:creationId xmlns:a16="http://schemas.microsoft.com/office/drawing/2014/main" id="{A39F78D5-441C-4EB4-81FD-39B24C689C9A}"/>
+                <a16:creationId xmlns:a16="http://schemas.microsoft.com/office/drawing/2014/main" id="{AB55AAA5-FBD7-4A2F-9DE1-EF216B2F3789}"/>
               </a:ext>
             </a:extLst>
           </p:cNvPr>
@@ -17881,8 +17874,8 @@
         </p:blipFill>
         <p:spPr>
           <a:xfrm>
-            <a:off x="2311657" y="1790757"/>
-            <a:ext cx="7441686" cy="4778414"/>
+            <a:off x="2287295" y="1993840"/>
+            <a:ext cx="7617409" cy="4455590"/>
           </a:xfrm>
           <a:prstGeom prst="rect">
             <a:avLst/>
@@ -17894,7 +17887,7 @@
           <p:cNvPr id="5" name="사각형: 둥근 모서리 4">
             <a:extLst>
               <a:ext uri="{FF2B5EF4-FFF2-40B4-BE49-F238E27FC236}">
-                <a16:creationId xmlns:a16="http://schemas.microsoft.com/office/drawing/2014/main" id="{905EC433-FBB5-4881-B193-D7825BE3DE69}"/>
+                <a16:creationId xmlns:a16="http://schemas.microsoft.com/office/drawing/2014/main" id="{35DBB5D7-3815-4262-B9B0-25597C5B04F8}"/>
               </a:ext>
             </a:extLst>
           </p:cNvPr>
@@ -17903,8 +17896,8 @@
         </p:nvSpPr>
         <p:spPr>
           <a:xfrm>
-            <a:off x="7976937" y="3248526"/>
-            <a:ext cx="1251284" cy="240632"/>
+            <a:off x="3937000" y="3092116"/>
+            <a:ext cx="5483726" cy="180473"/>
           </a:xfrm>
           <a:prstGeom prst="roundRect">
             <a:avLst/>
@@ -17949,7 +17942,7 @@
     </p:spTree>
     <p:extLst>
       <p:ext uri="{BB962C8B-B14F-4D97-AF65-F5344CB8AC3E}">
-        <p14:creationId xmlns:p14="http://schemas.microsoft.com/office/powerpoint/2010/main" val="4142423928"/>
+        <p14:creationId xmlns:p14="http://schemas.microsoft.com/office/powerpoint/2010/main" val="3449835595"/>
       </p:ext>
     </p:extLst>
   </p:cSld>
@@ -18565,7 +18558,7 @@
           <p:cNvPr id="4" name="그림 3">
             <a:extLst>
               <a:ext uri="{FF2B5EF4-FFF2-40B4-BE49-F238E27FC236}">
-                <a16:creationId xmlns:a16="http://schemas.microsoft.com/office/drawing/2014/main" id="{E7A732CC-8C69-4D90-9BB1-96E904EB8531}"/>
+                <a16:creationId xmlns:a16="http://schemas.microsoft.com/office/drawing/2014/main" id="{A39F78D5-441C-4EB4-81FD-39B24C689C9A}"/>
               </a:ext>
             </a:extLst>
           </p:cNvPr>
@@ -18588,18 +18581,75 @@
         </p:blipFill>
         <p:spPr>
           <a:xfrm>
-            <a:off x="2360085" y="1883228"/>
-            <a:ext cx="7344830" cy="4748464"/>
+            <a:off x="2311657" y="1790757"/>
+            <a:ext cx="7441686" cy="4778414"/>
           </a:xfrm>
           <a:prstGeom prst="rect">
             <a:avLst/>
           </a:prstGeom>
         </p:spPr>
       </p:pic>
+      <p:sp>
+        <p:nvSpPr>
+          <p:cNvPr id="5" name="사각형: 둥근 모서리 4">
+            <a:extLst>
+              <a:ext uri="{FF2B5EF4-FFF2-40B4-BE49-F238E27FC236}">
+                <a16:creationId xmlns:a16="http://schemas.microsoft.com/office/drawing/2014/main" id="{905EC433-FBB5-4881-B193-D7825BE3DE69}"/>
+              </a:ext>
+            </a:extLst>
+          </p:cNvPr>
+          <p:cNvSpPr/>
+          <p:nvPr/>
+        </p:nvSpPr>
+        <p:spPr>
+          <a:xfrm>
+            <a:off x="7976937" y="3248526"/>
+            <a:ext cx="1251284" cy="240632"/>
+          </a:xfrm>
+          <a:prstGeom prst="roundRect">
+            <a:avLst/>
+          </a:prstGeom>
+          <a:noFill/>
+          <a:ln w="38100">
+            <a:solidFill>
+              <a:srgbClr val="FF0000"/>
+            </a:solidFill>
+          </a:ln>
+        </p:spPr>
+        <p:style>
+          <a:lnRef idx="2">
+            <a:schemeClr val="accent1">
+              <a:shade val="50000"/>
+            </a:schemeClr>
+          </a:lnRef>
+          <a:fillRef idx="1">
+            <a:schemeClr val="accent1"/>
+          </a:fillRef>
+          <a:effectRef idx="0">
+            <a:schemeClr val="accent1"/>
+          </a:effectRef>
+          <a:fontRef idx="minor">
+            <a:schemeClr val="lt1"/>
+          </a:fontRef>
+        </p:style>
+        <p:txBody>
+          <a:bodyPr rot="0" spcFirstLastPara="0" vertOverflow="overflow" horzOverflow="overflow" vert="horz" wrap="square" lIns="91440" tIns="45720" rIns="91440" bIns="45720" numCol="1" spcCol="0" rtlCol="0" fromWordArt="0" anchor="ctr" anchorCtr="0" forceAA="0" compatLnSpc="1">
+            <a:prstTxWarp prst="textNoShape">
+              <a:avLst/>
+            </a:prstTxWarp>
+            <a:noAutofit/>
+          </a:bodyPr>
+          <a:lstStyle/>
+          <a:p>
+            <a:pPr algn="ctr"/>
+            <a:endParaRPr lang="ko-KR" altLang="en-US"/>
+          </a:p>
+        </p:txBody>
+      </p:sp>
     </p:spTree>
     <p:extLst>
       <p:ext uri="{BB962C8B-B14F-4D97-AF65-F5344CB8AC3E}">
-        <p14:creationId xmlns:p14="http://schemas.microsoft.com/office/powerpoint/2010/main" val="610057773"/>
+        <p14:creationId xmlns:p14="http://schemas.microsoft.com/office/powerpoint/2010/main" val="4142423928"/>
       </p:ext>
     </p:extLst>
   </p:cSld>
@@ -19997,10 +20047,10 @@
       </p:sp>
       <p:pic>
         <p:nvPicPr>
-          <p:cNvPr id="19" name="그림 18">
-            <a:extLst>
-              <a:ext uri="{FF2B5EF4-FFF2-40B4-BE49-F238E27FC236}">
-                <a16:creationId xmlns:a16="http://schemas.microsoft.com/office/drawing/2014/main" id="{B6A03934-7850-4B5E-9138-D3DFE4717CF8}"/>
+          <p:cNvPr id="4" name="그림 3">
+            <a:extLst>
+              <a:ext uri="{FF2B5EF4-FFF2-40B4-BE49-F238E27FC236}">
+                <a16:creationId xmlns:a16="http://schemas.microsoft.com/office/drawing/2014/main" id="{E7A732CC-8C69-4D90-9BB1-96E904EB8531}"/>
               </a:ext>
             </a:extLst>
           </p:cNvPr>
@@ -20023,75 +20073,18 @@
         </p:blipFill>
         <p:spPr>
           <a:xfrm>
-            <a:off x="2416458" y="1883228"/>
-            <a:ext cx="7232083" cy="4688307"/>
+            <a:off x="2360085" y="1883228"/>
+            <a:ext cx="7344830" cy="4748464"/>
           </a:xfrm>
           <a:prstGeom prst="rect">
             <a:avLst/>
           </a:prstGeom>
         </p:spPr>
       </p:pic>
-      <p:sp>
-        <p:nvSpPr>
-          <p:cNvPr id="20" name="사각형: 둥근 모서리 19">
-            <a:extLst>
-              <a:ext uri="{FF2B5EF4-FFF2-40B4-BE49-F238E27FC236}">
-                <a16:creationId xmlns:a16="http://schemas.microsoft.com/office/drawing/2014/main" id="{82FEF780-C291-4F8C-954A-4B2F2F481A3C}"/>
-              </a:ext>
-            </a:extLst>
-          </p:cNvPr>
-          <p:cNvSpPr/>
-          <p:nvPr/>
-        </p:nvSpPr>
-        <p:spPr>
-          <a:xfrm>
-            <a:off x="6761747" y="4572000"/>
-            <a:ext cx="613611" cy="216568"/>
-          </a:xfrm>
-          <a:prstGeom prst="roundRect">
-            <a:avLst/>
-          </a:prstGeom>
-          <a:noFill/>
-          <a:ln w="38100">
-            <a:solidFill>
-              <a:srgbClr val="FF0000"/>
-            </a:solidFill>
-          </a:ln>
-        </p:spPr>
-        <p:style>
-          <a:lnRef idx="2">
-            <a:schemeClr val="accent1">
-              <a:shade val="50000"/>
-            </a:schemeClr>
-          </a:lnRef>
-          <a:fillRef idx="1">
-            <a:schemeClr val="accent1"/>
-          </a:fillRef>
-          <a:effectRef idx="0">
-            <a:schemeClr val="accent1"/>
-          </a:effectRef>
-          <a:fontRef idx="minor">
-            <a:schemeClr val="lt1"/>
-          </a:fontRef>
-        </p:style>
-        <p:txBody>
-          <a:bodyPr rot="0" spcFirstLastPara="0" vertOverflow="overflow" horzOverflow="overflow" vert="horz" wrap="square" lIns="91440" tIns="45720" rIns="91440" bIns="45720" numCol="1" spcCol="0" rtlCol="0" fromWordArt="0" anchor="ctr" anchorCtr="0" forceAA="0" compatLnSpc="1">
-            <a:prstTxWarp prst="textNoShape">
-              <a:avLst/>
-            </a:prstTxWarp>
-            <a:noAutofit/>
-          </a:bodyPr>
-          <a:lstStyle/>
-          <a:p>
-            <a:pPr algn="ctr"/>
-            <a:endParaRPr lang="ko-KR" altLang="en-US"/>
-          </a:p>
-        </p:txBody>
-      </p:sp>
     </p:spTree>
     <p:extLst>
       <p:ext uri="{BB962C8B-B14F-4D97-AF65-F5344CB8AC3E}">
-        <p14:creationId xmlns:p14="http://schemas.microsoft.com/office/powerpoint/2010/main" val="3580597387"/>
+        <p14:creationId xmlns:p14="http://schemas.microsoft.com/office/powerpoint/2010/main" val="610057773"/>
       </p:ext>
     </p:extLst>
   </p:cSld>
@@ -20704,10 +20697,10 @@
       </p:sp>
       <p:pic>
         <p:nvPicPr>
-          <p:cNvPr id="4" name="그림 3">
-            <a:extLst>
-              <a:ext uri="{FF2B5EF4-FFF2-40B4-BE49-F238E27FC236}">
-                <a16:creationId xmlns:a16="http://schemas.microsoft.com/office/drawing/2014/main" id="{57637C48-F5C0-46B0-AB9A-26E55C0D3F52}"/>
+          <p:cNvPr id="19" name="그림 18">
+            <a:extLst>
+              <a:ext uri="{FF2B5EF4-FFF2-40B4-BE49-F238E27FC236}">
+                <a16:creationId xmlns:a16="http://schemas.microsoft.com/office/drawing/2014/main" id="{B6A03934-7850-4B5E-9138-D3DFE4717CF8}"/>
               </a:ext>
             </a:extLst>
           </p:cNvPr>
@@ -20730,8 +20723,8 @@
         </p:blipFill>
         <p:spPr>
           <a:xfrm>
-            <a:off x="2151067" y="1817073"/>
-            <a:ext cx="7889866" cy="4945484"/>
+            <a:off x="2416458" y="1883228"/>
+            <a:ext cx="7232083" cy="4688307"/>
           </a:xfrm>
           <a:prstGeom prst="rect">
             <a:avLst/>
@@ -20740,10 +20733,10 @@
       </p:pic>
       <p:sp>
         <p:nvSpPr>
-          <p:cNvPr id="5" name="사각형: 둥근 모서리 4">
-            <a:extLst>
-              <a:ext uri="{FF2B5EF4-FFF2-40B4-BE49-F238E27FC236}">
-                <a16:creationId xmlns:a16="http://schemas.microsoft.com/office/drawing/2014/main" id="{F9E0EA21-641D-4210-9F84-C2E953004EF0}"/>
+          <p:cNvPr id="20" name="사각형: 둥근 모서리 19">
+            <a:extLst>
+              <a:ext uri="{FF2B5EF4-FFF2-40B4-BE49-F238E27FC236}">
+                <a16:creationId xmlns:a16="http://schemas.microsoft.com/office/drawing/2014/main" id="{82FEF780-C291-4F8C-954A-4B2F2F481A3C}"/>
               </a:ext>
             </a:extLst>
           </p:cNvPr>
@@ -20752,8 +20745,8 @@
         </p:nvSpPr>
         <p:spPr>
           <a:xfrm>
-            <a:off x="8169442" y="2971800"/>
-            <a:ext cx="1203158" cy="204537"/>
+            <a:off x="6761747" y="4572000"/>
+            <a:ext cx="613611" cy="216568"/>
           </a:xfrm>
           <a:prstGeom prst="roundRect">
             <a:avLst/>
@@ -20798,7 +20791,7 @@
     </p:spTree>
     <p:extLst>
       <p:ext uri="{BB962C8B-B14F-4D97-AF65-F5344CB8AC3E}">
-        <p14:creationId xmlns:p14="http://schemas.microsoft.com/office/powerpoint/2010/main" val="3048512935"/>
+        <p14:creationId xmlns:p14="http://schemas.microsoft.com/office/powerpoint/2010/main" val="3580597387"/>
       </p:ext>
     </p:extLst>
   </p:cSld>
@@ -21319,8 +21312,8 @@
         </p:nvSpPr>
         <p:spPr>
           <a:xfrm>
-            <a:off x="8870464" y="1245573"/>
-            <a:ext cx="1209600" cy="96744"/>
+            <a:off x="7058507" y="1245573"/>
+            <a:ext cx="1569600" cy="96744"/>
           </a:xfrm>
           <a:prstGeom prst="rect">
             <a:avLst/>
@@ -21362,7 +21355,7 @@
           <p:cNvPr id="15" name="직사각형 14">
             <a:extLst>
               <a:ext uri="{FF2B5EF4-FFF2-40B4-BE49-F238E27FC236}">
-                <a16:creationId xmlns:a16="http://schemas.microsoft.com/office/drawing/2014/main" id="{1CF9AE64-1CFE-439C-853D-72C2139E7BCB}"/>
+                <a16:creationId xmlns:a16="http://schemas.microsoft.com/office/drawing/2014/main" id="{587F1927-40C5-4B53-A931-A439877C0193}"/>
               </a:ext>
             </a:extLst>
           </p:cNvPr>
@@ -21411,10 +21404,10 @@
       </p:sp>
       <p:pic>
         <p:nvPicPr>
-          <p:cNvPr id="4" name="그림 3">
-            <a:extLst>
-              <a:ext uri="{FF2B5EF4-FFF2-40B4-BE49-F238E27FC236}">
-                <a16:creationId xmlns:a16="http://schemas.microsoft.com/office/drawing/2014/main" id="{9D9C6B49-E228-46DC-8738-F43FEAF0FF9B}"/>
+          <p:cNvPr id="19" name="그림 18">
+            <a:extLst>
+              <a:ext uri="{FF2B5EF4-FFF2-40B4-BE49-F238E27FC236}">
+                <a16:creationId xmlns:a16="http://schemas.microsoft.com/office/drawing/2014/main" id="{09E697BF-B1E3-4D8B-A82D-C1BA9055C5FC}"/>
               </a:ext>
             </a:extLst>
           </p:cNvPr>
@@ -21424,88 +21417,73 @@
           <p:nvPr/>
         </p:nvPicPr>
         <p:blipFill>
-          <a:blip r:embed="rId13">
-            <a:extLst>
-              <a:ext uri="{28A0092B-C50C-407E-A947-70E740481C1C}">
-                <a14:useLocalDpi xmlns:a14="http://schemas.microsoft.com/office/drawing/2010/main" val="0"/>
-              </a:ext>
-            </a:extLst>
-          </a:blip>
+          <a:blip r:embed="rId2"/>
           <a:stretch>
             <a:fillRect/>
           </a:stretch>
         </p:blipFill>
         <p:spPr>
           <a:xfrm>
-            <a:off x="2222126" y="1825891"/>
-            <a:ext cx="7747747" cy="4985932"/>
-          </a:xfrm>
-          <a:prstGeom prst="rect">
-            <a:avLst/>
-          </a:prstGeom>
+            <a:off x="0" y="3264932"/>
+            <a:ext cx="12192000" cy="1333499"/>
+          </a:xfrm>
+          <a:prstGeom prst="rect">
+            <a:avLst/>
+          </a:prstGeom>
+          <a:ln>
+            <a:noFill/>
+          </a:ln>
         </p:spPr>
       </p:pic>
       <p:sp>
         <p:nvSpPr>
-          <p:cNvPr id="5" name="사각형: 둥근 모서리 4">
-            <a:extLst>
-              <a:ext uri="{FF2B5EF4-FFF2-40B4-BE49-F238E27FC236}">
-                <a16:creationId xmlns:a16="http://schemas.microsoft.com/office/drawing/2014/main" id="{0B4F743C-1157-4FFA-9B65-56E3E17CCBDD}"/>
-              </a:ext>
-            </a:extLst>
-          </p:cNvPr>
-          <p:cNvSpPr/>
-          <p:nvPr/>
-        </p:nvSpPr>
-        <p:spPr>
-          <a:xfrm>
-            <a:off x="3937000" y="3200400"/>
-            <a:ext cx="1454150" cy="228600"/>
-          </a:xfrm>
-          <a:prstGeom prst="roundRect">
+          <p:cNvPr id="20" name="TextBox 19">
+            <a:extLst>
+              <a:ext uri="{FF2B5EF4-FFF2-40B4-BE49-F238E27FC236}">
+                <a16:creationId xmlns:a16="http://schemas.microsoft.com/office/drawing/2014/main" id="{53C2AF23-8153-468F-A021-4C66A9A8799C}"/>
+              </a:ext>
+            </a:extLst>
+          </p:cNvPr>
+          <p:cNvSpPr txBox="1"/>
+          <p:nvPr/>
+        </p:nvSpPr>
+        <p:spPr>
+          <a:xfrm>
+            <a:off x="0" y="3380876"/>
+            <a:ext cx="12192000" cy="1107996"/>
+          </a:xfrm>
+          <a:prstGeom prst="rect">
             <a:avLst/>
           </a:prstGeom>
           <a:noFill/>
-          <a:ln w="38100">
-            <a:solidFill>
-              <a:srgbClr val="FF0000"/>
-            </a:solidFill>
-          </a:ln>
-        </p:spPr>
-        <p:style>
-          <a:lnRef idx="2">
-            <a:schemeClr val="accent1">
-              <a:shade val="50000"/>
-            </a:schemeClr>
-          </a:lnRef>
-          <a:fillRef idx="1">
-            <a:schemeClr val="accent1"/>
-          </a:fillRef>
-          <a:effectRef idx="0">
-            <a:schemeClr val="accent1"/>
-          </a:effectRef>
-          <a:fontRef idx="minor">
-            <a:schemeClr val="lt1"/>
-          </a:fontRef>
-        </p:style>
-        <p:txBody>
-          <a:bodyPr rot="0" spcFirstLastPara="0" vertOverflow="overflow" horzOverflow="overflow" vert="horz" wrap="square" lIns="91440" tIns="45720" rIns="91440" bIns="45720" numCol="1" spcCol="0" rtlCol="0" fromWordArt="0" anchor="ctr" anchorCtr="0" forceAA="0" compatLnSpc="1">
-            <a:prstTxWarp prst="textNoShape">
-              <a:avLst/>
-            </a:prstTxWarp>
-            <a:noAutofit/>
+        </p:spPr>
+        <p:txBody>
+          <a:bodyPr wrap="square" rtlCol="0">
+            <a:spAutoFit/>
           </a:bodyPr>
           <a:lstStyle/>
           <a:p>
             <a:pPr algn="ctr"/>
-            <a:endParaRPr lang="ko-KR" altLang="en-US"/>
+            <a:r>
+              <a:rPr lang="ko-KR" altLang="en-US" sz="6600" b="1" dirty="0">
+                <a:solidFill>
+                  <a:schemeClr val="bg1"/>
+                </a:solidFill>
+              </a:rPr>
+              <a:t>관리자 모드</a:t>
+            </a:r>
+            <a:endParaRPr lang="en-US" altLang="ko-KR" sz="6600" b="1" dirty="0">
+              <a:solidFill>
+                <a:schemeClr val="bg1"/>
+              </a:solidFill>
+            </a:endParaRPr>
           </a:p>
         </p:txBody>
       </p:sp>
     </p:spTree>
     <p:extLst>
       <p:ext uri="{BB962C8B-B14F-4D97-AF65-F5344CB8AC3E}">
-        <p14:creationId xmlns:p14="http://schemas.microsoft.com/office/powerpoint/2010/main" val="982178079"/>
+        <p14:creationId xmlns:p14="http://schemas.microsoft.com/office/powerpoint/2010/main" val="4184412526"/>
       </p:ext>
     </p:extLst>
   </p:cSld>
@@ -21534,10 +21512,10 @@
       </p:grpSpPr>
       <p:pic>
         <p:nvPicPr>
-          <p:cNvPr id="6" name="그림 5">
-            <a:extLst>
-              <a:ext uri="{FF2B5EF4-FFF2-40B4-BE49-F238E27FC236}">
-                <a16:creationId xmlns:a16="http://schemas.microsoft.com/office/drawing/2014/main" id="{78F5A0B9-40B2-4B71-BA0F-BCA0D1027FAD}"/>
+          <p:cNvPr id="19" name="그림 18">
+            <a:extLst>
+              <a:ext uri="{FF2B5EF4-FFF2-40B4-BE49-F238E27FC236}">
+                <a16:creationId xmlns:a16="http://schemas.microsoft.com/office/drawing/2014/main" id="{6F9DD6E7-A5C5-49EB-A611-7886F69B5858}"/>
               </a:ext>
             </a:extLst>
           </p:cNvPr>
@@ -21547,7 +21525,43 @@
           <p:nvPr/>
         </p:nvPicPr>
         <p:blipFill>
-          <a:blip r:embed="rId2"/>
+          <a:blip r:embed="rId2">
+            <a:extLst>
+              <a:ext uri="{28A0092B-C50C-407E-A947-70E740481C1C}">
+                <a14:useLocalDpi xmlns:a14="http://schemas.microsoft.com/office/drawing/2010/main" val="0"/>
+              </a:ext>
+            </a:extLst>
+          </a:blip>
+          <a:stretch>
+            <a:fillRect/>
+          </a:stretch>
+        </p:blipFill>
+        <p:spPr>
+          <a:xfrm>
+            <a:off x="2276539" y="1817073"/>
+            <a:ext cx="7638922" cy="4756993"/>
+          </a:xfrm>
+          <a:prstGeom prst="rect">
+            <a:avLst/>
+          </a:prstGeom>
+        </p:spPr>
+      </p:pic>
+      <p:pic>
+        <p:nvPicPr>
+          <p:cNvPr id="6" name="그림 5">
+            <a:extLst>
+              <a:ext uri="{FF2B5EF4-FFF2-40B4-BE49-F238E27FC236}">
+                <a16:creationId xmlns:a16="http://schemas.microsoft.com/office/drawing/2014/main" id="{78F5A0B9-40B2-4B71-BA0F-BCA0D1027FAD}"/>
+              </a:ext>
+            </a:extLst>
+          </p:cNvPr>
+          <p:cNvPicPr>
+            <a:picLocks noChangeAspect="1"/>
+          </p:cNvPicPr>
+          <p:nvPr/>
+        </p:nvPicPr>
+        <p:blipFill>
+          <a:blip r:embed="rId3"/>
           <a:stretch>
             <a:fillRect/>
           </a:stretch>
@@ -21632,13 +21646,13 @@
           <p:nvPr/>
         </p:nvPicPr>
         <p:blipFill>
-          <a:blip r:embed="rId3">
+          <a:blip r:embed="rId4">
             <a:extLst>
               <a:ext uri="{28A0092B-C50C-407E-A947-70E740481C1C}">
                 <a14:useLocalDpi xmlns:a14="http://schemas.microsoft.com/office/drawing/2010/main" val="0"/>
               </a:ext>
               <a:ext uri="{96DAC541-7B7A-43D3-8B79-37D633B846F1}">
-                <asvg:svgBlip xmlns:asvg="http://schemas.microsoft.com/office/drawing/2016/SVG/main" r:embed="rId4"/>
+                <asvg:svgBlip xmlns:asvg="http://schemas.microsoft.com/office/drawing/2016/SVG/main" r:embed="rId5"/>
               </a:ext>
             </a:extLst>
           </a:blip>
@@ -21710,13 +21724,13 @@
           <p:nvPr/>
         </p:nvPicPr>
         <p:blipFill>
-          <a:blip r:embed="rId5">
+          <a:blip r:embed="rId6">
             <a:extLst>
               <a:ext uri="{28A0092B-C50C-407E-A947-70E740481C1C}">
                 <a14:useLocalDpi xmlns:a14="http://schemas.microsoft.com/office/drawing/2010/main" val="0"/>
               </a:ext>
               <a:ext uri="{96DAC541-7B7A-43D3-8B79-37D633B846F1}">
-                <asvg:svgBlip xmlns:asvg="http://schemas.microsoft.com/office/drawing/2016/SVG/main" r:embed="rId6"/>
+                <asvg:svgBlip xmlns:asvg="http://schemas.microsoft.com/office/drawing/2016/SVG/main" r:embed="rId7"/>
               </a:ext>
             </a:extLst>
           </a:blip>
@@ -21788,13 +21802,13 @@
           <p:nvPr/>
         </p:nvPicPr>
         <p:blipFill>
-          <a:blip r:embed="rId7">
+          <a:blip r:embed="rId8">
             <a:extLst>
               <a:ext uri="{28A0092B-C50C-407E-A947-70E740481C1C}">
                 <a14:useLocalDpi xmlns:a14="http://schemas.microsoft.com/office/drawing/2010/main" val="0"/>
               </a:ext>
               <a:ext uri="{96DAC541-7B7A-43D3-8B79-37D633B846F1}">
-                <asvg:svgBlip xmlns:asvg="http://schemas.microsoft.com/office/drawing/2016/SVG/main" r:embed="rId8"/>
+                <asvg:svgBlip xmlns:asvg="http://schemas.microsoft.com/office/drawing/2016/SVG/main" r:embed="rId9"/>
               </a:ext>
             </a:extLst>
           </a:blip>
@@ -21871,13 +21885,13 @@
           <p:nvPr/>
         </p:nvPicPr>
         <p:blipFill>
-          <a:blip r:embed="rId9">
+          <a:blip r:embed="rId10">
             <a:extLst>
               <a:ext uri="{28A0092B-C50C-407E-A947-70E740481C1C}">
                 <a14:useLocalDpi xmlns:a14="http://schemas.microsoft.com/office/drawing/2010/main" val="0"/>
               </a:ext>
               <a:ext uri="{96DAC541-7B7A-43D3-8B79-37D633B846F1}">
-                <asvg:svgBlip xmlns:asvg="http://schemas.microsoft.com/office/drawing/2016/SVG/main" r:embed="rId10"/>
+                <asvg:svgBlip xmlns:asvg="http://schemas.microsoft.com/office/drawing/2016/SVG/main" r:embed="rId11"/>
               </a:ext>
             </a:extLst>
           </a:blip>
@@ -21949,13 +21963,13 @@
           <p:nvPr/>
         </p:nvPicPr>
         <p:blipFill>
-          <a:blip r:embed="rId11">
+          <a:blip r:embed="rId12">
             <a:extLst>
               <a:ext uri="{28A0092B-C50C-407E-A947-70E740481C1C}">
                 <a14:useLocalDpi xmlns:a14="http://schemas.microsoft.com/office/drawing/2010/main" val="0"/>
               </a:ext>
               <a:ext uri="{96DAC541-7B7A-43D3-8B79-37D633B846F1}">
-                <asvg:svgBlip xmlns:asvg="http://schemas.microsoft.com/office/drawing/2016/SVG/main" r:embed="rId12"/>
+                <asvg:svgBlip xmlns:asvg="http://schemas.microsoft.com/office/drawing/2016/SVG/main" r:embed="rId13"/>
               </a:ext>
             </a:extLst>
           </a:blip>
@@ -22116,46 +22130,67 @@
           </a:p>
         </p:txBody>
       </p:sp>
-      <p:pic>
-        <p:nvPicPr>
-          <p:cNvPr id="4" name="그림 3">
-            <a:extLst>
-              <a:ext uri="{FF2B5EF4-FFF2-40B4-BE49-F238E27FC236}">
-                <a16:creationId xmlns:a16="http://schemas.microsoft.com/office/drawing/2014/main" id="{311B5416-3FA4-4BD4-9B50-93A1B6C1D36C}"/>
-              </a:ext>
-            </a:extLst>
-          </p:cNvPr>
-          <p:cNvPicPr>
-            <a:picLocks noChangeAspect="1"/>
-          </p:cNvPicPr>
-          <p:nvPr/>
-        </p:nvPicPr>
-        <p:blipFill>
-          <a:blip r:embed="rId13">
-            <a:extLst>
-              <a:ext uri="{28A0092B-C50C-407E-A947-70E740481C1C}">
-                <a14:useLocalDpi xmlns:a14="http://schemas.microsoft.com/office/drawing/2010/main" val="0"/>
-              </a:ext>
-            </a:extLst>
-          </a:blip>
-          <a:stretch>
-            <a:fillRect/>
-          </a:stretch>
-        </p:blipFill>
-        <p:spPr>
-          <a:xfrm>
-            <a:off x="2019894" y="1790757"/>
-            <a:ext cx="8025212" cy="4908871"/>
-          </a:xfrm>
-          <a:prstGeom prst="rect">
-            <a:avLst/>
-          </a:prstGeom>
-        </p:spPr>
-      </p:pic>
+      <p:sp>
+        <p:nvSpPr>
+          <p:cNvPr id="5" name="사각형: 둥근 모서리 4">
+            <a:extLst>
+              <a:ext uri="{FF2B5EF4-FFF2-40B4-BE49-F238E27FC236}">
+                <a16:creationId xmlns:a16="http://schemas.microsoft.com/office/drawing/2014/main" id="{F9E0EA21-641D-4210-9F84-C2E953004EF0}"/>
+              </a:ext>
+            </a:extLst>
+          </p:cNvPr>
+          <p:cNvSpPr/>
+          <p:nvPr/>
+        </p:nvSpPr>
+        <p:spPr>
+          <a:xfrm>
+            <a:off x="8289758" y="2839453"/>
+            <a:ext cx="1203158" cy="204537"/>
+          </a:xfrm>
+          <a:prstGeom prst="roundRect">
+            <a:avLst/>
+          </a:prstGeom>
+          <a:noFill/>
+          <a:ln w="38100">
+            <a:solidFill>
+              <a:srgbClr val="FF0000"/>
+            </a:solidFill>
+          </a:ln>
+        </p:spPr>
+        <p:style>
+          <a:lnRef idx="2">
+            <a:schemeClr val="accent1">
+              <a:shade val="50000"/>
+            </a:schemeClr>
+          </a:lnRef>
+          <a:fillRef idx="1">
+            <a:schemeClr val="accent1"/>
+          </a:fillRef>
+          <a:effectRef idx="0">
+            <a:schemeClr val="accent1"/>
+          </a:effectRef>
+          <a:fontRef idx="minor">
+            <a:schemeClr val="lt1"/>
+          </a:fontRef>
+        </p:style>
+        <p:txBody>
+          <a:bodyPr rot="0" spcFirstLastPara="0" vertOverflow="overflow" horzOverflow="overflow" vert="horz" wrap="square" lIns="91440" tIns="45720" rIns="91440" bIns="45720" numCol="1" spcCol="0" rtlCol="0" fromWordArt="0" anchor="ctr" anchorCtr="0" forceAA="0" compatLnSpc="1">
+            <a:prstTxWarp prst="textNoShape">
+              <a:avLst/>
+            </a:prstTxWarp>
+            <a:noAutofit/>
+          </a:bodyPr>
+          <a:lstStyle/>
+          <a:p>
+            <a:pPr algn="ctr"/>
+            <a:endParaRPr lang="ko-KR" altLang="en-US"/>
+          </a:p>
+        </p:txBody>
+      </p:sp>
     </p:spTree>
     <p:extLst>
       <p:ext uri="{BB962C8B-B14F-4D97-AF65-F5344CB8AC3E}">
-        <p14:creationId xmlns:p14="http://schemas.microsoft.com/office/powerpoint/2010/main" val="3720315339"/>
+        <p14:creationId xmlns:p14="http://schemas.microsoft.com/office/powerpoint/2010/main" val="3048512935"/>
       </p:ext>
     </p:extLst>
   </p:cSld>
@@ -22816,8 +22851,8 @@
         </p:nvSpPr>
         <p:spPr>
           <a:xfrm>
-            <a:off x="8340558" y="3212432"/>
-            <a:ext cx="635000" cy="216568"/>
+            <a:off x="3937000" y="3200400"/>
+            <a:ext cx="1454150" cy="228600"/>
           </a:xfrm>
           <a:prstGeom prst="roundRect">
             <a:avLst/>
@@ -22862,7 +22897,7 @@
     </p:spTree>
     <p:extLst>
       <p:ext uri="{BB962C8B-B14F-4D97-AF65-F5344CB8AC3E}">
-        <p14:creationId xmlns:p14="http://schemas.microsoft.com/office/powerpoint/2010/main" val="2127976047"/>
+        <p14:creationId xmlns:p14="http://schemas.microsoft.com/office/powerpoint/2010/main" val="982178079"/>
       </p:ext>
     </p:extLst>
   </p:cSld>
@@ -23475,10 +23510,10 @@
       </p:sp>
       <p:pic>
         <p:nvPicPr>
-          <p:cNvPr id="23" name="그림 22">
-            <a:extLst>
-              <a:ext uri="{FF2B5EF4-FFF2-40B4-BE49-F238E27FC236}">
-                <a16:creationId xmlns:a16="http://schemas.microsoft.com/office/drawing/2014/main" id="{99970FE6-0C04-4A41-A623-615398DAC702}"/>
+          <p:cNvPr id="4" name="그림 3">
+            <a:extLst>
+              <a:ext uri="{FF2B5EF4-FFF2-40B4-BE49-F238E27FC236}">
+                <a16:creationId xmlns:a16="http://schemas.microsoft.com/office/drawing/2014/main" id="{311B5416-3FA4-4BD4-9B50-93A1B6C1D36C}"/>
               </a:ext>
             </a:extLst>
           </p:cNvPr>
@@ -23501,8 +23536,8 @@
         </p:blipFill>
         <p:spPr>
           <a:xfrm>
-            <a:off x="2033199" y="1817073"/>
-            <a:ext cx="7998601" cy="4758822"/>
+            <a:off x="2019894" y="1790757"/>
+            <a:ext cx="8025212" cy="4908871"/>
           </a:xfrm>
           <a:prstGeom prst="rect">
             <a:avLst/>
@@ -23512,7 +23547,7 @@
     </p:spTree>
     <p:extLst>
       <p:ext uri="{BB962C8B-B14F-4D97-AF65-F5344CB8AC3E}">
-        <p14:creationId xmlns:p14="http://schemas.microsoft.com/office/powerpoint/2010/main" val="984090830"/>
+        <p14:creationId xmlns:p14="http://schemas.microsoft.com/office/powerpoint/2010/main" val="3720315339"/>
       </p:ext>
     </p:extLst>
   </p:cSld>
@@ -24128,7 +24163,7 @@
           <p:cNvPr id="4" name="그림 3">
             <a:extLst>
               <a:ext uri="{FF2B5EF4-FFF2-40B4-BE49-F238E27FC236}">
-                <a16:creationId xmlns:a16="http://schemas.microsoft.com/office/drawing/2014/main" id="{5EA92E5D-FE1F-431C-A205-747F24338DD2}"/>
+                <a16:creationId xmlns:a16="http://schemas.microsoft.com/office/drawing/2014/main" id="{9D9C6B49-E228-46DC-8738-F43FEAF0FF9B}"/>
               </a:ext>
             </a:extLst>
           </p:cNvPr>
@@ -24151,8 +24186,8 @@
         </p:blipFill>
         <p:spPr>
           <a:xfrm>
-            <a:off x="2438321" y="1883228"/>
-            <a:ext cx="7315358" cy="4674184"/>
+            <a:off x="2222126" y="1825891"/>
+            <a:ext cx="7747747" cy="4985932"/>
           </a:xfrm>
           <a:prstGeom prst="rect">
             <a:avLst/>
@@ -24164,7 +24199,7 @@
           <p:cNvPr id="5" name="사각형: 둥근 모서리 4">
             <a:extLst>
               <a:ext uri="{FF2B5EF4-FFF2-40B4-BE49-F238E27FC236}">
-                <a16:creationId xmlns:a16="http://schemas.microsoft.com/office/drawing/2014/main" id="{B61E94F3-7BDC-451E-858E-1D61CCE64E92}"/>
+                <a16:creationId xmlns:a16="http://schemas.microsoft.com/office/drawing/2014/main" id="{0B4F743C-1157-4FFA-9B65-56E3E17CCBDD}"/>
               </a:ext>
             </a:extLst>
           </p:cNvPr>
@@ -24173,8 +24208,8 @@
         </p:nvSpPr>
         <p:spPr>
           <a:xfrm>
-            <a:off x="6845968" y="3513221"/>
-            <a:ext cx="625643" cy="216568"/>
+            <a:off x="8340558" y="3212432"/>
+            <a:ext cx="635000" cy="216568"/>
           </a:xfrm>
           <a:prstGeom prst="roundRect">
             <a:avLst/>
@@ -24219,7 +24254,7 @@
     </p:spTree>
     <p:extLst>
       <p:ext uri="{BB962C8B-B14F-4D97-AF65-F5344CB8AC3E}">
-        <p14:creationId xmlns:p14="http://schemas.microsoft.com/office/powerpoint/2010/main" val="3535486869"/>
+        <p14:creationId xmlns:p14="http://schemas.microsoft.com/office/powerpoint/2010/main" val="2127976047"/>
       </p:ext>
     </p:extLst>
   </p:cSld>
@@ -24832,10 +24867,10 @@
       </p:sp>
       <p:pic>
         <p:nvPicPr>
-          <p:cNvPr id="4" name="그림 3">
-            <a:extLst>
-              <a:ext uri="{FF2B5EF4-FFF2-40B4-BE49-F238E27FC236}">
-                <a16:creationId xmlns:a16="http://schemas.microsoft.com/office/drawing/2014/main" id="{ECBD6D21-2D57-46C6-A677-5F633F54A54D}"/>
+          <p:cNvPr id="23" name="그림 22">
+            <a:extLst>
+              <a:ext uri="{FF2B5EF4-FFF2-40B4-BE49-F238E27FC236}">
+                <a16:creationId xmlns:a16="http://schemas.microsoft.com/office/drawing/2014/main" id="{99970FE6-0C04-4A41-A623-615398DAC702}"/>
               </a:ext>
             </a:extLst>
           </p:cNvPr>
@@ -24858,75 +24893,18 @@
         </p:blipFill>
         <p:spPr>
           <a:xfrm>
-            <a:off x="2316558" y="1913817"/>
-            <a:ext cx="7431883" cy="4678682"/>
+            <a:off x="2033199" y="1817073"/>
+            <a:ext cx="7998601" cy="4758822"/>
           </a:xfrm>
           <a:prstGeom prst="rect">
             <a:avLst/>
           </a:prstGeom>
         </p:spPr>
       </p:pic>
-      <p:sp>
-        <p:nvSpPr>
-          <p:cNvPr id="5" name="사각형: 둥근 모서리 4">
-            <a:extLst>
-              <a:ext uri="{FF2B5EF4-FFF2-40B4-BE49-F238E27FC236}">
-                <a16:creationId xmlns:a16="http://schemas.microsoft.com/office/drawing/2014/main" id="{0BC3295D-CD65-4A96-93E9-756E08BA65EE}"/>
-              </a:ext>
-            </a:extLst>
-          </p:cNvPr>
-          <p:cNvSpPr/>
-          <p:nvPr/>
-        </p:nvSpPr>
-        <p:spPr>
-          <a:xfrm>
-            <a:off x="3850105" y="2863516"/>
-            <a:ext cx="5502545" cy="172814"/>
-          </a:xfrm>
-          <a:prstGeom prst="roundRect">
-            <a:avLst/>
-          </a:prstGeom>
-          <a:noFill/>
-          <a:ln w="38100">
-            <a:solidFill>
-              <a:srgbClr val="FF0000"/>
-            </a:solidFill>
-          </a:ln>
-        </p:spPr>
-        <p:style>
-          <a:lnRef idx="2">
-            <a:schemeClr val="accent1">
-              <a:shade val="50000"/>
-            </a:schemeClr>
-          </a:lnRef>
-          <a:fillRef idx="1">
-            <a:schemeClr val="accent1"/>
-          </a:fillRef>
-          <a:effectRef idx="0">
-            <a:schemeClr val="accent1"/>
-          </a:effectRef>
-          <a:fontRef idx="minor">
-            <a:schemeClr val="lt1"/>
-          </a:fontRef>
-        </p:style>
-        <p:txBody>
-          <a:bodyPr rot="0" spcFirstLastPara="0" vertOverflow="overflow" horzOverflow="overflow" vert="horz" wrap="square" lIns="91440" tIns="45720" rIns="91440" bIns="45720" numCol="1" spcCol="0" rtlCol="0" fromWordArt="0" anchor="ctr" anchorCtr="0" forceAA="0" compatLnSpc="1">
-            <a:prstTxWarp prst="textNoShape">
-              <a:avLst/>
-            </a:prstTxWarp>
-            <a:noAutofit/>
-          </a:bodyPr>
-          <a:lstStyle/>
-          <a:p>
-            <a:pPr algn="ctr"/>
-            <a:endParaRPr lang="ko-KR" altLang="en-US"/>
-          </a:p>
-        </p:txBody>
-      </p:sp>
     </p:spTree>
     <p:extLst>
       <p:ext uri="{BB962C8B-B14F-4D97-AF65-F5344CB8AC3E}">
-        <p14:creationId xmlns:p14="http://schemas.microsoft.com/office/powerpoint/2010/main" val="2088164983"/>
+        <p14:creationId xmlns:p14="http://schemas.microsoft.com/office/powerpoint/2010/main" val="984090830"/>
       </p:ext>
     </p:extLst>
   </p:cSld>
@@ -25542,7 +25520,7 @@
           <p:cNvPr id="4" name="그림 3">
             <a:extLst>
               <a:ext uri="{FF2B5EF4-FFF2-40B4-BE49-F238E27FC236}">
-                <a16:creationId xmlns:a16="http://schemas.microsoft.com/office/drawing/2014/main" id="{42EC45BD-C928-4E4A-930B-C3963FA4D621}"/>
+                <a16:creationId xmlns:a16="http://schemas.microsoft.com/office/drawing/2014/main" id="{5EA92E5D-FE1F-431C-A205-747F24338DD2}"/>
               </a:ext>
             </a:extLst>
           </p:cNvPr>
@@ -25565,18 +25543,75 @@
         </p:blipFill>
         <p:spPr>
           <a:xfrm>
-            <a:off x="2215816" y="1825891"/>
-            <a:ext cx="7633368" cy="4781340"/>
+            <a:off x="2438321" y="1883228"/>
+            <a:ext cx="7315358" cy="4674184"/>
           </a:xfrm>
           <a:prstGeom prst="rect">
             <a:avLst/>
           </a:prstGeom>
         </p:spPr>
       </p:pic>
+      <p:sp>
+        <p:nvSpPr>
+          <p:cNvPr id="5" name="사각형: 둥근 모서리 4">
+            <a:extLst>
+              <a:ext uri="{FF2B5EF4-FFF2-40B4-BE49-F238E27FC236}">
+                <a16:creationId xmlns:a16="http://schemas.microsoft.com/office/drawing/2014/main" id="{B61E94F3-7BDC-451E-858E-1D61CCE64E92}"/>
+              </a:ext>
+            </a:extLst>
+          </p:cNvPr>
+          <p:cNvSpPr/>
+          <p:nvPr/>
+        </p:nvSpPr>
+        <p:spPr>
+          <a:xfrm>
+            <a:off x="6845968" y="3513221"/>
+            <a:ext cx="625643" cy="216568"/>
+          </a:xfrm>
+          <a:prstGeom prst="roundRect">
+            <a:avLst/>
+          </a:prstGeom>
+          <a:noFill/>
+          <a:ln w="38100">
+            <a:solidFill>
+              <a:srgbClr val="FF0000"/>
+            </a:solidFill>
+          </a:ln>
+        </p:spPr>
+        <p:style>
+          <a:lnRef idx="2">
+            <a:schemeClr val="accent1">
+              <a:shade val="50000"/>
+            </a:schemeClr>
+          </a:lnRef>
+          <a:fillRef idx="1">
+            <a:schemeClr val="accent1"/>
+          </a:fillRef>
+          <a:effectRef idx="0">
+            <a:schemeClr val="accent1"/>
+          </a:effectRef>
+          <a:fontRef idx="minor">
+            <a:schemeClr val="lt1"/>
+          </a:fontRef>
+        </p:style>
+        <p:txBody>
+          <a:bodyPr rot="0" spcFirstLastPara="0" vertOverflow="overflow" horzOverflow="overflow" vert="horz" wrap="square" lIns="91440" tIns="45720" rIns="91440" bIns="45720" numCol="1" spcCol="0" rtlCol="0" fromWordArt="0" anchor="ctr" anchorCtr="0" forceAA="0" compatLnSpc="1">
+            <a:prstTxWarp prst="textNoShape">
+              <a:avLst/>
+            </a:prstTxWarp>
+            <a:noAutofit/>
+          </a:bodyPr>
+          <a:lstStyle/>
+          <a:p>
+            <a:pPr algn="ctr"/>
+            <a:endParaRPr lang="ko-KR" altLang="en-US"/>
+          </a:p>
+        </p:txBody>
+      </p:sp>
     </p:spTree>
     <p:extLst>
       <p:ext uri="{BB962C8B-B14F-4D97-AF65-F5344CB8AC3E}">
-        <p14:creationId xmlns:p14="http://schemas.microsoft.com/office/powerpoint/2010/main" val="3038958916"/>
+        <p14:creationId xmlns:p14="http://schemas.microsoft.com/office/powerpoint/2010/main" val="3535486869"/>
       </p:ext>
     </p:extLst>
   </p:cSld>
@@ -26192,7 +26227,7 @@
           <p:cNvPr id="4" name="그림 3">
             <a:extLst>
               <a:ext uri="{FF2B5EF4-FFF2-40B4-BE49-F238E27FC236}">
-                <a16:creationId xmlns:a16="http://schemas.microsoft.com/office/drawing/2014/main" id="{EE95A028-74D7-4D93-A657-997CB3488522}"/>
+                <a16:creationId xmlns:a16="http://schemas.microsoft.com/office/drawing/2014/main" id="{ECBD6D21-2D57-46C6-A677-5F633F54A54D}"/>
               </a:ext>
             </a:extLst>
           </p:cNvPr>
@@ -26215,8 +26250,8 @@
         </p:blipFill>
         <p:spPr>
           <a:xfrm>
-            <a:off x="2175936" y="1817073"/>
-            <a:ext cx="7840127" cy="4959398"/>
+            <a:off x="2316558" y="1913817"/>
+            <a:ext cx="7431883" cy="4678682"/>
           </a:xfrm>
           <a:prstGeom prst="rect">
             <a:avLst/>
@@ -26228,7 +26263,7 @@
           <p:cNvPr id="5" name="사각형: 둥근 모서리 4">
             <a:extLst>
               <a:ext uri="{FF2B5EF4-FFF2-40B4-BE49-F238E27FC236}">
-                <a16:creationId xmlns:a16="http://schemas.microsoft.com/office/drawing/2014/main" id="{1427B572-64AF-4051-9416-95139668B296}"/>
+                <a16:creationId xmlns:a16="http://schemas.microsoft.com/office/drawing/2014/main" id="{0BC3295D-CD65-4A96-93E9-756E08BA65EE}"/>
               </a:ext>
             </a:extLst>
           </p:cNvPr>
@@ -26237,8 +26272,8 @@
         </p:nvSpPr>
         <p:spPr>
           <a:xfrm>
-            <a:off x="8217568" y="2731168"/>
-            <a:ext cx="1082843" cy="228600"/>
+            <a:off x="3850105" y="2863516"/>
+            <a:ext cx="5502545" cy="172814"/>
           </a:xfrm>
           <a:prstGeom prst="roundRect">
             <a:avLst/>
@@ -26283,7 +26318,7 @@
     </p:spTree>
     <p:extLst>
       <p:ext uri="{BB962C8B-B14F-4D97-AF65-F5344CB8AC3E}">
-        <p14:creationId xmlns:p14="http://schemas.microsoft.com/office/powerpoint/2010/main" val="1502787195"/>
+        <p14:creationId xmlns:p14="http://schemas.microsoft.com/office/powerpoint/2010/main" val="2088164983"/>
       </p:ext>
     </p:extLst>
   </p:cSld>
@@ -28263,7 +28298,7 @@
           <p:cNvPr id="4" name="그림 3">
             <a:extLst>
               <a:ext uri="{FF2B5EF4-FFF2-40B4-BE49-F238E27FC236}">
-                <a16:creationId xmlns:a16="http://schemas.microsoft.com/office/drawing/2014/main" id="{C0871AD0-B322-4747-8A8D-F6CD2148B873}"/>
+                <a16:creationId xmlns:a16="http://schemas.microsoft.com/office/drawing/2014/main" id="{42EC45BD-C928-4E4A-930B-C3963FA4D621}"/>
               </a:ext>
             </a:extLst>
           </p:cNvPr>
@@ -28286,75 +28321,18 @@
         </p:blipFill>
         <p:spPr>
           <a:xfrm>
-            <a:off x="2334081" y="1825891"/>
-            <a:ext cx="7396837" cy="4864160"/>
+            <a:off x="2215816" y="1825891"/>
+            <a:ext cx="7633368" cy="4781340"/>
           </a:xfrm>
           <a:prstGeom prst="rect">
             <a:avLst/>
           </a:prstGeom>
         </p:spPr>
       </p:pic>
-      <p:sp>
-        <p:nvSpPr>
-          <p:cNvPr id="5" name="사각형: 둥근 모서리 4">
-            <a:extLst>
-              <a:ext uri="{FF2B5EF4-FFF2-40B4-BE49-F238E27FC236}">
-                <a16:creationId xmlns:a16="http://schemas.microsoft.com/office/drawing/2014/main" id="{E1A28045-E368-4475-AA96-4EEC3E9D7A32}"/>
-              </a:ext>
-            </a:extLst>
-          </p:cNvPr>
-          <p:cNvSpPr/>
-          <p:nvPr/>
-        </p:nvSpPr>
-        <p:spPr>
-          <a:xfrm>
-            <a:off x="4259179" y="2755232"/>
-            <a:ext cx="276726" cy="168442"/>
-          </a:xfrm>
-          <a:prstGeom prst="roundRect">
-            <a:avLst/>
-          </a:prstGeom>
-          <a:noFill/>
-          <a:ln w="38100">
-            <a:solidFill>
-              <a:srgbClr val="FF0000"/>
-            </a:solidFill>
-          </a:ln>
-        </p:spPr>
-        <p:style>
-          <a:lnRef idx="2">
-            <a:schemeClr val="accent1">
-              <a:shade val="50000"/>
-            </a:schemeClr>
-          </a:lnRef>
-          <a:fillRef idx="1">
-            <a:schemeClr val="accent1"/>
-          </a:fillRef>
-          <a:effectRef idx="0">
-            <a:schemeClr val="accent1"/>
-          </a:effectRef>
-          <a:fontRef idx="minor">
-            <a:schemeClr val="lt1"/>
-          </a:fontRef>
-        </p:style>
-        <p:txBody>
-          <a:bodyPr rot="0" spcFirstLastPara="0" vertOverflow="overflow" horzOverflow="overflow" vert="horz" wrap="square" lIns="91440" tIns="45720" rIns="91440" bIns="45720" numCol="1" spcCol="0" rtlCol="0" fromWordArt="0" anchor="ctr" anchorCtr="0" forceAA="0" compatLnSpc="1">
-            <a:prstTxWarp prst="textNoShape">
-              <a:avLst/>
-            </a:prstTxWarp>
-            <a:noAutofit/>
-          </a:bodyPr>
-          <a:lstStyle/>
-          <a:p>
-            <a:pPr algn="ctr"/>
-            <a:endParaRPr lang="ko-KR" altLang="en-US"/>
-          </a:p>
-        </p:txBody>
-      </p:sp>
     </p:spTree>
     <p:extLst>
       <p:ext uri="{BB962C8B-B14F-4D97-AF65-F5344CB8AC3E}">
-        <p14:creationId xmlns:p14="http://schemas.microsoft.com/office/powerpoint/2010/main" val="1267853055"/>
+        <p14:creationId xmlns:p14="http://schemas.microsoft.com/office/powerpoint/2010/main" val="3038958916"/>
       </p:ext>
     </p:extLst>
   </p:cSld>
@@ -28383,10 +28361,10 @@
       </p:grpSpPr>
       <p:pic>
         <p:nvPicPr>
-          <p:cNvPr id="6" name="그림 5">
-            <a:extLst>
-              <a:ext uri="{FF2B5EF4-FFF2-40B4-BE49-F238E27FC236}">
-                <a16:creationId xmlns:a16="http://schemas.microsoft.com/office/drawing/2014/main" id="{78F5A0B9-40B2-4B71-BA0F-BCA0D1027FAD}"/>
+          <p:cNvPr id="19" name="그림 18">
+            <a:extLst>
+              <a:ext uri="{FF2B5EF4-FFF2-40B4-BE49-F238E27FC236}">
+                <a16:creationId xmlns:a16="http://schemas.microsoft.com/office/drawing/2014/main" id="{6F9DD6E7-A5C5-49EB-A611-7886F69B5858}"/>
               </a:ext>
             </a:extLst>
           </p:cNvPr>
@@ -28396,7 +28374,43 @@
           <p:nvPr/>
         </p:nvPicPr>
         <p:blipFill>
-          <a:blip r:embed="rId2"/>
+          <a:blip r:embed="rId2">
+            <a:extLst>
+              <a:ext uri="{28A0092B-C50C-407E-A947-70E740481C1C}">
+                <a14:useLocalDpi xmlns:a14="http://schemas.microsoft.com/office/drawing/2010/main" val="0"/>
+              </a:ext>
+            </a:extLst>
+          </a:blip>
+          <a:stretch>
+            <a:fillRect/>
+          </a:stretch>
+        </p:blipFill>
+        <p:spPr>
+          <a:xfrm>
+            <a:off x="2276539" y="1817073"/>
+            <a:ext cx="7638922" cy="4756993"/>
+          </a:xfrm>
+          <a:prstGeom prst="rect">
+            <a:avLst/>
+          </a:prstGeom>
+        </p:spPr>
+      </p:pic>
+      <p:pic>
+        <p:nvPicPr>
+          <p:cNvPr id="6" name="그림 5">
+            <a:extLst>
+              <a:ext uri="{FF2B5EF4-FFF2-40B4-BE49-F238E27FC236}">
+                <a16:creationId xmlns:a16="http://schemas.microsoft.com/office/drawing/2014/main" id="{78F5A0B9-40B2-4B71-BA0F-BCA0D1027FAD}"/>
+              </a:ext>
+            </a:extLst>
+          </p:cNvPr>
+          <p:cNvPicPr>
+            <a:picLocks noChangeAspect="1"/>
+          </p:cNvPicPr>
+          <p:nvPr/>
+        </p:nvPicPr>
+        <p:blipFill>
+          <a:blip r:embed="rId3"/>
           <a:stretch>
             <a:fillRect/>
           </a:stretch>
@@ -28481,13 +28495,13 @@
           <p:nvPr/>
         </p:nvPicPr>
         <p:blipFill>
-          <a:blip r:embed="rId3">
+          <a:blip r:embed="rId4">
             <a:extLst>
               <a:ext uri="{28A0092B-C50C-407E-A947-70E740481C1C}">
                 <a14:useLocalDpi xmlns:a14="http://schemas.microsoft.com/office/drawing/2010/main" val="0"/>
               </a:ext>
               <a:ext uri="{96DAC541-7B7A-43D3-8B79-37D633B846F1}">
-                <asvg:svgBlip xmlns:asvg="http://schemas.microsoft.com/office/drawing/2016/SVG/main" r:embed="rId4"/>
+                <asvg:svgBlip xmlns:asvg="http://schemas.microsoft.com/office/drawing/2016/SVG/main" r:embed="rId5"/>
               </a:ext>
             </a:extLst>
           </a:blip>
@@ -28559,13 +28573,13 @@
           <p:nvPr/>
         </p:nvPicPr>
         <p:blipFill>
-          <a:blip r:embed="rId5">
+          <a:blip r:embed="rId6">
             <a:extLst>
               <a:ext uri="{28A0092B-C50C-407E-A947-70E740481C1C}">
                 <a14:useLocalDpi xmlns:a14="http://schemas.microsoft.com/office/drawing/2010/main" val="0"/>
               </a:ext>
               <a:ext uri="{96DAC541-7B7A-43D3-8B79-37D633B846F1}">
-                <asvg:svgBlip xmlns:asvg="http://schemas.microsoft.com/office/drawing/2016/SVG/main" r:embed="rId6"/>
+                <asvg:svgBlip xmlns:asvg="http://schemas.microsoft.com/office/drawing/2016/SVG/main" r:embed="rId7"/>
               </a:ext>
             </a:extLst>
           </a:blip>
@@ -28637,13 +28651,13 @@
           <p:nvPr/>
         </p:nvPicPr>
         <p:blipFill>
-          <a:blip r:embed="rId7">
+          <a:blip r:embed="rId8">
             <a:extLst>
               <a:ext uri="{28A0092B-C50C-407E-A947-70E740481C1C}">
                 <a14:useLocalDpi xmlns:a14="http://schemas.microsoft.com/office/drawing/2010/main" val="0"/>
               </a:ext>
               <a:ext uri="{96DAC541-7B7A-43D3-8B79-37D633B846F1}">
-                <asvg:svgBlip xmlns:asvg="http://schemas.microsoft.com/office/drawing/2016/SVG/main" r:embed="rId8"/>
+                <asvg:svgBlip xmlns:asvg="http://schemas.microsoft.com/office/drawing/2016/SVG/main" r:embed="rId9"/>
               </a:ext>
             </a:extLst>
           </a:blip>
@@ -28720,13 +28734,13 @@
           <p:nvPr/>
         </p:nvPicPr>
         <p:blipFill>
-          <a:blip r:embed="rId9">
+          <a:blip r:embed="rId10">
             <a:extLst>
               <a:ext uri="{28A0092B-C50C-407E-A947-70E740481C1C}">
                 <a14:useLocalDpi xmlns:a14="http://schemas.microsoft.com/office/drawing/2010/main" val="0"/>
               </a:ext>
               <a:ext uri="{96DAC541-7B7A-43D3-8B79-37D633B846F1}">
-                <asvg:svgBlip xmlns:asvg="http://schemas.microsoft.com/office/drawing/2016/SVG/main" r:embed="rId10"/>
+                <asvg:svgBlip xmlns:asvg="http://schemas.microsoft.com/office/drawing/2016/SVG/main" r:embed="rId11"/>
               </a:ext>
             </a:extLst>
           </a:blip>
@@ -28798,13 +28812,13 @@
           <p:nvPr/>
         </p:nvPicPr>
         <p:blipFill>
-          <a:blip r:embed="rId11">
+          <a:blip r:embed="rId12">
             <a:extLst>
               <a:ext uri="{28A0092B-C50C-407E-A947-70E740481C1C}">
                 <a14:useLocalDpi xmlns:a14="http://schemas.microsoft.com/office/drawing/2010/main" val="0"/>
               </a:ext>
               <a:ext uri="{96DAC541-7B7A-43D3-8B79-37D633B846F1}">
-                <asvg:svgBlip xmlns:asvg="http://schemas.microsoft.com/office/drawing/2016/SVG/main" r:embed="rId12"/>
+                <asvg:svgBlip xmlns:asvg="http://schemas.microsoft.com/office/drawing/2016/SVG/main" r:embed="rId13"/>
               </a:ext>
             </a:extLst>
           </a:blip>
@@ -28965,48 +28979,12 @@
           </a:p>
         </p:txBody>
       </p:sp>
-      <p:pic>
-        <p:nvPicPr>
-          <p:cNvPr id="4" name="그림 3">
-            <a:extLst>
-              <a:ext uri="{FF2B5EF4-FFF2-40B4-BE49-F238E27FC236}">
-                <a16:creationId xmlns:a16="http://schemas.microsoft.com/office/drawing/2014/main" id="{1E928C6B-AC26-4E56-B387-8449091B6EFA}"/>
-              </a:ext>
-            </a:extLst>
-          </p:cNvPr>
-          <p:cNvPicPr>
-            <a:picLocks noChangeAspect="1"/>
-          </p:cNvPicPr>
-          <p:nvPr/>
-        </p:nvPicPr>
-        <p:blipFill>
-          <a:blip r:embed="rId13">
-            <a:extLst>
-              <a:ext uri="{28A0092B-C50C-407E-A947-70E740481C1C}">
-                <a14:useLocalDpi xmlns:a14="http://schemas.microsoft.com/office/drawing/2010/main" val="0"/>
-              </a:ext>
-            </a:extLst>
-          </a:blip>
-          <a:stretch>
-            <a:fillRect/>
-          </a:stretch>
-        </p:blipFill>
-        <p:spPr>
-          <a:xfrm>
-            <a:off x="2343150" y="1790757"/>
-            <a:ext cx="7447147" cy="4754259"/>
-          </a:xfrm>
-          <a:prstGeom prst="rect">
-            <a:avLst/>
-          </a:prstGeom>
-        </p:spPr>
-      </p:pic>
-      <p:sp>
-        <p:nvSpPr>
-          <p:cNvPr id="30" name="사각형: 둥근 모서리 29">
-            <a:extLst>
-              <a:ext uri="{FF2B5EF4-FFF2-40B4-BE49-F238E27FC236}">
-                <a16:creationId xmlns:a16="http://schemas.microsoft.com/office/drawing/2014/main" id="{A2D65737-9F12-48EE-B6A4-6A119039AA3C}"/>
+      <p:sp>
+        <p:nvSpPr>
+          <p:cNvPr id="5" name="사각형: 둥근 모서리 4">
+            <a:extLst>
+              <a:ext uri="{FF2B5EF4-FFF2-40B4-BE49-F238E27FC236}">
+                <a16:creationId xmlns:a16="http://schemas.microsoft.com/office/drawing/2014/main" id="{F9E0EA21-641D-4210-9F84-C2E953004EF0}"/>
               </a:ext>
             </a:extLst>
           </p:cNvPr>
@@ -29015,8 +28993,8 @@
         </p:nvSpPr>
         <p:spPr>
           <a:xfrm>
-            <a:off x="2927350" y="5524501"/>
-            <a:ext cx="1009650" cy="166436"/>
+            <a:off x="8241632" y="2634916"/>
+            <a:ext cx="1203158" cy="204537"/>
           </a:xfrm>
           <a:prstGeom prst="roundRect">
             <a:avLst/>
@@ -29061,7 +29039,7 @@
     </p:spTree>
     <p:extLst>
       <p:ext uri="{BB962C8B-B14F-4D97-AF65-F5344CB8AC3E}">
-        <p14:creationId xmlns:p14="http://schemas.microsoft.com/office/powerpoint/2010/main" val="759930895"/>
+        <p14:creationId xmlns:p14="http://schemas.microsoft.com/office/powerpoint/2010/main" val="3291917643"/>
       </p:ext>
     </p:extLst>
   </p:cSld>
@@ -29674,10 +29652,10 @@
       </p:sp>
       <p:pic>
         <p:nvPicPr>
-          <p:cNvPr id="22" name="그림 21">
-            <a:extLst>
-              <a:ext uri="{FF2B5EF4-FFF2-40B4-BE49-F238E27FC236}">
-                <a16:creationId xmlns:a16="http://schemas.microsoft.com/office/drawing/2014/main" id="{8C34FC88-851E-4BD5-A445-83900858C4FE}"/>
+          <p:cNvPr id="4" name="그림 3">
+            <a:extLst>
+              <a:ext uri="{FF2B5EF4-FFF2-40B4-BE49-F238E27FC236}">
+                <a16:creationId xmlns:a16="http://schemas.microsoft.com/office/drawing/2014/main" id="{C0871AD0-B322-4747-8A8D-F6CD2148B873}"/>
               </a:ext>
             </a:extLst>
           </p:cNvPr>
@@ -29700,8 +29678,8 @@
         </p:blipFill>
         <p:spPr>
           <a:xfrm>
-            <a:off x="2242631" y="1817073"/>
-            <a:ext cx="7579737" cy="4984104"/>
+            <a:off x="2334081" y="1825891"/>
+            <a:ext cx="7396837" cy="4864160"/>
           </a:xfrm>
           <a:prstGeom prst="rect">
             <a:avLst/>
@@ -29710,10 +29688,10 @@
       </p:pic>
       <p:sp>
         <p:nvSpPr>
-          <p:cNvPr id="23" name="사각형: 둥근 모서리 22">
-            <a:extLst>
-              <a:ext uri="{FF2B5EF4-FFF2-40B4-BE49-F238E27FC236}">
-                <a16:creationId xmlns:a16="http://schemas.microsoft.com/office/drawing/2014/main" id="{2A72C6B0-8498-4B53-8E31-B38DE7E6095C}"/>
+          <p:cNvPr id="5" name="사각형: 둥근 모서리 4">
+            <a:extLst>
+              <a:ext uri="{FF2B5EF4-FFF2-40B4-BE49-F238E27FC236}">
+                <a16:creationId xmlns:a16="http://schemas.microsoft.com/office/drawing/2014/main" id="{E1A28045-E368-4475-AA96-4EEC3E9D7A32}"/>
               </a:ext>
             </a:extLst>
           </p:cNvPr>
@@ -29722,8 +29700,8 @@
         </p:nvSpPr>
         <p:spPr>
           <a:xfrm>
-            <a:off x="4235116" y="2947737"/>
-            <a:ext cx="264695" cy="168442"/>
+            <a:off x="4259179" y="2755232"/>
+            <a:ext cx="276726" cy="168442"/>
           </a:xfrm>
           <a:prstGeom prst="roundRect">
             <a:avLst/>
@@ -29768,7 +29746,7 @@
     </p:spTree>
     <p:extLst>
       <p:ext uri="{BB962C8B-B14F-4D97-AF65-F5344CB8AC3E}">
-        <p14:creationId xmlns:p14="http://schemas.microsoft.com/office/powerpoint/2010/main" val="1148064928"/>
+        <p14:creationId xmlns:p14="http://schemas.microsoft.com/office/powerpoint/2010/main" val="1267853055"/>
       </p:ext>
     </p:extLst>
   </p:cSld>
@@ -30381,10 +30359,10 @@
       </p:sp>
       <p:pic>
         <p:nvPicPr>
-          <p:cNvPr id="20" name="그림 19">
-            <a:extLst>
-              <a:ext uri="{FF2B5EF4-FFF2-40B4-BE49-F238E27FC236}">
-                <a16:creationId xmlns:a16="http://schemas.microsoft.com/office/drawing/2014/main" id="{4A8AD9CD-2CC0-4CA1-B5CE-FF9496A6B546}"/>
+          <p:cNvPr id="4" name="그림 3">
+            <a:extLst>
+              <a:ext uri="{FF2B5EF4-FFF2-40B4-BE49-F238E27FC236}">
+                <a16:creationId xmlns:a16="http://schemas.microsoft.com/office/drawing/2014/main" id="{1E928C6B-AC26-4E56-B387-8449091B6EFA}"/>
               </a:ext>
             </a:extLst>
           </p:cNvPr>
@@ -30407,8 +30385,8 @@
         </p:blipFill>
         <p:spPr>
           <a:xfrm>
-            <a:off x="2422627" y="1859165"/>
-            <a:ext cx="7346746" cy="4828027"/>
+            <a:off x="2343150" y="1790757"/>
+            <a:ext cx="7447147" cy="4754259"/>
           </a:xfrm>
           <a:prstGeom prst="rect">
             <a:avLst/>
@@ -30417,10 +30395,10 @@
       </p:pic>
       <p:sp>
         <p:nvSpPr>
-          <p:cNvPr id="2" name="사각형: 둥근 모서리 1">
-            <a:extLst>
-              <a:ext uri="{FF2B5EF4-FFF2-40B4-BE49-F238E27FC236}">
-                <a16:creationId xmlns:a16="http://schemas.microsoft.com/office/drawing/2014/main" id="{2B555426-2338-4A02-A6B1-D7DC7F2AE977}"/>
+          <p:cNvPr id="30" name="사각형: 둥근 모서리 29">
+            <a:extLst>
+              <a:ext uri="{FF2B5EF4-FFF2-40B4-BE49-F238E27FC236}">
+                <a16:creationId xmlns:a16="http://schemas.microsoft.com/office/drawing/2014/main" id="{A2D65737-9F12-48EE-B6A4-6A119039AA3C}"/>
               </a:ext>
             </a:extLst>
           </p:cNvPr>
@@ -30429,8 +30407,8 @@
         </p:nvSpPr>
         <p:spPr>
           <a:xfrm>
-            <a:off x="2422627" y="5727032"/>
-            <a:ext cx="464952" cy="204536"/>
+            <a:off x="2927350" y="5524501"/>
+            <a:ext cx="1009650" cy="166436"/>
           </a:xfrm>
           <a:prstGeom prst="roundRect">
             <a:avLst/>
@@ -30475,7 +30453,7 @@
     </p:spTree>
     <p:extLst>
       <p:ext uri="{BB962C8B-B14F-4D97-AF65-F5344CB8AC3E}">
-        <p14:creationId xmlns:p14="http://schemas.microsoft.com/office/powerpoint/2010/main" val="3799855025"/>
+        <p14:creationId xmlns:p14="http://schemas.microsoft.com/office/powerpoint/2010/main" val="759930895"/>
       </p:ext>
     </p:extLst>
   </p:cSld>
@@ -31088,10 +31066,10 @@
       </p:sp>
       <p:pic>
         <p:nvPicPr>
-          <p:cNvPr id="4" name="그림 3">
-            <a:extLst>
-              <a:ext uri="{FF2B5EF4-FFF2-40B4-BE49-F238E27FC236}">
-                <a16:creationId xmlns:a16="http://schemas.microsoft.com/office/drawing/2014/main" id="{2DA1FFE0-16E9-456B-8305-0AC14F4DA14C}"/>
+          <p:cNvPr id="22" name="그림 21">
+            <a:extLst>
+              <a:ext uri="{FF2B5EF4-FFF2-40B4-BE49-F238E27FC236}">
+                <a16:creationId xmlns:a16="http://schemas.microsoft.com/office/drawing/2014/main" id="{8C34FC88-851E-4BD5-A445-83900858C4FE}"/>
               </a:ext>
             </a:extLst>
           </p:cNvPr>
@@ -31114,8 +31092,8 @@
         </p:blipFill>
         <p:spPr>
           <a:xfrm>
-            <a:off x="2499771" y="1883228"/>
-            <a:ext cx="7192457" cy="4871568"/>
+            <a:off x="2242631" y="1817073"/>
+            <a:ext cx="7579737" cy="4984104"/>
           </a:xfrm>
           <a:prstGeom prst="rect">
             <a:avLst/>
@@ -31124,10 +31102,10 @@
       </p:pic>
       <p:sp>
         <p:nvSpPr>
-          <p:cNvPr id="5" name="사각형: 둥근 모서리 4">
-            <a:extLst>
-              <a:ext uri="{FF2B5EF4-FFF2-40B4-BE49-F238E27FC236}">
-                <a16:creationId xmlns:a16="http://schemas.microsoft.com/office/drawing/2014/main" id="{A61C0CE2-FCDD-43C6-81EC-7B135D267E48}"/>
+          <p:cNvPr id="23" name="사각형: 둥근 모서리 22">
+            <a:extLst>
+              <a:ext uri="{FF2B5EF4-FFF2-40B4-BE49-F238E27FC236}">
+                <a16:creationId xmlns:a16="http://schemas.microsoft.com/office/drawing/2014/main" id="{2A72C6B0-8498-4B53-8E31-B38DE7E6095C}"/>
               </a:ext>
             </a:extLst>
           </p:cNvPr>
@@ -31136,8 +31114,8 @@
         </p:nvSpPr>
         <p:spPr>
           <a:xfrm>
-            <a:off x="7868653" y="3597441"/>
-            <a:ext cx="336884" cy="216569"/>
+            <a:off x="4235116" y="2947737"/>
+            <a:ext cx="264695" cy="168442"/>
           </a:xfrm>
           <a:prstGeom prst="roundRect">
             <a:avLst/>
@@ -31182,7 +31160,7 @@
     </p:spTree>
     <p:extLst>
       <p:ext uri="{BB962C8B-B14F-4D97-AF65-F5344CB8AC3E}">
-        <p14:creationId xmlns:p14="http://schemas.microsoft.com/office/powerpoint/2010/main" val="1718303915"/>
+        <p14:creationId xmlns:p14="http://schemas.microsoft.com/office/powerpoint/2010/main" val="1148064928"/>
       </p:ext>
     </p:extLst>
   </p:cSld>
@@ -31795,10 +31773,10 @@
       </p:sp>
       <p:pic>
         <p:nvPicPr>
-          <p:cNvPr id="4" name="그림 3">
-            <a:extLst>
-              <a:ext uri="{FF2B5EF4-FFF2-40B4-BE49-F238E27FC236}">
-                <a16:creationId xmlns:a16="http://schemas.microsoft.com/office/drawing/2014/main" id="{A5719D9A-AC47-47F8-B314-712D2196C707}"/>
+          <p:cNvPr id="20" name="그림 19">
+            <a:extLst>
+              <a:ext uri="{FF2B5EF4-FFF2-40B4-BE49-F238E27FC236}">
+                <a16:creationId xmlns:a16="http://schemas.microsoft.com/office/drawing/2014/main" id="{4A8AD9CD-2CC0-4CA1-B5CE-FF9496A6B546}"/>
               </a:ext>
             </a:extLst>
           </p:cNvPr>
@@ -31821,8 +31799,8 @@
         </p:blipFill>
         <p:spPr>
           <a:xfrm>
-            <a:off x="2334875" y="1790757"/>
-            <a:ext cx="7395250" cy="4906464"/>
+            <a:off x="2422627" y="1859165"/>
+            <a:ext cx="7346746" cy="4828027"/>
           </a:xfrm>
           <a:prstGeom prst="rect">
             <a:avLst/>
@@ -31831,10 +31809,10 @@
       </p:pic>
       <p:sp>
         <p:nvSpPr>
-          <p:cNvPr id="5" name="사각형: 둥근 모서리 4">
-            <a:extLst>
-              <a:ext uri="{FF2B5EF4-FFF2-40B4-BE49-F238E27FC236}">
-                <a16:creationId xmlns:a16="http://schemas.microsoft.com/office/drawing/2014/main" id="{67BFD86D-CC4A-41B6-9263-8961FEB65A7D}"/>
+          <p:cNvPr id="2" name="사각형: 둥근 모서리 1">
+            <a:extLst>
+              <a:ext uri="{FF2B5EF4-FFF2-40B4-BE49-F238E27FC236}">
+                <a16:creationId xmlns:a16="http://schemas.microsoft.com/office/drawing/2014/main" id="{2B555426-2338-4A02-A6B1-D7DC7F2AE977}"/>
               </a:ext>
             </a:extLst>
           </p:cNvPr>
@@ -31843,8 +31821,8 @@
         </p:nvSpPr>
         <p:spPr>
           <a:xfrm>
-            <a:off x="5293895" y="3717758"/>
-            <a:ext cx="782052" cy="168442"/>
+            <a:off x="2422627" y="5727032"/>
+            <a:ext cx="464952" cy="204536"/>
           </a:xfrm>
           <a:prstGeom prst="roundRect">
             <a:avLst/>
@@ -31889,7 +31867,2830 @@
     </p:spTree>
     <p:extLst>
       <p:ext uri="{BB962C8B-B14F-4D97-AF65-F5344CB8AC3E}">
+        <p14:creationId xmlns:p14="http://schemas.microsoft.com/office/powerpoint/2010/main" val="3799855025"/>
+      </p:ext>
+    </p:extLst>
+  </p:cSld>
+  <p:clrMapOvr>
+    <a:masterClrMapping/>
+  </p:clrMapOvr>
+</p:sld>
+</file>
+
+<file path=ppt/slides/slide46.xml><?xml version="1.0" encoding="utf-8"?>
+<p:sld xmlns:a="http://schemas.openxmlformats.org/drawingml/2006/main" xmlns:r="http://schemas.openxmlformats.org/officeDocument/2006/relationships" xmlns:p="http://schemas.openxmlformats.org/presentationml/2006/main">
+  <p:cSld>
+    <p:spTree>
+      <p:nvGrpSpPr>
+        <p:cNvPr id="1" name=""/>
+        <p:cNvGrpSpPr/>
+        <p:nvPr/>
+      </p:nvGrpSpPr>
+      <p:grpSpPr>
+        <a:xfrm>
+          <a:off x="0" y="0"/>
+          <a:ext cx="0" cy="0"/>
+          <a:chOff x="0" y="0"/>
+          <a:chExt cx="0" cy="0"/>
+        </a:xfrm>
+      </p:grpSpPr>
+      <p:pic>
+        <p:nvPicPr>
+          <p:cNvPr id="6" name="그림 5">
+            <a:extLst>
+              <a:ext uri="{FF2B5EF4-FFF2-40B4-BE49-F238E27FC236}">
+                <a16:creationId xmlns:a16="http://schemas.microsoft.com/office/drawing/2014/main" id="{78F5A0B9-40B2-4B71-BA0F-BCA0D1027FAD}"/>
+              </a:ext>
+            </a:extLst>
+          </p:cNvPr>
+          <p:cNvPicPr>
+            <a:picLocks noChangeAspect="1"/>
+          </p:cNvPicPr>
+          <p:nvPr/>
+        </p:nvPicPr>
+        <p:blipFill>
+          <a:blip r:embed="rId2"/>
+          <a:stretch>
+            <a:fillRect/>
+          </a:stretch>
+        </p:blipFill>
+        <p:spPr>
+          <a:xfrm>
+            <a:off x="0" y="0"/>
+            <a:ext cx="12192000" cy="1333499"/>
+          </a:xfrm>
+          <a:prstGeom prst="rect">
+            <a:avLst/>
+          </a:prstGeom>
+          <a:ln>
+            <a:noFill/>
+          </a:ln>
+        </p:spPr>
+      </p:pic>
+      <p:sp>
+        <p:nvSpPr>
+          <p:cNvPr id="7" name="TextBox 6">
+            <a:extLst>
+              <a:ext uri="{FF2B5EF4-FFF2-40B4-BE49-F238E27FC236}">
+                <a16:creationId xmlns:a16="http://schemas.microsoft.com/office/drawing/2014/main" id="{FE219C83-6162-46A7-A59B-DDA8E6921274}"/>
+              </a:ext>
+            </a:extLst>
+          </p:cNvPr>
+          <p:cNvSpPr txBox="1"/>
+          <p:nvPr/>
+        </p:nvSpPr>
+        <p:spPr>
+          <a:xfrm>
+            <a:off x="749300" y="-12700"/>
+            <a:ext cx="3187700" cy="584775"/>
+          </a:xfrm>
+          <a:prstGeom prst="rect">
+            <a:avLst/>
+          </a:prstGeom>
+          <a:noFill/>
+        </p:spPr>
+        <p:txBody>
+          <a:bodyPr wrap="square" rtlCol="0">
+            <a:spAutoFit/>
+          </a:bodyPr>
+          <a:lstStyle/>
+          <a:p>
+            <a:r>
+              <a:rPr lang="en-US" altLang="ko-KR" sz="3200" b="1" dirty="0">
+                <a:solidFill>
+                  <a:schemeClr val="bg1"/>
+                </a:solidFill>
+              </a:rPr>
+              <a:t>Hacking</a:t>
+            </a:r>
+            <a:r>
+              <a:rPr lang="en-US" altLang="ko-KR" sz="3200" b="1" dirty="0">
+                <a:solidFill>
+                  <a:srgbClr val="3399FF"/>
+                </a:solidFill>
+              </a:rPr>
+              <a:t>.com</a:t>
+            </a:r>
+            <a:endParaRPr lang="ko-KR" altLang="en-US" sz="3200" b="1" dirty="0">
+              <a:solidFill>
+                <a:srgbClr val="3399FF"/>
+              </a:solidFill>
+            </a:endParaRPr>
+          </a:p>
+        </p:txBody>
+      </p:sp>
+      <p:pic>
+        <p:nvPicPr>
+          <p:cNvPr id="9" name="그래픽 8" descr="자막">
+            <a:extLst>
+              <a:ext uri="{FF2B5EF4-FFF2-40B4-BE49-F238E27FC236}">
+                <a16:creationId xmlns:a16="http://schemas.microsoft.com/office/drawing/2014/main" id="{239AD4E6-2E98-4B0A-A085-C8B887B25586}"/>
+              </a:ext>
+            </a:extLst>
+          </p:cNvPr>
+          <p:cNvPicPr>
+            <a:picLocks noChangeAspect="1"/>
+          </p:cNvPicPr>
+          <p:nvPr/>
+        </p:nvPicPr>
+        <p:blipFill>
+          <a:blip r:embed="rId3">
+            <a:extLst>
+              <a:ext uri="{28A0092B-C50C-407E-A947-70E740481C1C}">
+                <a14:useLocalDpi xmlns:a14="http://schemas.microsoft.com/office/drawing/2010/main" val="0"/>
+              </a:ext>
+              <a:ext uri="{96DAC541-7B7A-43D3-8B79-37D633B846F1}">
+                <asvg:svgBlip xmlns:asvg="http://schemas.microsoft.com/office/drawing/2016/SVG/main" r:embed="rId4"/>
+              </a:ext>
+            </a:extLst>
+          </a:blip>
+          <a:stretch>
+            <a:fillRect/>
+          </a:stretch>
+        </p:blipFill>
+        <p:spPr>
+          <a:xfrm>
+            <a:off x="749300" y="762000"/>
+            <a:ext cx="571500" cy="571500"/>
+          </a:xfrm>
+          <a:prstGeom prst="rect">
+            <a:avLst/>
+          </a:prstGeom>
+        </p:spPr>
+      </p:pic>
+      <p:sp>
+        <p:nvSpPr>
+          <p:cNvPr id="10" name="TextBox 9">
+            <a:extLst>
+              <a:ext uri="{FF2B5EF4-FFF2-40B4-BE49-F238E27FC236}">
+                <a16:creationId xmlns:a16="http://schemas.microsoft.com/office/drawing/2014/main" id="{10274D82-910A-4A51-9633-E7C84967FA95}"/>
+              </a:ext>
+            </a:extLst>
+          </p:cNvPr>
+          <p:cNvSpPr txBox="1"/>
+          <p:nvPr/>
+        </p:nvSpPr>
+        <p:spPr>
+          <a:xfrm>
+            <a:off x="1212850" y="863084"/>
+            <a:ext cx="1714500" cy="369332"/>
+          </a:xfrm>
+          <a:prstGeom prst="rect">
+            <a:avLst/>
+          </a:prstGeom>
+          <a:noFill/>
+        </p:spPr>
+        <p:txBody>
+          <a:bodyPr wrap="square" rtlCol="0">
+            <a:spAutoFit/>
+          </a:bodyPr>
+          <a:lstStyle/>
+          <a:p>
+            <a:r>
+              <a:rPr lang="ko-KR" altLang="en-US" dirty="0">
+                <a:solidFill>
+                  <a:schemeClr val="bg1"/>
+                </a:solidFill>
+              </a:rPr>
+              <a:t>프로젝트 개요</a:t>
+            </a:r>
+          </a:p>
+        </p:txBody>
+      </p:sp>
+      <p:pic>
+        <p:nvPicPr>
+          <p:cNvPr id="12" name="그래픽 11" descr="데이터베이스">
+            <a:extLst>
+              <a:ext uri="{FF2B5EF4-FFF2-40B4-BE49-F238E27FC236}">
+                <a16:creationId xmlns:a16="http://schemas.microsoft.com/office/drawing/2014/main" id="{91F3831C-BD5B-41C4-8CA8-414F74080185}"/>
+              </a:ext>
+            </a:extLst>
+          </p:cNvPr>
+          <p:cNvPicPr>
+            <a:picLocks noChangeAspect="1"/>
+          </p:cNvPicPr>
+          <p:nvPr/>
+        </p:nvPicPr>
+        <p:blipFill>
+          <a:blip r:embed="rId5">
+            <a:extLst>
+              <a:ext uri="{28A0092B-C50C-407E-A947-70E740481C1C}">
+                <a14:useLocalDpi xmlns:a14="http://schemas.microsoft.com/office/drawing/2010/main" val="0"/>
+              </a:ext>
+              <a:ext uri="{96DAC541-7B7A-43D3-8B79-37D633B846F1}">
+                <asvg:svgBlip xmlns:asvg="http://schemas.microsoft.com/office/drawing/2016/SVG/main" r:embed="rId6"/>
+              </a:ext>
+            </a:extLst>
+          </a:blip>
+          <a:stretch>
+            <a:fillRect/>
+          </a:stretch>
+        </p:blipFill>
+        <p:spPr>
+          <a:xfrm>
+            <a:off x="3105150" y="761999"/>
+            <a:ext cx="571500" cy="571500"/>
+          </a:xfrm>
+          <a:prstGeom prst="rect">
+            <a:avLst/>
+          </a:prstGeom>
+        </p:spPr>
+      </p:pic>
+      <p:sp>
+        <p:nvSpPr>
+          <p:cNvPr id="13" name="TextBox 12">
+            <a:extLst>
+              <a:ext uri="{FF2B5EF4-FFF2-40B4-BE49-F238E27FC236}">
+                <a16:creationId xmlns:a16="http://schemas.microsoft.com/office/drawing/2014/main" id="{554715A9-D454-45E5-A539-219A9B5F0856}"/>
+              </a:ext>
+            </a:extLst>
+          </p:cNvPr>
+          <p:cNvSpPr txBox="1"/>
+          <p:nvPr/>
+        </p:nvSpPr>
+        <p:spPr>
+          <a:xfrm>
+            <a:off x="3676650" y="863084"/>
+            <a:ext cx="1714500" cy="369332"/>
+          </a:xfrm>
+          <a:prstGeom prst="rect">
+            <a:avLst/>
+          </a:prstGeom>
+          <a:noFill/>
+        </p:spPr>
+        <p:txBody>
+          <a:bodyPr wrap="square" rtlCol="0">
+            <a:spAutoFit/>
+          </a:bodyPr>
+          <a:lstStyle/>
+          <a:p>
+            <a:r>
+              <a:rPr lang="ko-KR" altLang="en-US" dirty="0">
+                <a:solidFill>
+                  <a:schemeClr val="bg1"/>
+                </a:solidFill>
+              </a:rPr>
+              <a:t>데이터베이스</a:t>
+            </a:r>
+          </a:p>
+        </p:txBody>
+      </p:sp>
+      <p:pic>
+        <p:nvPicPr>
+          <p:cNvPr id="3" name="그래픽 2" descr="조직도">
+            <a:extLst>
+              <a:ext uri="{FF2B5EF4-FFF2-40B4-BE49-F238E27FC236}">
+                <a16:creationId xmlns:a16="http://schemas.microsoft.com/office/drawing/2014/main" id="{37FD1974-A90D-4F93-8D0A-4ED9755A5EF1}"/>
+              </a:ext>
+            </a:extLst>
+          </p:cNvPr>
+          <p:cNvPicPr>
+            <a:picLocks noChangeAspect="1"/>
+          </p:cNvPicPr>
+          <p:nvPr/>
+        </p:nvPicPr>
+        <p:blipFill>
+          <a:blip r:embed="rId7">
+            <a:extLst>
+              <a:ext uri="{28A0092B-C50C-407E-A947-70E740481C1C}">
+                <a14:useLocalDpi xmlns:a14="http://schemas.microsoft.com/office/drawing/2010/main" val="0"/>
+              </a:ext>
+              <a:ext uri="{96DAC541-7B7A-43D3-8B79-37D633B846F1}">
+                <asvg:svgBlip xmlns:asvg="http://schemas.microsoft.com/office/drawing/2016/SVG/main" r:embed="rId8"/>
+              </a:ext>
+            </a:extLst>
+          </a:blip>
+          <a:stretch>
+            <a:fillRect/>
+          </a:stretch>
+        </p:blipFill>
+        <p:spPr>
+          <a:xfrm>
+            <a:off x="5460100" y="739328"/>
+            <a:ext cx="572400" cy="572400"/>
+          </a:xfrm>
+          <a:prstGeom prst="rect">
+            <a:avLst/>
+          </a:prstGeom>
+        </p:spPr>
+      </p:pic>
+      <p:sp>
+        <p:nvSpPr>
+          <p:cNvPr id="11" name="TextBox 10">
+            <a:extLst>
+              <a:ext uri="{FF2B5EF4-FFF2-40B4-BE49-F238E27FC236}">
+                <a16:creationId xmlns:a16="http://schemas.microsoft.com/office/drawing/2014/main" id="{AE216EA7-6C70-49B1-8443-2C7C47C24F6E}"/>
+              </a:ext>
+            </a:extLst>
+          </p:cNvPr>
+          <p:cNvSpPr txBox="1"/>
+          <p:nvPr/>
+        </p:nvSpPr>
+        <p:spPr>
+          <a:xfrm>
+            <a:off x="6096000" y="863084"/>
+            <a:ext cx="1714500" cy="369332"/>
+          </a:xfrm>
+          <a:prstGeom prst="rect">
+            <a:avLst/>
+          </a:prstGeom>
+          <a:noFill/>
+        </p:spPr>
+        <p:txBody>
+          <a:bodyPr wrap="square" rtlCol="0">
+            <a:spAutoFit/>
+          </a:bodyPr>
+          <a:lstStyle/>
+          <a:p>
+            <a:r>
+              <a:rPr lang="en-US" altLang="ko-KR" dirty="0">
+                <a:solidFill>
+                  <a:schemeClr val="bg1"/>
+                </a:solidFill>
+              </a:rPr>
+              <a:t>UML</a:t>
+            </a:r>
+            <a:endParaRPr lang="ko-KR" altLang="en-US" dirty="0">
+              <a:solidFill>
+                <a:schemeClr val="bg1"/>
+              </a:solidFill>
+            </a:endParaRPr>
+          </a:p>
+        </p:txBody>
+      </p:sp>
+      <p:pic>
+        <p:nvPicPr>
+          <p:cNvPr id="8" name="그래픽 7" descr="돋보기">
+            <a:extLst>
+              <a:ext uri="{FF2B5EF4-FFF2-40B4-BE49-F238E27FC236}">
+                <a16:creationId xmlns:a16="http://schemas.microsoft.com/office/drawing/2014/main" id="{E67C439E-4038-4B7B-871F-B02C0D611A17}"/>
+              </a:ext>
+            </a:extLst>
+          </p:cNvPr>
+          <p:cNvPicPr>
+            <a:picLocks noChangeAspect="1"/>
+          </p:cNvPicPr>
+          <p:nvPr/>
+        </p:nvPicPr>
+        <p:blipFill>
+          <a:blip r:embed="rId9">
+            <a:extLst>
+              <a:ext uri="{28A0092B-C50C-407E-A947-70E740481C1C}">
+                <a14:useLocalDpi xmlns:a14="http://schemas.microsoft.com/office/drawing/2010/main" val="0"/>
+              </a:ext>
+              <a:ext uri="{96DAC541-7B7A-43D3-8B79-37D633B846F1}">
+                <asvg:svgBlip xmlns:asvg="http://schemas.microsoft.com/office/drawing/2016/SVG/main" r:embed="rId10"/>
+              </a:ext>
+            </a:extLst>
+          </a:blip>
+          <a:stretch>
+            <a:fillRect/>
+          </a:stretch>
+        </p:blipFill>
+        <p:spPr>
+          <a:xfrm>
+            <a:off x="7009500" y="739328"/>
+            <a:ext cx="572400" cy="572400"/>
+          </a:xfrm>
+          <a:prstGeom prst="rect">
+            <a:avLst/>
+          </a:prstGeom>
+        </p:spPr>
+      </p:pic>
+      <p:sp>
+        <p:nvSpPr>
+          <p:cNvPr id="14" name="TextBox 13">
+            <a:extLst>
+              <a:ext uri="{FF2B5EF4-FFF2-40B4-BE49-F238E27FC236}">
+                <a16:creationId xmlns:a16="http://schemas.microsoft.com/office/drawing/2014/main" id="{93B30826-5625-4DB1-A044-FBA8DC3D0C81}"/>
+              </a:ext>
+            </a:extLst>
+          </p:cNvPr>
+          <p:cNvSpPr txBox="1"/>
+          <p:nvPr/>
+        </p:nvSpPr>
+        <p:spPr>
+          <a:xfrm>
+            <a:off x="7638150" y="863084"/>
+            <a:ext cx="1714500" cy="369332"/>
+          </a:xfrm>
+          <a:prstGeom prst="rect">
+            <a:avLst/>
+          </a:prstGeom>
+          <a:noFill/>
+        </p:spPr>
+        <p:txBody>
+          <a:bodyPr wrap="square" rtlCol="0">
+            <a:spAutoFit/>
+          </a:bodyPr>
+          <a:lstStyle/>
+          <a:p>
+            <a:r>
+              <a:rPr lang="ko-KR" altLang="en-US" dirty="0">
+                <a:solidFill>
+                  <a:schemeClr val="bg1"/>
+                </a:solidFill>
+              </a:rPr>
+              <a:t>상세설명</a:t>
+            </a:r>
+          </a:p>
+        </p:txBody>
+      </p:sp>
+      <p:pic>
+        <p:nvPicPr>
+          <p:cNvPr id="16" name="그래픽 15" descr="눈">
+            <a:extLst>
+              <a:ext uri="{FF2B5EF4-FFF2-40B4-BE49-F238E27FC236}">
+                <a16:creationId xmlns:a16="http://schemas.microsoft.com/office/drawing/2014/main" id="{2BA2A6DB-BCAF-44BA-9C70-D2C26BB53AE5}"/>
+              </a:ext>
+            </a:extLst>
+          </p:cNvPr>
+          <p:cNvPicPr>
+            <a:picLocks noChangeAspect="1"/>
+          </p:cNvPicPr>
+          <p:nvPr/>
+        </p:nvPicPr>
+        <p:blipFill>
+          <a:blip r:embed="rId11">
+            <a:extLst>
+              <a:ext uri="{28A0092B-C50C-407E-A947-70E740481C1C}">
+                <a14:useLocalDpi xmlns:a14="http://schemas.microsoft.com/office/drawing/2010/main" val="0"/>
+              </a:ext>
+              <a:ext uri="{96DAC541-7B7A-43D3-8B79-37D633B846F1}">
+                <asvg:svgBlip xmlns:asvg="http://schemas.microsoft.com/office/drawing/2016/SVG/main" r:embed="rId12"/>
+              </a:ext>
+            </a:extLst>
+          </a:blip>
+          <a:stretch>
+            <a:fillRect/>
+          </a:stretch>
+        </p:blipFill>
+        <p:spPr>
+          <a:xfrm>
+            <a:off x="8870464" y="761999"/>
+            <a:ext cx="572400" cy="572400"/>
+          </a:xfrm>
+          <a:prstGeom prst="rect">
+            <a:avLst/>
+          </a:prstGeom>
+        </p:spPr>
+      </p:pic>
+      <p:sp>
+        <p:nvSpPr>
+          <p:cNvPr id="17" name="TextBox 16">
+            <a:extLst>
+              <a:ext uri="{FF2B5EF4-FFF2-40B4-BE49-F238E27FC236}">
+                <a16:creationId xmlns:a16="http://schemas.microsoft.com/office/drawing/2014/main" id="{E0991C32-1C75-4E8F-9235-0ACA3933259B}"/>
+              </a:ext>
+            </a:extLst>
+          </p:cNvPr>
+          <p:cNvSpPr txBox="1"/>
+          <p:nvPr/>
+        </p:nvSpPr>
+        <p:spPr>
+          <a:xfrm>
+            <a:off x="9530450" y="863084"/>
+            <a:ext cx="1714500" cy="369332"/>
+          </a:xfrm>
+          <a:prstGeom prst="rect">
+            <a:avLst/>
+          </a:prstGeom>
+          <a:noFill/>
+        </p:spPr>
+        <p:txBody>
+          <a:bodyPr wrap="square" rtlCol="0">
+            <a:spAutoFit/>
+          </a:bodyPr>
+          <a:lstStyle/>
+          <a:p>
+            <a:r>
+              <a:rPr lang="ko-KR" altLang="en-US" dirty="0">
+                <a:solidFill>
+                  <a:schemeClr val="bg1"/>
+                </a:solidFill>
+              </a:rPr>
+              <a:t>시연</a:t>
+            </a:r>
+          </a:p>
+        </p:txBody>
+      </p:sp>
+      <p:sp>
+        <p:nvSpPr>
+          <p:cNvPr id="18" name="직사각형 17">
+            <a:extLst>
+              <a:ext uri="{FF2B5EF4-FFF2-40B4-BE49-F238E27FC236}">
+                <a16:creationId xmlns:a16="http://schemas.microsoft.com/office/drawing/2014/main" id="{11E9767A-68BC-466D-825E-D1791ADBE145}"/>
+              </a:ext>
+            </a:extLst>
+          </p:cNvPr>
+          <p:cNvSpPr/>
+          <p:nvPr/>
+        </p:nvSpPr>
+        <p:spPr>
+          <a:xfrm>
+            <a:off x="8870464" y="1245573"/>
+            <a:ext cx="1209600" cy="96744"/>
+          </a:xfrm>
+          <a:prstGeom prst="rect">
+            <a:avLst/>
+          </a:prstGeom>
+          <a:solidFill>
+            <a:srgbClr val="3399FF"/>
+          </a:solidFill>
+          <a:ln>
+            <a:noFill/>
+          </a:ln>
+        </p:spPr>
+        <p:style>
+          <a:lnRef idx="2">
+            <a:schemeClr val="accent1">
+              <a:shade val="50000"/>
+            </a:schemeClr>
+          </a:lnRef>
+          <a:fillRef idx="1">
+            <a:schemeClr val="accent1"/>
+          </a:fillRef>
+          <a:effectRef idx="0">
+            <a:schemeClr val="accent1"/>
+          </a:effectRef>
+          <a:fontRef idx="minor">
+            <a:schemeClr val="lt1"/>
+          </a:fontRef>
+        </p:style>
+        <p:txBody>
+          <a:bodyPr rtlCol="0" anchor="ctr"/>
+          <a:lstStyle/>
+          <a:p>
+            <a:pPr algn="ctr"/>
+            <a:endParaRPr lang="ko-KR" altLang="en-US" dirty="0"/>
+          </a:p>
+        </p:txBody>
+      </p:sp>
+      <p:sp>
+        <p:nvSpPr>
+          <p:cNvPr id="15" name="직사각형 14">
+            <a:extLst>
+              <a:ext uri="{FF2B5EF4-FFF2-40B4-BE49-F238E27FC236}">
+                <a16:creationId xmlns:a16="http://schemas.microsoft.com/office/drawing/2014/main" id="{1CF9AE64-1CFE-439C-853D-72C2139E7BCB}"/>
+              </a:ext>
+            </a:extLst>
+          </p:cNvPr>
+          <p:cNvSpPr/>
+          <p:nvPr/>
+        </p:nvSpPr>
+        <p:spPr>
+          <a:xfrm>
+            <a:off x="0" y="1333499"/>
+            <a:ext cx="12192000" cy="369332"/>
+          </a:xfrm>
+          <a:prstGeom prst="rect">
+            <a:avLst/>
+          </a:prstGeom>
+          <a:solidFill>
+            <a:srgbClr val="3399FF"/>
+          </a:solidFill>
+          <a:ln>
+            <a:noFill/>
+          </a:ln>
+        </p:spPr>
+        <p:style>
+          <a:lnRef idx="2">
+            <a:schemeClr val="accent1">
+              <a:shade val="50000"/>
+            </a:schemeClr>
+          </a:lnRef>
+          <a:fillRef idx="1">
+            <a:schemeClr val="accent1"/>
+          </a:fillRef>
+          <a:effectRef idx="0">
+            <a:schemeClr val="accent1"/>
+          </a:effectRef>
+          <a:fontRef idx="minor">
+            <a:schemeClr val="lt1"/>
+          </a:fontRef>
+        </p:style>
+        <p:txBody>
+          <a:bodyPr rtlCol="0" anchor="ctr"/>
+          <a:lstStyle/>
+          <a:p>
+            <a:pPr algn="ctr"/>
+            <a:endParaRPr lang="ko-KR" altLang="en-US"/>
+          </a:p>
+        </p:txBody>
+      </p:sp>
+      <p:pic>
+        <p:nvPicPr>
+          <p:cNvPr id="4" name="그림 3">
+            <a:extLst>
+              <a:ext uri="{FF2B5EF4-FFF2-40B4-BE49-F238E27FC236}">
+                <a16:creationId xmlns:a16="http://schemas.microsoft.com/office/drawing/2014/main" id="{2DA1FFE0-16E9-456B-8305-0AC14F4DA14C}"/>
+              </a:ext>
+            </a:extLst>
+          </p:cNvPr>
+          <p:cNvPicPr>
+            <a:picLocks noChangeAspect="1"/>
+          </p:cNvPicPr>
+          <p:nvPr/>
+        </p:nvPicPr>
+        <p:blipFill>
+          <a:blip r:embed="rId13">
+            <a:extLst>
+              <a:ext uri="{28A0092B-C50C-407E-A947-70E740481C1C}">
+                <a14:useLocalDpi xmlns:a14="http://schemas.microsoft.com/office/drawing/2010/main" val="0"/>
+              </a:ext>
+            </a:extLst>
+          </a:blip>
+          <a:stretch>
+            <a:fillRect/>
+          </a:stretch>
+        </p:blipFill>
+        <p:spPr>
+          <a:xfrm>
+            <a:off x="2499771" y="1883228"/>
+            <a:ext cx="7192457" cy="4871568"/>
+          </a:xfrm>
+          <a:prstGeom prst="rect">
+            <a:avLst/>
+          </a:prstGeom>
+        </p:spPr>
+      </p:pic>
+      <p:sp>
+        <p:nvSpPr>
+          <p:cNvPr id="5" name="사각형: 둥근 모서리 4">
+            <a:extLst>
+              <a:ext uri="{FF2B5EF4-FFF2-40B4-BE49-F238E27FC236}">
+                <a16:creationId xmlns:a16="http://schemas.microsoft.com/office/drawing/2014/main" id="{A61C0CE2-FCDD-43C6-81EC-7B135D267E48}"/>
+              </a:ext>
+            </a:extLst>
+          </p:cNvPr>
+          <p:cNvSpPr/>
+          <p:nvPr/>
+        </p:nvSpPr>
+        <p:spPr>
+          <a:xfrm>
+            <a:off x="7868653" y="3597441"/>
+            <a:ext cx="336884" cy="216569"/>
+          </a:xfrm>
+          <a:prstGeom prst="roundRect">
+            <a:avLst/>
+          </a:prstGeom>
+          <a:noFill/>
+          <a:ln w="38100">
+            <a:solidFill>
+              <a:srgbClr val="FF0000"/>
+            </a:solidFill>
+          </a:ln>
+        </p:spPr>
+        <p:style>
+          <a:lnRef idx="2">
+            <a:schemeClr val="accent1">
+              <a:shade val="50000"/>
+            </a:schemeClr>
+          </a:lnRef>
+          <a:fillRef idx="1">
+            <a:schemeClr val="accent1"/>
+          </a:fillRef>
+          <a:effectRef idx="0">
+            <a:schemeClr val="accent1"/>
+          </a:effectRef>
+          <a:fontRef idx="minor">
+            <a:schemeClr val="lt1"/>
+          </a:fontRef>
+        </p:style>
+        <p:txBody>
+          <a:bodyPr rot="0" spcFirstLastPara="0" vertOverflow="overflow" horzOverflow="overflow" vert="horz" wrap="square" lIns="91440" tIns="45720" rIns="91440" bIns="45720" numCol="1" spcCol="0" rtlCol="0" fromWordArt="0" anchor="ctr" anchorCtr="0" forceAA="0" compatLnSpc="1">
+            <a:prstTxWarp prst="textNoShape">
+              <a:avLst/>
+            </a:prstTxWarp>
+            <a:noAutofit/>
+          </a:bodyPr>
+          <a:lstStyle/>
+          <a:p>
+            <a:pPr algn="ctr"/>
+            <a:endParaRPr lang="ko-KR" altLang="en-US"/>
+          </a:p>
+        </p:txBody>
+      </p:sp>
+    </p:spTree>
+    <p:extLst>
+      <p:ext uri="{BB962C8B-B14F-4D97-AF65-F5344CB8AC3E}">
+        <p14:creationId xmlns:p14="http://schemas.microsoft.com/office/powerpoint/2010/main" val="1718303915"/>
+      </p:ext>
+    </p:extLst>
+  </p:cSld>
+  <p:clrMapOvr>
+    <a:masterClrMapping/>
+  </p:clrMapOvr>
+</p:sld>
+</file>
+
+<file path=ppt/slides/slide47.xml><?xml version="1.0" encoding="utf-8"?>
+<p:sld xmlns:a="http://schemas.openxmlformats.org/drawingml/2006/main" xmlns:r="http://schemas.openxmlformats.org/officeDocument/2006/relationships" xmlns:p="http://schemas.openxmlformats.org/presentationml/2006/main">
+  <p:cSld>
+    <p:spTree>
+      <p:nvGrpSpPr>
+        <p:cNvPr id="1" name=""/>
+        <p:cNvGrpSpPr/>
+        <p:nvPr/>
+      </p:nvGrpSpPr>
+      <p:grpSpPr>
+        <a:xfrm>
+          <a:off x="0" y="0"/>
+          <a:ext cx="0" cy="0"/>
+          <a:chOff x="0" y="0"/>
+          <a:chExt cx="0" cy="0"/>
+        </a:xfrm>
+      </p:grpSpPr>
+      <p:pic>
+        <p:nvPicPr>
+          <p:cNvPr id="6" name="그림 5">
+            <a:extLst>
+              <a:ext uri="{FF2B5EF4-FFF2-40B4-BE49-F238E27FC236}">
+                <a16:creationId xmlns:a16="http://schemas.microsoft.com/office/drawing/2014/main" id="{78F5A0B9-40B2-4B71-BA0F-BCA0D1027FAD}"/>
+              </a:ext>
+            </a:extLst>
+          </p:cNvPr>
+          <p:cNvPicPr>
+            <a:picLocks noChangeAspect="1"/>
+          </p:cNvPicPr>
+          <p:nvPr/>
+        </p:nvPicPr>
+        <p:blipFill>
+          <a:blip r:embed="rId2"/>
+          <a:stretch>
+            <a:fillRect/>
+          </a:stretch>
+        </p:blipFill>
+        <p:spPr>
+          <a:xfrm>
+            <a:off x="0" y="0"/>
+            <a:ext cx="12192000" cy="1333499"/>
+          </a:xfrm>
+          <a:prstGeom prst="rect">
+            <a:avLst/>
+          </a:prstGeom>
+          <a:ln>
+            <a:noFill/>
+          </a:ln>
+        </p:spPr>
+      </p:pic>
+      <p:sp>
+        <p:nvSpPr>
+          <p:cNvPr id="7" name="TextBox 6">
+            <a:extLst>
+              <a:ext uri="{FF2B5EF4-FFF2-40B4-BE49-F238E27FC236}">
+                <a16:creationId xmlns:a16="http://schemas.microsoft.com/office/drawing/2014/main" id="{FE219C83-6162-46A7-A59B-DDA8E6921274}"/>
+              </a:ext>
+            </a:extLst>
+          </p:cNvPr>
+          <p:cNvSpPr txBox="1"/>
+          <p:nvPr/>
+        </p:nvSpPr>
+        <p:spPr>
+          <a:xfrm>
+            <a:off x="749300" y="-12700"/>
+            <a:ext cx="3187700" cy="584775"/>
+          </a:xfrm>
+          <a:prstGeom prst="rect">
+            <a:avLst/>
+          </a:prstGeom>
+          <a:noFill/>
+        </p:spPr>
+        <p:txBody>
+          <a:bodyPr wrap="square" rtlCol="0">
+            <a:spAutoFit/>
+          </a:bodyPr>
+          <a:lstStyle/>
+          <a:p>
+            <a:r>
+              <a:rPr lang="en-US" altLang="ko-KR" sz="3200" b="1" dirty="0">
+                <a:solidFill>
+                  <a:schemeClr val="bg1"/>
+                </a:solidFill>
+              </a:rPr>
+              <a:t>Hacking</a:t>
+            </a:r>
+            <a:r>
+              <a:rPr lang="en-US" altLang="ko-KR" sz="3200" b="1" dirty="0">
+                <a:solidFill>
+                  <a:srgbClr val="3399FF"/>
+                </a:solidFill>
+              </a:rPr>
+              <a:t>.com</a:t>
+            </a:r>
+            <a:endParaRPr lang="ko-KR" altLang="en-US" sz="3200" b="1" dirty="0">
+              <a:solidFill>
+                <a:srgbClr val="3399FF"/>
+              </a:solidFill>
+            </a:endParaRPr>
+          </a:p>
+        </p:txBody>
+      </p:sp>
+      <p:pic>
+        <p:nvPicPr>
+          <p:cNvPr id="9" name="그래픽 8" descr="자막">
+            <a:extLst>
+              <a:ext uri="{FF2B5EF4-FFF2-40B4-BE49-F238E27FC236}">
+                <a16:creationId xmlns:a16="http://schemas.microsoft.com/office/drawing/2014/main" id="{239AD4E6-2E98-4B0A-A085-C8B887B25586}"/>
+              </a:ext>
+            </a:extLst>
+          </p:cNvPr>
+          <p:cNvPicPr>
+            <a:picLocks noChangeAspect="1"/>
+          </p:cNvPicPr>
+          <p:nvPr/>
+        </p:nvPicPr>
+        <p:blipFill>
+          <a:blip r:embed="rId3">
+            <a:extLst>
+              <a:ext uri="{28A0092B-C50C-407E-A947-70E740481C1C}">
+                <a14:useLocalDpi xmlns:a14="http://schemas.microsoft.com/office/drawing/2010/main" val="0"/>
+              </a:ext>
+              <a:ext uri="{96DAC541-7B7A-43D3-8B79-37D633B846F1}">
+                <asvg:svgBlip xmlns:asvg="http://schemas.microsoft.com/office/drawing/2016/SVG/main" r:embed="rId4"/>
+              </a:ext>
+            </a:extLst>
+          </a:blip>
+          <a:stretch>
+            <a:fillRect/>
+          </a:stretch>
+        </p:blipFill>
+        <p:spPr>
+          <a:xfrm>
+            <a:off x="749300" y="762000"/>
+            <a:ext cx="571500" cy="571500"/>
+          </a:xfrm>
+          <a:prstGeom prst="rect">
+            <a:avLst/>
+          </a:prstGeom>
+        </p:spPr>
+      </p:pic>
+      <p:sp>
+        <p:nvSpPr>
+          <p:cNvPr id="10" name="TextBox 9">
+            <a:extLst>
+              <a:ext uri="{FF2B5EF4-FFF2-40B4-BE49-F238E27FC236}">
+                <a16:creationId xmlns:a16="http://schemas.microsoft.com/office/drawing/2014/main" id="{10274D82-910A-4A51-9633-E7C84967FA95}"/>
+              </a:ext>
+            </a:extLst>
+          </p:cNvPr>
+          <p:cNvSpPr txBox="1"/>
+          <p:nvPr/>
+        </p:nvSpPr>
+        <p:spPr>
+          <a:xfrm>
+            <a:off x="1212850" y="863084"/>
+            <a:ext cx="1714500" cy="369332"/>
+          </a:xfrm>
+          <a:prstGeom prst="rect">
+            <a:avLst/>
+          </a:prstGeom>
+          <a:noFill/>
+        </p:spPr>
+        <p:txBody>
+          <a:bodyPr wrap="square" rtlCol="0">
+            <a:spAutoFit/>
+          </a:bodyPr>
+          <a:lstStyle/>
+          <a:p>
+            <a:r>
+              <a:rPr lang="ko-KR" altLang="en-US" dirty="0">
+                <a:solidFill>
+                  <a:schemeClr val="bg1"/>
+                </a:solidFill>
+              </a:rPr>
+              <a:t>프로젝트 개요</a:t>
+            </a:r>
+          </a:p>
+        </p:txBody>
+      </p:sp>
+      <p:pic>
+        <p:nvPicPr>
+          <p:cNvPr id="12" name="그래픽 11" descr="데이터베이스">
+            <a:extLst>
+              <a:ext uri="{FF2B5EF4-FFF2-40B4-BE49-F238E27FC236}">
+                <a16:creationId xmlns:a16="http://schemas.microsoft.com/office/drawing/2014/main" id="{91F3831C-BD5B-41C4-8CA8-414F74080185}"/>
+              </a:ext>
+            </a:extLst>
+          </p:cNvPr>
+          <p:cNvPicPr>
+            <a:picLocks noChangeAspect="1"/>
+          </p:cNvPicPr>
+          <p:nvPr/>
+        </p:nvPicPr>
+        <p:blipFill>
+          <a:blip r:embed="rId5">
+            <a:extLst>
+              <a:ext uri="{28A0092B-C50C-407E-A947-70E740481C1C}">
+                <a14:useLocalDpi xmlns:a14="http://schemas.microsoft.com/office/drawing/2010/main" val="0"/>
+              </a:ext>
+              <a:ext uri="{96DAC541-7B7A-43D3-8B79-37D633B846F1}">
+                <asvg:svgBlip xmlns:asvg="http://schemas.microsoft.com/office/drawing/2016/SVG/main" r:embed="rId6"/>
+              </a:ext>
+            </a:extLst>
+          </a:blip>
+          <a:stretch>
+            <a:fillRect/>
+          </a:stretch>
+        </p:blipFill>
+        <p:spPr>
+          <a:xfrm>
+            <a:off x="3105150" y="761999"/>
+            <a:ext cx="571500" cy="571500"/>
+          </a:xfrm>
+          <a:prstGeom prst="rect">
+            <a:avLst/>
+          </a:prstGeom>
+        </p:spPr>
+      </p:pic>
+      <p:sp>
+        <p:nvSpPr>
+          <p:cNvPr id="13" name="TextBox 12">
+            <a:extLst>
+              <a:ext uri="{FF2B5EF4-FFF2-40B4-BE49-F238E27FC236}">
+                <a16:creationId xmlns:a16="http://schemas.microsoft.com/office/drawing/2014/main" id="{554715A9-D454-45E5-A539-219A9B5F0856}"/>
+              </a:ext>
+            </a:extLst>
+          </p:cNvPr>
+          <p:cNvSpPr txBox="1"/>
+          <p:nvPr/>
+        </p:nvSpPr>
+        <p:spPr>
+          <a:xfrm>
+            <a:off x="3676650" y="863084"/>
+            <a:ext cx="1714500" cy="369332"/>
+          </a:xfrm>
+          <a:prstGeom prst="rect">
+            <a:avLst/>
+          </a:prstGeom>
+          <a:noFill/>
+        </p:spPr>
+        <p:txBody>
+          <a:bodyPr wrap="square" rtlCol="0">
+            <a:spAutoFit/>
+          </a:bodyPr>
+          <a:lstStyle/>
+          <a:p>
+            <a:r>
+              <a:rPr lang="ko-KR" altLang="en-US" dirty="0">
+                <a:solidFill>
+                  <a:schemeClr val="bg1"/>
+                </a:solidFill>
+              </a:rPr>
+              <a:t>데이터베이스</a:t>
+            </a:r>
+          </a:p>
+        </p:txBody>
+      </p:sp>
+      <p:pic>
+        <p:nvPicPr>
+          <p:cNvPr id="3" name="그래픽 2" descr="조직도">
+            <a:extLst>
+              <a:ext uri="{FF2B5EF4-FFF2-40B4-BE49-F238E27FC236}">
+                <a16:creationId xmlns:a16="http://schemas.microsoft.com/office/drawing/2014/main" id="{37FD1974-A90D-4F93-8D0A-4ED9755A5EF1}"/>
+              </a:ext>
+            </a:extLst>
+          </p:cNvPr>
+          <p:cNvPicPr>
+            <a:picLocks noChangeAspect="1"/>
+          </p:cNvPicPr>
+          <p:nvPr/>
+        </p:nvPicPr>
+        <p:blipFill>
+          <a:blip r:embed="rId7">
+            <a:extLst>
+              <a:ext uri="{28A0092B-C50C-407E-A947-70E740481C1C}">
+                <a14:useLocalDpi xmlns:a14="http://schemas.microsoft.com/office/drawing/2010/main" val="0"/>
+              </a:ext>
+              <a:ext uri="{96DAC541-7B7A-43D3-8B79-37D633B846F1}">
+                <asvg:svgBlip xmlns:asvg="http://schemas.microsoft.com/office/drawing/2016/SVG/main" r:embed="rId8"/>
+              </a:ext>
+            </a:extLst>
+          </a:blip>
+          <a:stretch>
+            <a:fillRect/>
+          </a:stretch>
+        </p:blipFill>
+        <p:spPr>
+          <a:xfrm>
+            <a:off x="5460100" y="739328"/>
+            <a:ext cx="572400" cy="572400"/>
+          </a:xfrm>
+          <a:prstGeom prst="rect">
+            <a:avLst/>
+          </a:prstGeom>
+        </p:spPr>
+      </p:pic>
+      <p:sp>
+        <p:nvSpPr>
+          <p:cNvPr id="11" name="TextBox 10">
+            <a:extLst>
+              <a:ext uri="{FF2B5EF4-FFF2-40B4-BE49-F238E27FC236}">
+                <a16:creationId xmlns:a16="http://schemas.microsoft.com/office/drawing/2014/main" id="{AE216EA7-6C70-49B1-8443-2C7C47C24F6E}"/>
+              </a:ext>
+            </a:extLst>
+          </p:cNvPr>
+          <p:cNvSpPr txBox="1"/>
+          <p:nvPr/>
+        </p:nvSpPr>
+        <p:spPr>
+          <a:xfrm>
+            <a:off x="6096000" y="863084"/>
+            <a:ext cx="1714500" cy="369332"/>
+          </a:xfrm>
+          <a:prstGeom prst="rect">
+            <a:avLst/>
+          </a:prstGeom>
+          <a:noFill/>
+        </p:spPr>
+        <p:txBody>
+          <a:bodyPr wrap="square" rtlCol="0">
+            <a:spAutoFit/>
+          </a:bodyPr>
+          <a:lstStyle/>
+          <a:p>
+            <a:r>
+              <a:rPr lang="en-US" altLang="ko-KR" dirty="0">
+                <a:solidFill>
+                  <a:schemeClr val="bg1"/>
+                </a:solidFill>
+              </a:rPr>
+              <a:t>UML</a:t>
+            </a:r>
+            <a:endParaRPr lang="ko-KR" altLang="en-US" dirty="0">
+              <a:solidFill>
+                <a:schemeClr val="bg1"/>
+              </a:solidFill>
+            </a:endParaRPr>
+          </a:p>
+        </p:txBody>
+      </p:sp>
+      <p:pic>
+        <p:nvPicPr>
+          <p:cNvPr id="8" name="그래픽 7" descr="돋보기">
+            <a:extLst>
+              <a:ext uri="{FF2B5EF4-FFF2-40B4-BE49-F238E27FC236}">
+                <a16:creationId xmlns:a16="http://schemas.microsoft.com/office/drawing/2014/main" id="{E67C439E-4038-4B7B-871F-B02C0D611A17}"/>
+              </a:ext>
+            </a:extLst>
+          </p:cNvPr>
+          <p:cNvPicPr>
+            <a:picLocks noChangeAspect="1"/>
+          </p:cNvPicPr>
+          <p:nvPr/>
+        </p:nvPicPr>
+        <p:blipFill>
+          <a:blip r:embed="rId9">
+            <a:extLst>
+              <a:ext uri="{28A0092B-C50C-407E-A947-70E740481C1C}">
+                <a14:useLocalDpi xmlns:a14="http://schemas.microsoft.com/office/drawing/2010/main" val="0"/>
+              </a:ext>
+              <a:ext uri="{96DAC541-7B7A-43D3-8B79-37D633B846F1}">
+                <asvg:svgBlip xmlns:asvg="http://schemas.microsoft.com/office/drawing/2016/SVG/main" r:embed="rId10"/>
+              </a:ext>
+            </a:extLst>
+          </a:blip>
+          <a:stretch>
+            <a:fillRect/>
+          </a:stretch>
+        </p:blipFill>
+        <p:spPr>
+          <a:xfrm>
+            <a:off x="7009500" y="739328"/>
+            <a:ext cx="572400" cy="572400"/>
+          </a:xfrm>
+          <a:prstGeom prst="rect">
+            <a:avLst/>
+          </a:prstGeom>
+        </p:spPr>
+      </p:pic>
+      <p:sp>
+        <p:nvSpPr>
+          <p:cNvPr id="14" name="TextBox 13">
+            <a:extLst>
+              <a:ext uri="{FF2B5EF4-FFF2-40B4-BE49-F238E27FC236}">
+                <a16:creationId xmlns:a16="http://schemas.microsoft.com/office/drawing/2014/main" id="{93B30826-5625-4DB1-A044-FBA8DC3D0C81}"/>
+              </a:ext>
+            </a:extLst>
+          </p:cNvPr>
+          <p:cNvSpPr txBox="1"/>
+          <p:nvPr/>
+        </p:nvSpPr>
+        <p:spPr>
+          <a:xfrm>
+            <a:off x="7638150" y="863084"/>
+            <a:ext cx="1714500" cy="369332"/>
+          </a:xfrm>
+          <a:prstGeom prst="rect">
+            <a:avLst/>
+          </a:prstGeom>
+          <a:noFill/>
+        </p:spPr>
+        <p:txBody>
+          <a:bodyPr wrap="square" rtlCol="0">
+            <a:spAutoFit/>
+          </a:bodyPr>
+          <a:lstStyle/>
+          <a:p>
+            <a:r>
+              <a:rPr lang="ko-KR" altLang="en-US" dirty="0">
+                <a:solidFill>
+                  <a:schemeClr val="bg1"/>
+                </a:solidFill>
+              </a:rPr>
+              <a:t>상세설명</a:t>
+            </a:r>
+          </a:p>
+        </p:txBody>
+      </p:sp>
+      <p:pic>
+        <p:nvPicPr>
+          <p:cNvPr id="16" name="그래픽 15" descr="눈">
+            <a:extLst>
+              <a:ext uri="{FF2B5EF4-FFF2-40B4-BE49-F238E27FC236}">
+                <a16:creationId xmlns:a16="http://schemas.microsoft.com/office/drawing/2014/main" id="{2BA2A6DB-BCAF-44BA-9C70-D2C26BB53AE5}"/>
+              </a:ext>
+            </a:extLst>
+          </p:cNvPr>
+          <p:cNvPicPr>
+            <a:picLocks noChangeAspect="1"/>
+          </p:cNvPicPr>
+          <p:nvPr/>
+        </p:nvPicPr>
+        <p:blipFill>
+          <a:blip r:embed="rId11">
+            <a:extLst>
+              <a:ext uri="{28A0092B-C50C-407E-A947-70E740481C1C}">
+                <a14:useLocalDpi xmlns:a14="http://schemas.microsoft.com/office/drawing/2010/main" val="0"/>
+              </a:ext>
+              <a:ext uri="{96DAC541-7B7A-43D3-8B79-37D633B846F1}">
+                <asvg:svgBlip xmlns:asvg="http://schemas.microsoft.com/office/drawing/2016/SVG/main" r:embed="rId12"/>
+              </a:ext>
+            </a:extLst>
+          </a:blip>
+          <a:stretch>
+            <a:fillRect/>
+          </a:stretch>
+        </p:blipFill>
+        <p:spPr>
+          <a:xfrm>
+            <a:off x="8870464" y="761999"/>
+            <a:ext cx="572400" cy="572400"/>
+          </a:xfrm>
+          <a:prstGeom prst="rect">
+            <a:avLst/>
+          </a:prstGeom>
+        </p:spPr>
+      </p:pic>
+      <p:sp>
+        <p:nvSpPr>
+          <p:cNvPr id="17" name="TextBox 16">
+            <a:extLst>
+              <a:ext uri="{FF2B5EF4-FFF2-40B4-BE49-F238E27FC236}">
+                <a16:creationId xmlns:a16="http://schemas.microsoft.com/office/drawing/2014/main" id="{E0991C32-1C75-4E8F-9235-0ACA3933259B}"/>
+              </a:ext>
+            </a:extLst>
+          </p:cNvPr>
+          <p:cNvSpPr txBox="1"/>
+          <p:nvPr/>
+        </p:nvSpPr>
+        <p:spPr>
+          <a:xfrm>
+            <a:off x="9530450" y="863084"/>
+            <a:ext cx="1714500" cy="369332"/>
+          </a:xfrm>
+          <a:prstGeom prst="rect">
+            <a:avLst/>
+          </a:prstGeom>
+          <a:noFill/>
+        </p:spPr>
+        <p:txBody>
+          <a:bodyPr wrap="square" rtlCol="0">
+            <a:spAutoFit/>
+          </a:bodyPr>
+          <a:lstStyle/>
+          <a:p>
+            <a:r>
+              <a:rPr lang="ko-KR" altLang="en-US" dirty="0">
+                <a:solidFill>
+                  <a:schemeClr val="bg1"/>
+                </a:solidFill>
+              </a:rPr>
+              <a:t>시연</a:t>
+            </a:r>
+          </a:p>
+        </p:txBody>
+      </p:sp>
+      <p:sp>
+        <p:nvSpPr>
+          <p:cNvPr id="18" name="직사각형 17">
+            <a:extLst>
+              <a:ext uri="{FF2B5EF4-FFF2-40B4-BE49-F238E27FC236}">
+                <a16:creationId xmlns:a16="http://schemas.microsoft.com/office/drawing/2014/main" id="{11E9767A-68BC-466D-825E-D1791ADBE145}"/>
+              </a:ext>
+            </a:extLst>
+          </p:cNvPr>
+          <p:cNvSpPr/>
+          <p:nvPr/>
+        </p:nvSpPr>
+        <p:spPr>
+          <a:xfrm>
+            <a:off x="8870464" y="1245573"/>
+            <a:ext cx="1209600" cy="96744"/>
+          </a:xfrm>
+          <a:prstGeom prst="rect">
+            <a:avLst/>
+          </a:prstGeom>
+          <a:solidFill>
+            <a:srgbClr val="3399FF"/>
+          </a:solidFill>
+          <a:ln>
+            <a:noFill/>
+          </a:ln>
+        </p:spPr>
+        <p:style>
+          <a:lnRef idx="2">
+            <a:schemeClr val="accent1">
+              <a:shade val="50000"/>
+            </a:schemeClr>
+          </a:lnRef>
+          <a:fillRef idx="1">
+            <a:schemeClr val="accent1"/>
+          </a:fillRef>
+          <a:effectRef idx="0">
+            <a:schemeClr val="accent1"/>
+          </a:effectRef>
+          <a:fontRef idx="minor">
+            <a:schemeClr val="lt1"/>
+          </a:fontRef>
+        </p:style>
+        <p:txBody>
+          <a:bodyPr rtlCol="0" anchor="ctr"/>
+          <a:lstStyle/>
+          <a:p>
+            <a:pPr algn="ctr"/>
+            <a:endParaRPr lang="ko-KR" altLang="en-US" dirty="0"/>
+          </a:p>
+        </p:txBody>
+      </p:sp>
+      <p:sp>
+        <p:nvSpPr>
+          <p:cNvPr id="15" name="직사각형 14">
+            <a:extLst>
+              <a:ext uri="{FF2B5EF4-FFF2-40B4-BE49-F238E27FC236}">
+                <a16:creationId xmlns:a16="http://schemas.microsoft.com/office/drawing/2014/main" id="{1CF9AE64-1CFE-439C-853D-72C2139E7BCB}"/>
+              </a:ext>
+            </a:extLst>
+          </p:cNvPr>
+          <p:cNvSpPr/>
+          <p:nvPr/>
+        </p:nvSpPr>
+        <p:spPr>
+          <a:xfrm>
+            <a:off x="0" y="1333499"/>
+            <a:ext cx="12192000" cy="369332"/>
+          </a:xfrm>
+          <a:prstGeom prst="rect">
+            <a:avLst/>
+          </a:prstGeom>
+          <a:solidFill>
+            <a:srgbClr val="3399FF"/>
+          </a:solidFill>
+          <a:ln>
+            <a:noFill/>
+          </a:ln>
+        </p:spPr>
+        <p:style>
+          <a:lnRef idx="2">
+            <a:schemeClr val="accent1">
+              <a:shade val="50000"/>
+            </a:schemeClr>
+          </a:lnRef>
+          <a:fillRef idx="1">
+            <a:schemeClr val="accent1"/>
+          </a:fillRef>
+          <a:effectRef idx="0">
+            <a:schemeClr val="accent1"/>
+          </a:effectRef>
+          <a:fontRef idx="minor">
+            <a:schemeClr val="lt1"/>
+          </a:fontRef>
+        </p:style>
+        <p:txBody>
+          <a:bodyPr rtlCol="0" anchor="ctr"/>
+          <a:lstStyle/>
+          <a:p>
+            <a:pPr algn="ctr"/>
+            <a:endParaRPr lang="ko-KR" altLang="en-US"/>
+          </a:p>
+        </p:txBody>
+      </p:sp>
+      <p:pic>
+        <p:nvPicPr>
+          <p:cNvPr id="4" name="그림 3">
+            <a:extLst>
+              <a:ext uri="{FF2B5EF4-FFF2-40B4-BE49-F238E27FC236}">
+                <a16:creationId xmlns:a16="http://schemas.microsoft.com/office/drawing/2014/main" id="{A5719D9A-AC47-47F8-B314-712D2196C707}"/>
+              </a:ext>
+            </a:extLst>
+          </p:cNvPr>
+          <p:cNvPicPr>
+            <a:picLocks noChangeAspect="1"/>
+          </p:cNvPicPr>
+          <p:nvPr/>
+        </p:nvPicPr>
+        <p:blipFill>
+          <a:blip r:embed="rId13">
+            <a:extLst>
+              <a:ext uri="{28A0092B-C50C-407E-A947-70E740481C1C}">
+                <a14:useLocalDpi xmlns:a14="http://schemas.microsoft.com/office/drawing/2010/main" val="0"/>
+              </a:ext>
+            </a:extLst>
+          </a:blip>
+          <a:stretch>
+            <a:fillRect/>
+          </a:stretch>
+        </p:blipFill>
+        <p:spPr>
+          <a:xfrm>
+            <a:off x="2334875" y="1790757"/>
+            <a:ext cx="7395250" cy="4906464"/>
+          </a:xfrm>
+          <a:prstGeom prst="rect">
+            <a:avLst/>
+          </a:prstGeom>
+        </p:spPr>
+      </p:pic>
+      <p:sp>
+        <p:nvSpPr>
+          <p:cNvPr id="5" name="사각형: 둥근 모서리 4">
+            <a:extLst>
+              <a:ext uri="{FF2B5EF4-FFF2-40B4-BE49-F238E27FC236}">
+                <a16:creationId xmlns:a16="http://schemas.microsoft.com/office/drawing/2014/main" id="{67BFD86D-CC4A-41B6-9263-8961FEB65A7D}"/>
+              </a:ext>
+            </a:extLst>
+          </p:cNvPr>
+          <p:cNvSpPr/>
+          <p:nvPr/>
+        </p:nvSpPr>
+        <p:spPr>
+          <a:xfrm>
+            <a:off x="5293895" y="3717758"/>
+            <a:ext cx="782052" cy="168442"/>
+          </a:xfrm>
+          <a:prstGeom prst="roundRect">
+            <a:avLst/>
+          </a:prstGeom>
+          <a:noFill/>
+          <a:ln w="38100">
+            <a:solidFill>
+              <a:srgbClr val="FF0000"/>
+            </a:solidFill>
+          </a:ln>
+        </p:spPr>
+        <p:style>
+          <a:lnRef idx="2">
+            <a:schemeClr val="accent1">
+              <a:shade val="50000"/>
+            </a:schemeClr>
+          </a:lnRef>
+          <a:fillRef idx="1">
+            <a:schemeClr val="accent1"/>
+          </a:fillRef>
+          <a:effectRef idx="0">
+            <a:schemeClr val="accent1"/>
+          </a:effectRef>
+          <a:fontRef idx="minor">
+            <a:schemeClr val="lt1"/>
+          </a:fontRef>
+        </p:style>
+        <p:txBody>
+          <a:bodyPr rot="0" spcFirstLastPara="0" vertOverflow="overflow" horzOverflow="overflow" vert="horz" wrap="square" lIns="91440" tIns="45720" rIns="91440" bIns="45720" numCol="1" spcCol="0" rtlCol="0" fromWordArt="0" anchor="ctr" anchorCtr="0" forceAA="0" compatLnSpc="1">
+            <a:prstTxWarp prst="textNoShape">
+              <a:avLst/>
+            </a:prstTxWarp>
+            <a:noAutofit/>
+          </a:bodyPr>
+          <a:lstStyle/>
+          <a:p>
+            <a:pPr algn="ctr"/>
+            <a:endParaRPr lang="ko-KR" altLang="en-US"/>
+          </a:p>
+        </p:txBody>
+      </p:sp>
+    </p:spTree>
+    <p:extLst>
+      <p:ext uri="{BB962C8B-B14F-4D97-AF65-F5344CB8AC3E}">
         <p14:creationId xmlns:p14="http://schemas.microsoft.com/office/powerpoint/2010/main" val="2749484629"/>
+      </p:ext>
+    </p:extLst>
+  </p:cSld>
+  <p:clrMapOvr>
+    <a:masterClrMapping/>
+  </p:clrMapOvr>
+</p:sld>
+</file>
+
+<file path=ppt/slides/slide48.xml><?xml version="1.0" encoding="utf-8"?>
+<p:sld xmlns:a="http://schemas.openxmlformats.org/drawingml/2006/main" xmlns:r="http://schemas.openxmlformats.org/officeDocument/2006/relationships" xmlns:p="http://schemas.openxmlformats.org/presentationml/2006/main">
+  <p:cSld>
+    <p:spTree>
+      <p:nvGrpSpPr>
+        <p:cNvPr id="1" name=""/>
+        <p:cNvGrpSpPr/>
+        <p:nvPr/>
+      </p:nvGrpSpPr>
+      <p:grpSpPr>
+        <a:xfrm>
+          <a:off x="0" y="0"/>
+          <a:ext cx="0" cy="0"/>
+          <a:chOff x="0" y="0"/>
+          <a:chExt cx="0" cy="0"/>
+        </a:xfrm>
+      </p:grpSpPr>
+      <p:pic>
+        <p:nvPicPr>
+          <p:cNvPr id="19" name="그림 18">
+            <a:extLst>
+              <a:ext uri="{FF2B5EF4-FFF2-40B4-BE49-F238E27FC236}">
+                <a16:creationId xmlns:a16="http://schemas.microsoft.com/office/drawing/2014/main" id="{6F9DD6E7-A5C5-49EB-A611-7886F69B5858}"/>
+              </a:ext>
+            </a:extLst>
+          </p:cNvPr>
+          <p:cNvPicPr>
+            <a:picLocks noChangeAspect="1"/>
+          </p:cNvPicPr>
+          <p:nvPr/>
+        </p:nvPicPr>
+        <p:blipFill>
+          <a:blip r:embed="rId2">
+            <a:extLst>
+              <a:ext uri="{28A0092B-C50C-407E-A947-70E740481C1C}">
+                <a14:useLocalDpi xmlns:a14="http://schemas.microsoft.com/office/drawing/2010/main" val="0"/>
+              </a:ext>
+            </a:extLst>
+          </a:blip>
+          <a:stretch>
+            <a:fillRect/>
+          </a:stretch>
+        </p:blipFill>
+        <p:spPr>
+          <a:xfrm>
+            <a:off x="2276539" y="1817073"/>
+            <a:ext cx="7638922" cy="4756993"/>
+          </a:xfrm>
+          <a:prstGeom prst="rect">
+            <a:avLst/>
+          </a:prstGeom>
+        </p:spPr>
+      </p:pic>
+      <p:pic>
+        <p:nvPicPr>
+          <p:cNvPr id="6" name="그림 5">
+            <a:extLst>
+              <a:ext uri="{FF2B5EF4-FFF2-40B4-BE49-F238E27FC236}">
+                <a16:creationId xmlns:a16="http://schemas.microsoft.com/office/drawing/2014/main" id="{78F5A0B9-40B2-4B71-BA0F-BCA0D1027FAD}"/>
+              </a:ext>
+            </a:extLst>
+          </p:cNvPr>
+          <p:cNvPicPr>
+            <a:picLocks noChangeAspect="1"/>
+          </p:cNvPicPr>
+          <p:nvPr/>
+        </p:nvPicPr>
+        <p:blipFill>
+          <a:blip r:embed="rId3"/>
+          <a:stretch>
+            <a:fillRect/>
+          </a:stretch>
+        </p:blipFill>
+        <p:spPr>
+          <a:xfrm>
+            <a:off x="0" y="0"/>
+            <a:ext cx="12192000" cy="1333499"/>
+          </a:xfrm>
+          <a:prstGeom prst="rect">
+            <a:avLst/>
+          </a:prstGeom>
+          <a:ln>
+            <a:noFill/>
+          </a:ln>
+        </p:spPr>
+      </p:pic>
+      <p:sp>
+        <p:nvSpPr>
+          <p:cNvPr id="7" name="TextBox 6">
+            <a:extLst>
+              <a:ext uri="{FF2B5EF4-FFF2-40B4-BE49-F238E27FC236}">
+                <a16:creationId xmlns:a16="http://schemas.microsoft.com/office/drawing/2014/main" id="{FE219C83-6162-46A7-A59B-DDA8E6921274}"/>
+              </a:ext>
+            </a:extLst>
+          </p:cNvPr>
+          <p:cNvSpPr txBox="1"/>
+          <p:nvPr/>
+        </p:nvSpPr>
+        <p:spPr>
+          <a:xfrm>
+            <a:off x="749300" y="-12700"/>
+            <a:ext cx="3187700" cy="584775"/>
+          </a:xfrm>
+          <a:prstGeom prst="rect">
+            <a:avLst/>
+          </a:prstGeom>
+          <a:noFill/>
+        </p:spPr>
+        <p:txBody>
+          <a:bodyPr wrap="square" rtlCol="0">
+            <a:spAutoFit/>
+          </a:bodyPr>
+          <a:lstStyle/>
+          <a:p>
+            <a:r>
+              <a:rPr lang="en-US" altLang="ko-KR" sz="3200" b="1" dirty="0">
+                <a:solidFill>
+                  <a:schemeClr val="bg1"/>
+                </a:solidFill>
+              </a:rPr>
+              <a:t>Hacking</a:t>
+            </a:r>
+            <a:r>
+              <a:rPr lang="en-US" altLang="ko-KR" sz="3200" b="1" dirty="0">
+                <a:solidFill>
+                  <a:srgbClr val="3399FF"/>
+                </a:solidFill>
+              </a:rPr>
+              <a:t>.com</a:t>
+            </a:r>
+            <a:endParaRPr lang="ko-KR" altLang="en-US" sz="3200" b="1" dirty="0">
+              <a:solidFill>
+                <a:srgbClr val="3399FF"/>
+              </a:solidFill>
+            </a:endParaRPr>
+          </a:p>
+        </p:txBody>
+      </p:sp>
+      <p:pic>
+        <p:nvPicPr>
+          <p:cNvPr id="9" name="그래픽 8" descr="자막">
+            <a:extLst>
+              <a:ext uri="{FF2B5EF4-FFF2-40B4-BE49-F238E27FC236}">
+                <a16:creationId xmlns:a16="http://schemas.microsoft.com/office/drawing/2014/main" id="{239AD4E6-2E98-4B0A-A085-C8B887B25586}"/>
+              </a:ext>
+            </a:extLst>
+          </p:cNvPr>
+          <p:cNvPicPr>
+            <a:picLocks noChangeAspect="1"/>
+          </p:cNvPicPr>
+          <p:nvPr/>
+        </p:nvPicPr>
+        <p:blipFill>
+          <a:blip r:embed="rId4">
+            <a:extLst>
+              <a:ext uri="{28A0092B-C50C-407E-A947-70E740481C1C}">
+                <a14:useLocalDpi xmlns:a14="http://schemas.microsoft.com/office/drawing/2010/main" val="0"/>
+              </a:ext>
+              <a:ext uri="{96DAC541-7B7A-43D3-8B79-37D633B846F1}">
+                <asvg:svgBlip xmlns:asvg="http://schemas.microsoft.com/office/drawing/2016/SVG/main" r:embed="rId5"/>
+              </a:ext>
+            </a:extLst>
+          </a:blip>
+          <a:stretch>
+            <a:fillRect/>
+          </a:stretch>
+        </p:blipFill>
+        <p:spPr>
+          <a:xfrm>
+            <a:off x="749300" y="762000"/>
+            <a:ext cx="571500" cy="571500"/>
+          </a:xfrm>
+          <a:prstGeom prst="rect">
+            <a:avLst/>
+          </a:prstGeom>
+        </p:spPr>
+      </p:pic>
+      <p:sp>
+        <p:nvSpPr>
+          <p:cNvPr id="10" name="TextBox 9">
+            <a:extLst>
+              <a:ext uri="{FF2B5EF4-FFF2-40B4-BE49-F238E27FC236}">
+                <a16:creationId xmlns:a16="http://schemas.microsoft.com/office/drawing/2014/main" id="{10274D82-910A-4A51-9633-E7C84967FA95}"/>
+              </a:ext>
+            </a:extLst>
+          </p:cNvPr>
+          <p:cNvSpPr txBox="1"/>
+          <p:nvPr/>
+        </p:nvSpPr>
+        <p:spPr>
+          <a:xfrm>
+            <a:off x="1212850" y="863084"/>
+            <a:ext cx="1714500" cy="369332"/>
+          </a:xfrm>
+          <a:prstGeom prst="rect">
+            <a:avLst/>
+          </a:prstGeom>
+          <a:noFill/>
+        </p:spPr>
+        <p:txBody>
+          <a:bodyPr wrap="square" rtlCol="0">
+            <a:spAutoFit/>
+          </a:bodyPr>
+          <a:lstStyle/>
+          <a:p>
+            <a:r>
+              <a:rPr lang="ko-KR" altLang="en-US" dirty="0">
+                <a:solidFill>
+                  <a:schemeClr val="bg1"/>
+                </a:solidFill>
+              </a:rPr>
+              <a:t>프로젝트 개요</a:t>
+            </a:r>
+          </a:p>
+        </p:txBody>
+      </p:sp>
+      <p:pic>
+        <p:nvPicPr>
+          <p:cNvPr id="12" name="그래픽 11" descr="데이터베이스">
+            <a:extLst>
+              <a:ext uri="{FF2B5EF4-FFF2-40B4-BE49-F238E27FC236}">
+                <a16:creationId xmlns:a16="http://schemas.microsoft.com/office/drawing/2014/main" id="{91F3831C-BD5B-41C4-8CA8-414F74080185}"/>
+              </a:ext>
+            </a:extLst>
+          </p:cNvPr>
+          <p:cNvPicPr>
+            <a:picLocks noChangeAspect="1"/>
+          </p:cNvPicPr>
+          <p:nvPr/>
+        </p:nvPicPr>
+        <p:blipFill>
+          <a:blip r:embed="rId6">
+            <a:extLst>
+              <a:ext uri="{28A0092B-C50C-407E-A947-70E740481C1C}">
+                <a14:useLocalDpi xmlns:a14="http://schemas.microsoft.com/office/drawing/2010/main" val="0"/>
+              </a:ext>
+              <a:ext uri="{96DAC541-7B7A-43D3-8B79-37D633B846F1}">
+                <asvg:svgBlip xmlns:asvg="http://schemas.microsoft.com/office/drawing/2016/SVG/main" r:embed="rId7"/>
+              </a:ext>
+            </a:extLst>
+          </a:blip>
+          <a:stretch>
+            <a:fillRect/>
+          </a:stretch>
+        </p:blipFill>
+        <p:spPr>
+          <a:xfrm>
+            <a:off x="3105150" y="761999"/>
+            <a:ext cx="571500" cy="571500"/>
+          </a:xfrm>
+          <a:prstGeom prst="rect">
+            <a:avLst/>
+          </a:prstGeom>
+        </p:spPr>
+      </p:pic>
+      <p:sp>
+        <p:nvSpPr>
+          <p:cNvPr id="13" name="TextBox 12">
+            <a:extLst>
+              <a:ext uri="{FF2B5EF4-FFF2-40B4-BE49-F238E27FC236}">
+                <a16:creationId xmlns:a16="http://schemas.microsoft.com/office/drawing/2014/main" id="{554715A9-D454-45E5-A539-219A9B5F0856}"/>
+              </a:ext>
+            </a:extLst>
+          </p:cNvPr>
+          <p:cNvSpPr txBox="1"/>
+          <p:nvPr/>
+        </p:nvSpPr>
+        <p:spPr>
+          <a:xfrm>
+            <a:off x="3676650" y="863084"/>
+            <a:ext cx="1714500" cy="369332"/>
+          </a:xfrm>
+          <a:prstGeom prst="rect">
+            <a:avLst/>
+          </a:prstGeom>
+          <a:noFill/>
+        </p:spPr>
+        <p:txBody>
+          <a:bodyPr wrap="square" rtlCol="0">
+            <a:spAutoFit/>
+          </a:bodyPr>
+          <a:lstStyle/>
+          <a:p>
+            <a:r>
+              <a:rPr lang="ko-KR" altLang="en-US" dirty="0">
+                <a:solidFill>
+                  <a:schemeClr val="bg1"/>
+                </a:solidFill>
+              </a:rPr>
+              <a:t>데이터베이스</a:t>
+            </a:r>
+          </a:p>
+        </p:txBody>
+      </p:sp>
+      <p:pic>
+        <p:nvPicPr>
+          <p:cNvPr id="3" name="그래픽 2" descr="조직도">
+            <a:extLst>
+              <a:ext uri="{FF2B5EF4-FFF2-40B4-BE49-F238E27FC236}">
+                <a16:creationId xmlns:a16="http://schemas.microsoft.com/office/drawing/2014/main" id="{37FD1974-A90D-4F93-8D0A-4ED9755A5EF1}"/>
+              </a:ext>
+            </a:extLst>
+          </p:cNvPr>
+          <p:cNvPicPr>
+            <a:picLocks noChangeAspect="1"/>
+          </p:cNvPicPr>
+          <p:nvPr/>
+        </p:nvPicPr>
+        <p:blipFill>
+          <a:blip r:embed="rId8">
+            <a:extLst>
+              <a:ext uri="{28A0092B-C50C-407E-A947-70E740481C1C}">
+                <a14:useLocalDpi xmlns:a14="http://schemas.microsoft.com/office/drawing/2010/main" val="0"/>
+              </a:ext>
+              <a:ext uri="{96DAC541-7B7A-43D3-8B79-37D633B846F1}">
+                <asvg:svgBlip xmlns:asvg="http://schemas.microsoft.com/office/drawing/2016/SVG/main" r:embed="rId9"/>
+              </a:ext>
+            </a:extLst>
+          </a:blip>
+          <a:stretch>
+            <a:fillRect/>
+          </a:stretch>
+        </p:blipFill>
+        <p:spPr>
+          <a:xfrm>
+            <a:off x="5460100" y="739328"/>
+            <a:ext cx="572400" cy="572400"/>
+          </a:xfrm>
+          <a:prstGeom prst="rect">
+            <a:avLst/>
+          </a:prstGeom>
+        </p:spPr>
+      </p:pic>
+      <p:sp>
+        <p:nvSpPr>
+          <p:cNvPr id="11" name="TextBox 10">
+            <a:extLst>
+              <a:ext uri="{FF2B5EF4-FFF2-40B4-BE49-F238E27FC236}">
+                <a16:creationId xmlns:a16="http://schemas.microsoft.com/office/drawing/2014/main" id="{AE216EA7-6C70-49B1-8443-2C7C47C24F6E}"/>
+              </a:ext>
+            </a:extLst>
+          </p:cNvPr>
+          <p:cNvSpPr txBox="1"/>
+          <p:nvPr/>
+        </p:nvSpPr>
+        <p:spPr>
+          <a:xfrm>
+            <a:off x="6096000" y="863084"/>
+            <a:ext cx="1714500" cy="369332"/>
+          </a:xfrm>
+          <a:prstGeom prst="rect">
+            <a:avLst/>
+          </a:prstGeom>
+          <a:noFill/>
+        </p:spPr>
+        <p:txBody>
+          <a:bodyPr wrap="square" rtlCol="0">
+            <a:spAutoFit/>
+          </a:bodyPr>
+          <a:lstStyle/>
+          <a:p>
+            <a:r>
+              <a:rPr lang="en-US" altLang="ko-KR" dirty="0">
+                <a:solidFill>
+                  <a:schemeClr val="bg1"/>
+                </a:solidFill>
+              </a:rPr>
+              <a:t>UML</a:t>
+            </a:r>
+            <a:endParaRPr lang="ko-KR" altLang="en-US" dirty="0">
+              <a:solidFill>
+                <a:schemeClr val="bg1"/>
+              </a:solidFill>
+            </a:endParaRPr>
+          </a:p>
+        </p:txBody>
+      </p:sp>
+      <p:pic>
+        <p:nvPicPr>
+          <p:cNvPr id="8" name="그래픽 7" descr="돋보기">
+            <a:extLst>
+              <a:ext uri="{FF2B5EF4-FFF2-40B4-BE49-F238E27FC236}">
+                <a16:creationId xmlns:a16="http://schemas.microsoft.com/office/drawing/2014/main" id="{E67C439E-4038-4B7B-871F-B02C0D611A17}"/>
+              </a:ext>
+            </a:extLst>
+          </p:cNvPr>
+          <p:cNvPicPr>
+            <a:picLocks noChangeAspect="1"/>
+          </p:cNvPicPr>
+          <p:nvPr/>
+        </p:nvPicPr>
+        <p:blipFill>
+          <a:blip r:embed="rId10">
+            <a:extLst>
+              <a:ext uri="{28A0092B-C50C-407E-A947-70E740481C1C}">
+                <a14:useLocalDpi xmlns:a14="http://schemas.microsoft.com/office/drawing/2010/main" val="0"/>
+              </a:ext>
+              <a:ext uri="{96DAC541-7B7A-43D3-8B79-37D633B846F1}">
+                <asvg:svgBlip xmlns:asvg="http://schemas.microsoft.com/office/drawing/2016/SVG/main" r:embed="rId11"/>
+              </a:ext>
+            </a:extLst>
+          </a:blip>
+          <a:stretch>
+            <a:fillRect/>
+          </a:stretch>
+        </p:blipFill>
+        <p:spPr>
+          <a:xfrm>
+            <a:off x="7009500" y="739328"/>
+            <a:ext cx="572400" cy="572400"/>
+          </a:xfrm>
+          <a:prstGeom prst="rect">
+            <a:avLst/>
+          </a:prstGeom>
+        </p:spPr>
+      </p:pic>
+      <p:sp>
+        <p:nvSpPr>
+          <p:cNvPr id="14" name="TextBox 13">
+            <a:extLst>
+              <a:ext uri="{FF2B5EF4-FFF2-40B4-BE49-F238E27FC236}">
+                <a16:creationId xmlns:a16="http://schemas.microsoft.com/office/drawing/2014/main" id="{93B30826-5625-4DB1-A044-FBA8DC3D0C81}"/>
+              </a:ext>
+            </a:extLst>
+          </p:cNvPr>
+          <p:cNvSpPr txBox="1"/>
+          <p:nvPr/>
+        </p:nvSpPr>
+        <p:spPr>
+          <a:xfrm>
+            <a:off x="7638150" y="863084"/>
+            <a:ext cx="1714500" cy="369332"/>
+          </a:xfrm>
+          <a:prstGeom prst="rect">
+            <a:avLst/>
+          </a:prstGeom>
+          <a:noFill/>
+        </p:spPr>
+        <p:txBody>
+          <a:bodyPr wrap="square" rtlCol="0">
+            <a:spAutoFit/>
+          </a:bodyPr>
+          <a:lstStyle/>
+          <a:p>
+            <a:r>
+              <a:rPr lang="ko-KR" altLang="en-US" dirty="0">
+                <a:solidFill>
+                  <a:schemeClr val="bg1"/>
+                </a:solidFill>
+              </a:rPr>
+              <a:t>상세설명</a:t>
+            </a:r>
+          </a:p>
+        </p:txBody>
+      </p:sp>
+      <p:pic>
+        <p:nvPicPr>
+          <p:cNvPr id="16" name="그래픽 15" descr="눈">
+            <a:extLst>
+              <a:ext uri="{FF2B5EF4-FFF2-40B4-BE49-F238E27FC236}">
+                <a16:creationId xmlns:a16="http://schemas.microsoft.com/office/drawing/2014/main" id="{2BA2A6DB-BCAF-44BA-9C70-D2C26BB53AE5}"/>
+              </a:ext>
+            </a:extLst>
+          </p:cNvPr>
+          <p:cNvPicPr>
+            <a:picLocks noChangeAspect="1"/>
+          </p:cNvPicPr>
+          <p:nvPr/>
+        </p:nvPicPr>
+        <p:blipFill>
+          <a:blip r:embed="rId12">
+            <a:extLst>
+              <a:ext uri="{28A0092B-C50C-407E-A947-70E740481C1C}">
+                <a14:useLocalDpi xmlns:a14="http://schemas.microsoft.com/office/drawing/2010/main" val="0"/>
+              </a:ext>
+              <a:ext uri="{96DAC541-7B7A-43D3-8B79-37D633B846F1}">
+                <asvg:svgBlip xmlns:asvg="http://schemas.microsoft.com/office/drawing/2016/SVG/main" r:embed="rId13"/>
+              </a:ext>
+            </a:extLst>
+          </a:blip>
+          <a:stretch>
+            <a:fillRect/>
+          </a:stretch>
+        </p:blipFill>
+        <p:spPr>
+          <a:xfrm>
+            <a:off x="8870464" y="761999"/>
+            <a:ext cx="572400" cy="572400"/>
+          </a:xfrm>
+          <a:prstGeom prst="rect">
+            <a:avLst/>
+          </a:prstGeom>
+        </p:spPr>
+      </p:pic>
+      <p:sp>
+        <p:nvSpPr>
+          <p:cNvPr id="17" name="TextBox 16">
+            <a:extLst>
+              <a:ext uri="{FF2B5EF4-FFF2-40B4-BE49-F238E27FC236}">
+                <a16:creationId xmlns:a16="http://schemas.microsoft.com/office/drawing/2014/main" id="{E0991C32-1C75-4E8F-9235-0ACA3933259B}"/>
+              </a:ext>
+            </a:extLst>
+          </p:cNvPr>
+          <p:cNvSpPr txBox="1"/>
+          <p:nvPr/>
+        </p:nvSpPr>
+        <p:spPr>
+          <a:xfrm>
+            <a:off x="9530450" y="863084"/>
+            <a:ext cx="1714500" cy="369332"/>
+          </a:xfrm>
+          <a:prstGeom prst="rect">
+            <a:avLst/>
+          </a:prstGeom>
+          <a:noFill/>
+        </p:spPr>
+        <p:txBody>
+          <a:bodyPr wrap="square" rtlCol="0">
+            <a:spAutoFit/>
+          </a:bodyPr>
+          <a:lstStyle/>
+          <a:p>
+            <a:r>
+              <a:rPr lang="ko-KR" altLang="en-US" dirty="0">
+                <a:solidFill>
+                  <a:schemeClr val="bg1"/>
+                </a:solidFill>
+              </a:rPr>
+              <a:t>시연</a:t>
+            </a:r>
+          </a:p>
+        </p:txBody>
+      </p:sp>
+      <p:sp>
+        <p:nvSpPr>
+          <p:cNvPr id="18" name="직사각형 17">
+            <a:extLst>
+              <a:ext uri="{FF2B5EF4-FFF2-40B4-BE49-F238E27FC236}">
+                <a16:creationId xmlns:a16="http://schemas.microsoft.com/office/drawing/2014/main" id="{11E9767A-68BC-466D-825E-D1791ADBE145}"/>
+              </a:ext>
+            </a:extLst>
+          </p:cNvPr>
+          <p:cNvSpPr/>
+          <p:nvPr/>
+        </p:nvSpPr>
+        <p:spPr>
+          <a:xfrm>
+            <a:off x="8870464" y="1245573"/>
+            <a:ext cx="1209600" cy="96744"/>
+          </a:xfrm>
+          <a:prstGeom prst="rect">
+            <a:avLst/>
+          </a:prstGeom>
+          <a:solidFill>
+            <a:srgbClr val="3399FF"/>
+          </a:solidFill>
+          <a:ln>
+            <a:noFill/>
+          </a:ln>
+        </p:spPr>
+        <p:style>
+          <a:lnRef idx="2">
+            <a:schemeClr val="accent1">
+              <a:shade val="50000"/>
+            </a:schemeClr>
+          </a:lnRef>
+          <a:fillRef idx="1">
+            <a:schemeClr val="accent1"/>
+          </a:fillRef>
+          <a:effectRef idx="0">
+            <a:schemeClr val="accent1"/>
+          </a:effectRef>
+          <a:fontRef idx="minor">
+            <a:schemeClr val="lt1"/>
+          </a:fontRef>
+        </p:style>
+        <p:txBody>
+          <a:bodyPr rtlCol="0" anchor="ctr"/>
+          <a:lstStyle/>
+          <a:p>
+            <a:pPr algn="ctr"/>
+            <a:endParaRPr lang="ko-KR" altLang="en-US" dirty="0"/>
+          </a:p>
+        </p:txBody>
+      </p:sp>
+      <p:sp>
+        <p:nvSpPr>
+          <p:cNvPr id="15" name="직사각형 14">
+            <a:extLst>
+              <a:ext uri="{FF2B5EF4-FFF2-40B4-BE49-F238E27FC236}">
+                <a16:creationId xmlns:a16="http://schemas.microsoft.com/office/drawing/2014/main" id="{1CF9AE64-1CFE-439C-853D-72C2139E7BCB}"/>
+              </a:ext>
+            </a:extLst>
+          </p:cNvPr>
+          <p:cNvSpPr/>
+          <p:nvPr/>
+        </p:nvSpPr>
+        <p:spPr>
+          <a:xfrm>
+            <a:off x="0" y="1333499"/>
+            <a:ext cx="12192000" cy="369332"/>
+          </a:xfrm>
+          <a:prstGeom prst="rect">
+            <a:avLst/>
+          </a:prstGeom>
+          <a:solidFill>
+            <a:srgbClr val="3399FF"/>
+          </a:solidFill>
+          <a:ln>
+            <a:noFill/>
+          </a:ln>
+        </p:spPr>
+        <p:style>
+          <a:lnRef idx="2">
+            <a:schemeClr val="accent1">
+              <a:shade val="50000"/>
+            </a:schemeClr>
+          </a:lnRef>
+          <a:fillRef idx="1">
+            <a:schemeClr val="accent1"/>
+          </a:fillRef>
+          <a:effectRef idx="0">
+            <a:schemeClr val="accent1"/>
+          </a:effectRef>
+          <a:fontRef idx="minor">
+            <a:schemeClr val="lt1"/>
+          </a:fontRef>
+        </p:style>
+        <p:txBody>
+          <a:bodyPr rtlCol="0" anchor="ctr"/>
+          <a:lstStyle/>
+          <a:p>
+            <a:pPr algn="ctr"/>
+            <a:endParaRPr lang="ko-KR" altLang="en-US"/>
+          </a:p>
+        </p:txBody>
+      </p:sp>
+      <p:sp>
+        <p:nvSpPr>
+          <p:cNvPr id="5" name="사각형: 둥근 모서리 4">
+            <a:extLst>
+              <a:ext uri="{FF2B5EF4-FFF2-40B4-BE49-F238E27FC236}">
+                <a16:creationId xmlns:a16="http://schemas.microsoft.com/office/drawing/2014/main" id="{F9E0EA21-641D-4210-9F84-C2E953004EF0}"/>
+              </a:ext>
+            </a:extLst>
+          </p:cNvPr>
+          <p:cNvSpPr/>
+          <p:nvPr/>
+        </p:nvSpPr>
+        <p:spPr>
+          <a:xfrm>
+            <a:off x="8277727" y="3019927"/>
+            <a:ext cx="1203158" cy="204537"/>
+          </a:xfrm>
+          <a:prstGeom prst="roundRect">
+            <a:avLst/>
+          </a:prstGeom>
+          <a:noFill/>
+          <a:ln w="38100">
+            <a:solidFill>
+              <a:srgbClr val="FF0000"/>
+            </a:solidFill>
+          </a:ln>
+        </p:spPr>
+        <p:style>
+          <a:lnRef idx="2">
+            <a:schemeClr val="accent1">
+              <a:shade val="50000"/>
+            </a:schemeClr>
+          </a:lnRef>
+          <a:fillRef idx="1">
+            <a:schemeClr val="accent1"/>
+          </a:fillRef>
+          <a:effectRef idx="0">
+            <a:schemeClr val="accent1"/>
+          </a:effectRef>
+          <a:fontRef idx="minor">
+            <a:schemeClr val="lt1"/>
+          </a:fontRef>
+        </p:style>
+        <p:txBody>
+          <a:bodyPr rot="0" spcFirstLastPara="0" vertOverflow="overflow" horzOverflow="overflow" vert="horz" wrap="square" lIns="91440" tIns="45720" rIns="91440" bIns="45720" numCol="1" spcCol="0" rtlCol="0" fromWordArt="0" anchor="ctr" anchorCtr="0" forceAA="0" compatLnSpc="1">
+            <a:prstTxWarp prst="textNoShape">
+              <a:avLst/>
+            </a:prstTxWarp>
+            <a:noAutofit/>
+          </a:bodyPr>
+          <a:lstStyle/>
+          <a:p>
+            <a:pPr algn="ctr"/>
+            <a:endParaRPr lang="ko-KR" altLang="en-US"/>
+          </a:p>
+        </p:txBody>
+      </p:sp>
+    </p:spTree>
+    <p:extLst>
+      <p:ext uri="{BB962C8B-B14F-4D97-AF65-F5344CB8AC3E}">
+        <p14:creationId xmlns:p14="http://schemas.microsoft.com/office/powerpoint/2010/main" val="388335197"/>
+      </p:ext>
+    </p:extLst>
+  </p:cSld>
+  <p:clrMapOvr>
+    <a:masterClrMapping/>
+  </p:clrMapOvr>
+</p:sld>
+</file>
+
+<file path=ppt/slides/slide49.xml><?xml version="1.0" encoding="utf-8"?>
+<p:sld xmlns:a="http://schemas.openxmlformats.org/drawingml/2006/main" xmlns:r="http://schemas.openxmlformats.org/officeDocument/2006/relationships" xmlns:p="http://schemas.openxmlformats.org/presentationml/2006/main">
+  <p:cSld>
+    <p:spTree>
+      <p:nvGrpSpPr>
+        <p:cNvPr id="1" name=""/>
+        <p:cNvGrpSpPr/>
+        <p:nvPr/>
+      </p:nvGrpSpPr>
+      <p:grpSpPr>
+        <a:xfrm>
+          <a:off x="0" y="0"/>
+          <a:ext cx="0" cy="0"/>
+          <a:chOff x="0" y="0"/>
+          <a:chExt cx="0" cy="0"/>
+        </a:xfrm>
+      </p:grpSpPr>
+      <p:pic>
+        <p:nvPicPr>
+          <p:cNvPr id="6" name="그림 5">
+            <a:extLst>
+              <a:ext uri="{FF2B5EF4-FFF2-40B4-BE49-F238E27FC236}">
+                <a16:creationId xmlns:a16="http://schemas.microsoft.com/office/drawing/2014/main" id="{78F5A0B9-40B2-4B71-BA0F-BCA0D1027FAD}"/>
+              </a:ext>
+            </a:extLst>
+          </p:cNvPr>
+          <p:cNvPicPr>
+            <a:picLocks noChangeAspect="1"/>
+          </p:cNvPicPr>
+          <p:nvPr/>
+        </p:nvPicPr>
+        <p:blipFill>
+          <a:blip r:embed="rId2"/>
+          <a:stretch>
+            <a:fillRect/>
+          </a:stretch>
+        </p:blipFill>
+        <p:spPr>
+          <a:xfrm>
+            <a:off x="0" y="0"/>
+            <a:ext cx="12192000" cy="1333499"/>
+          </a:xfrm>
+          <a:prstGeom prst="rect">
+            <a:avLst/>
+          </a:prstGeom>
+          <a:ln>
+            <a:noFill/>
+          </a:ln>
+        </p:spPr>
+      </p:pic>
+      <p:sp>
+        <p:nvSpPr>
+          <p:cNvPr id="7" name="TextBox 6">
+            <a:extLst>
+              <a:ext uri="{FF2B5EF4-FFF2-40B4-BE49-F238E27FC236}">
+                <a16:creationId xmlns:a16="http://schemas.microsoft.com/office/drawing/2014/main" id="{FE219C83-6162-46A7-A59B-DDA8E6921274}"/>
+              </a:ext>
+            </a:extLst>
+          </p:cNvPr>
+          <p:cNvSpPr txBox="1"/>
+          <p:nvPr/>
+        </p:nvSpPr>
+        <p:spPr>
+          <a:xfrm>
+            <a:off x="749300" y="-12700"/>
+            <a:ext cx="3187700" cy="584775"/>
+          </a:xfrm>
+          <a:prstGeom prst="rect">
+            <a:avLst/>
+          </a:prstGeom>
+          <a:noFill/>
+        </p:spPr>
+        <p:txBody>
+          <a:bodyPr wrap="square" rtlCol="0">
+            <a:spAutoFit/>
+          </a:bodyPr>
+          <a:lstStyle/>
+          <a:p>
+            <a:r>
+              <a:rPr lang="en-US" altLang="ko-KR" sz="3200" b="1" dirty="0">
+                <a:solidFill>
+                  <a:schemeClr val="bg1"/>
+                </a:solidFill>
+              </a:rPr>
+              <a:t>Hacking</a:t>
+            </a:r>
+            <a:r>
+              <a:rPr lang="en-US" altLang="ko-KR" sz="3200" b="1" dirty="0">
+                <a:solidFill>
+                  <a:srgbClr val="3399FF"/>
+                </a:solidFill>
+              </a:rPr>
+              <a:t>.com</a:t>
+            </a:r>
+            <a:endParaRPr lang="ko-KR" altLang="en-US" sz="3200" b="1" dirty="0">
+              <a:solidFill>
+                <a:srgbClr val="3399FF"/>
+              </a:solidFill>
+            </a:endParaRPr>
+          </a:p>
+        </p:txBody>
+      </p:sp>
+      <p:pic>
+        <p:nvPicPr>
+          <p:cNvPr id="9" name="그래픽 8" descr="자막">
+            <a:extLst>
+              <a:ext uri="{FF2B5EF4-FFF2-40B4-BE49-F238E27FC236}">
+                <a16:creationId xmlns:a16="http://schemas.microsoft.com/office/drawing/2014/main" id="{239AD4E6-2E98-4B0A-A085-C8B887B25586}"/>
+              </a:ext>
+            </a:extLst>
+          </p:cNvPr>
+          <p:cNvPicPr>
+            <a:picLocks noChangeAspect="1"/>
+          </p:cNvPicPr>
+          <p:nvPr/>
+        </p:nvPicPr>
+        <p:blipFill>
+          <a:blip r:embed="rId3">
+            <a:extLst>
+              <a:ext uri="{28A0092B-C50C-407E-A947-70E740481C1C}">
+                <a14:useLocalDpi xmlns:a14="http://schemas.microsoft.com/office/drawing/2010/main" val="0"/>
+              </a:ext>
+              <a:ext uri="{96DAC541-7B7A-43D3-8B79-37D633B846F1}">
+                <asvg:svgBlip xmlns:asvg="http://schemas.microsoft.com/office/drawing/2016/SVG/main" r:embed="rId4"/>
+              </a:ext>
+            </a:extLst>
+          </a:blip>
+          <a:stretch>
+            <a:fillRect/>
+          </a:stretch>
+        </p:blipFill>
+        <p:spPr>
+          <a:xfrm>
+            <a:off x="749300" y="762000"/>
+            <a:ext cx="571500" cy="571500"/>
+          </a:xfrm>
+          <a:prstGeom prst="rect">
+            <a:avLst/>
+          </a:prstGeom>
+        </p:spPr>
+      </p:pic>
+      <p:sp>
+        <p:nvSpPr>
+          <p:cNvPr id="10" name="TextBox 9">
+            <a:extLst>
+              <a:ext uri="{FF2B5EF4-FFF2-40B4-BE49-F238E27FC236}">
+                <a16:creationId xmlns:a16="http://schemas.microsoft.com/office/drawing/2014/main" id="{10274D82-910A-4A51-9633-E7C84967FA95}"/>
+              </a:ext>
+            </a:extLst>
+          </p:cNvPr>
+          <p:cNvSpPr txBox="1"/>
+          <p:nvPr/>
+        </p:nvSpPr>
+        <p:spPr>
+          <a:xfrm>
+            <a:off x="1212850" y="863084"/>
+            <a:ext cx="1714500" cy="369332"/>
+          </a:xfrm>
+          <a:prstGeom prst="rect">
+            <a:avLst/>
+          </a:prstGeom>
+          <a:noFill/>
+        </p:spPr>
+        <p:txBody>
+          <a:bodyPr wrap="square" rtlCol="0">
+            <a:spAutoFit/>
+          </a:bodyPr>
+          <a:lstStyle/>
+          <a:p>
+            <a:r>
+              <a:rPr lang="ko-KR" altLang="en-US" dirty="0">
+                <a:solidFill>
+                  <a:schemeClr val="bg1"/>
+                </a:solidFill>
+              </a:rPr>
+              <a:t>프로젝트 개요</a:t>
+            </a:r>
+          </a:p>
+        </p:txBody>
+      </p:sp>
+      <p:pic>
+        <p:nvPicPr>
+          <p:cNvPr id="12" name="그래픽 11" descr="데이터베이스">
+            <a:extLst>
+              <a:ext uri="{FF2B5EF4-FFF2-40B4-BE49-F238E27FC236}">
+                <a16:creationId xmlns:a16="http://schemas.microsoft.com/office/drawing/2014/main" id="{91F3831C-BD5B-41C4-8CA8-414F74080185}"/>
+              </a:ext>
+            </a:extLst>
+          </p:cNvPr>
+          <p:cNvPicPr>
+            <a:picLocks noChangeAspect="1"/>
+          </p:cNvPicPr>
+          <p:nvPr/>
+        </p:nvPicPr>
+        <p:blipFill>
+          <a:blip r:embed="rId5">
+            <a:extLst>
+              <a:ext uri="{28A0092B-C50C-407E-A947-70E740481C1C}">
+                <a14:useLocalDpi xmlns:a14="http://schemas.microsoft.com/office/drawing/2010/main" val="0"/>
+              </a:ext>
+              <a:ext uri="{96DAC541-7B7A-43D3-8B79-37D633B846F1}">
+                <asvg:svgBlip xmlns:asvg="http://schemas.microsoft.com/office/drawing/2016/SVG/main" r:embed="rId6"/>
+              </a:ext>
+            </a:extLst>
+          </a:blip>
+          <a:stretch>
+            <a:fillRect/>
+          </a:stretch>
+        </p:blipFill>
+        <p:spPr>
+          <a:xfrm>
+            <a:off x="3105150" y="761999"/>
+            <a:ext cx="571500" cy="571500"/>
+          </a:xfrm>
+          <a:prstGeom prst="rect">
+            <a:avLst/>
+          </a:prstGeom>
+        </p:spPr>
+      </p:pic>
+      <p:sp>
+        <p:nvSpPr>
+          <p:cNvPr id="13" name="TextBox 12">
+            <a:extLst>
+              <a:ext uri="{FF2B5EF4-FFF2-40B4-BE49-F238E27FC236}">
+                <a16:creationId xmlns:a16="http://schemas.microsoft.com/office/drawing/2014/main" id="{554715A9-D454-45E5-A539-219A9B5F0856}"/>
+              </a:ext>
+            </a:extLst>
+          </p:cNvPr>
+          <p:cNvSpPr txBox="1"/>
+          <p:nvPr/>
+        </p:nvSpPr>
+        <p:spPr>
+          <a:xfrm>
+            <a:off x="3676650" y="863084"/>
+            <a:ext cx="1714500" cy="369332"/>
+          </a:xfrm>
+          <a:prstGeom prst="rect">
+            <a:avLst/>
+          </a:prstGeom>
+          <a:noFill/>
+        </p:spPr>
+        <p:txBody>
+          <a:bodyPr wrap="square" rtlCol="0">
+            <a:spAutoFit/>
+          </a:bodyPr>
+          <a:lstStyle/>
+          <a:p>
+            <a:r>
+              <a:rPr lang="ko-KR" altLang="en-US" dirty="0">
+                <a:solidFill>
+                  <a:schemeClr val="bg1"/>
+                </a:solidFill>
+              </a:rPr>
+              <a:t>데이터베이스</a:t>
+            </a:r>
+          </a:p>
+        </p:txBody>
+      </p:sp>
+      <p:pic>
+        <p:nvPicPr>
+          <p:cNvPr id="3" name="그래픽 2" descr="조직도">
+            <a:extLst>
+              <a:ext uri="{FF2B5EF4-FFF2-40B4-BE49-F238E27FC236}">
+                <a16:creationId xmlns:a16="http://schemas.microsoft.com/office/drawing/2014/main" id="{37FD1974-A90D-4F93-8D0A-4ED9755A5EF1}"/>
+              </a:ext>
+            </a:extLst>
+          </p:cNvPr>
+          <p:cNvPicPr>
+            <a:picLocks noChangeAspect="1"/>
+          </p:cNvPicPr>
+          <p:nvPr/>
+        </p:nvPicPr>
+        <p:blipFill>
+          <a:blip r:embed="rId7">
+            <a:extLst>
+              <a:ext uri="{28A0092B-C50C-407E-A947-70E740481C1C}">
+                <a14:useLocalDpi xmlns:a14="http://schemas.microsoft.com/office/drawing/2010/main" val="0"/>
+              </a:ext>
+              <a:ext uri="{96DAC541-7B7A-43D3-8B79-37D633B846F1}">
+                <asvg:svgBlip xmlns:asvg="http://schemas.microsoft.com/office/drawing/2016/SVG/main" r:embed="rId8"/>
+              </a:ext>
+            </a:extLst>
+          </a:blip>
+          <a:stretch>
+            <a:fillRect/>
+          </a:stretch>
+        </p:blipFill>
+        <p:spPr>
+          <a:xfrm>
+            <a:off x="5460100" y="739328"/>
+            <a:ext cx="572400" cy="572400"/>
+          </a:xfrm>
+          <a:prstGeom prst="rect">
+            <a:avLst/>
+          </a:prstGeom>
+        </p:spPr>
+      </p:pic>
+      <p:sp>
+        <p:nvSpPr>
+          <p:cNvPr id="11" name="TextBox 10">
+            <a:extLst>
+              <a:ext uri="{FF2B5EF4-FFF2-40B4-BE49-F238E27FC236}">
+                <a16:creationId xmlns:a16="http://schemas.microsoft.com/office/drawing/2014/main" id="{AE216EA7-6C70-49B1-8443-2C7C47C24F6E}"/>
+              </a:ext>
+            </a:extLst>
+          </p:cNvPr>
+          <p:cNvSpPr txBox="1"/>
+          <p:nvPr/>
+        </p:nvSpPr>
+        <p:spPr>
+          <a:xfrm>
+            <a:off x="6096000" y="863084"/>
+            <a:ext cx="1714500" cy="369332"/>
+          </a:xfrm>
+          <a:prstGeom prst="rect">
+            <a:avLst/>
+          </a:prstGeom>
+          <a:noFill/>
+        </p:spPr>
+        <p:txBody>
+          <a:bodyPr wrap="square" rtlCol="0">
+            <a:spAutoFit/>
+          </a:bodyPr>
+          <a:lstStyle/>
+          <a:p>
+            <a:r>
+              <a:rPr lang="en-US" altLang="ko-KR" dirty="0">
+                <a:solidFill>
+                  <a:schemeClr val="bg1"/>
+                </a:solidFill>
+              </a:rPr>
+              <a:t>UML</a:t>
+            </a:r>
+            <a:endParaRPr lang="ko-KR" altLang="en-US" dirty="0">
+              <a:solidFill>
+                <a:schemeClr val="bg1"/>
+              </a:solidFill>
+            </a:endParaRPr>
+          </a:p>
+        </p:txBody>
+      </p:sp>
+      <p:pic>
+        <p:nvPicPr>
+          <p:cNvPr id="8" name="그래픽 7" descr="돋보기">
+            <a:extLst>
+              <a:ext uri="{FF2B5EF4-FFF2-40B4-BE49-F238E27FC236}">
+                <a16:creationId xmlns:a16="http://schemas.microsoft.com/office/drawing/2014/main" id="{E67C439E-4038-4B7B-871F-B02C0D611A17}"/>
+              </a:ext>
+            </a:extLst>
+          </p:cNvPr>
+          <p:cNvPicPr>
+            <a:picLocks noChangeAspect="1"/>
+          </p:cNvPicPr>
+          <p:nvPr/>
+        </p:nvPicPr>
+        <p:blipFill>
+          <a:blip r:embed="rId9">
+            <a:extLst>
+              <a:ext uri="{28A0092B-C50C-407E-A947-70E740481C1C}">
+                <a14:useLocalDpi xmlns:a14="http://schemas.microsoft.com/office/drawing/2010/main" val="0"/>
+              </a:ext>
+              <a:ext uri="{96DAC541-7B7A-43D3-8B79-37D633B846F1}">
+                <asvg:svgBlip xmlns:asvg="http://schemas.microsoft.com/office/drawing/2016/SVG/main" r:embed="rId10"/>
+              </a:ext>
+            </a:extLst>
+          </a:blip>
+          <a:stretch>
+            <a:fillRect/>
+          </a:stretch>
+        </p:blipFill>
+        <p:spPr>
+          <a:xfrm>
+            <a:off x="7009500" y="739328"/>
+            <a:ext cx="572400" cy="572400"/>
+          </a:xfrm>
+          <a:prstGeom prst="rect">
+            <a:avLst/>
+          </a:prstGeom>
+        </p:spPr>
+      </p:pic>
+      <p:sp>
+        <p:nvSpPr>
+          <p:cNvPr id="14" name="TextBox 13">
+            <a:extLst>
+              <a:ext uri="{FF2B5EF4-FFF2-40B4-BE49-F238E27FC236}">
+                <a16:creationId xmlns:a16="http://schemas.microsoft.com/office/drawing/2014/main" id="{93B30826-5625-4DB1-A044-FBA8DC3D0C81}"/>
+              </a:ext>
+            </a:extLst>
+          </p:cNvPr>
+          <p:cNvSpPr txBox="1"/>
+          <p:nvPr/>
+        </p:nvSpPr>
+        <p:spPr>
+          <a:xfrm>
+            <a:off x="7638150" y="863084"/>
+            <a:ext cx="1714500" cy="369332"/>
+          </a:xfrm>
+          <a:prstGeom prst="rect">
+            <a:avLst/>
+          </a:prstGeom>
+          <a:noFill/>
+        </p:spPr>
+        <p:txBody>
+          <a:bodyPr wrap="square" rtlCol="0">
+            <a:spAutoFit/>
+          </a:bodyPr>
+          <a:lstStyle/>
+          <a:p>
+            <a:r>
+              <a:rPr lang="ko-KR" altLang="en-US" dirty="0">
+                <a:solidFill>
+                  <a:schemeClr val="bg1"/>
+                </a:solidFill>
+              </a:rPr>
+              <a:t>상세설명</a:t>
+            </a:r>
+          </a:p>
+        </p:txBody>
+      </p:sp>
+      <p:pic>
+        <p:nvPicPr>
+          <p:cNvPr id="16" name="그래픽 15" descr="눈">
+            <a:extLst>
+              <a:ext uri="{FF2B5EF4-FFF2-40B4-BE49-F238E27FC236}">
+                <a16:creationId xmlns:a16="http://schemas.microsoft.com/office/drawing/2014/main" id="{2BA2A6DB-BCAF-44BA-9C70-D2C26BB53AE5}"/>
+              </a:ext>
+            </a:extLst>
+          </p:cNvPr>
+          <p:cNvPicPr>
+            <a:picLocks noChangeAspect="1"/>
+          </p:cNvPicPr>
+          <p:nvPr/>
+        </p:nvPicPr>
+        <p:blipFill>
+          <a:blip r:embed="rId11">
+            <a:extLst>
+              <a:ext uri="{28A0092B-C50C-407E-A947-70E740481C1C}">
+                <a14:useLocalDpi xmlns:a14="http://schemas.microsoft.com/office/drawing/2010/main" val="0"/>
+              </a:ext>
+              <a:ext uri="{96DAC541-7B7A-43D3-8B79-37D633B846F1}">
+                <asvg:svgBlip xmlns:asvg="http://schemas.microsoft.com/office/drawing/2016/SVG/main" r:embed="rId12"/>
+              </a:ext>
+            </a:extLst>
+          </a:blip>
+          <a:stretch>
+            <a:fillRect/>
+          </a:stretch>
+        </p:blipFill>
+        <p:spPr>
+          <a:xfrm>
+            <a:off x="8870464" y="761999"/>
+            <a:ext cx="572400" cy="572400"/>
+          </a:xfrm>
+          <a:prstGeom prst="rect">
+            <a:avLst/>
+          </a:prstGeom>
+        </p:spPr>
+      </p:pic>
+      <p:sp>
+        <p:nvSpPr>
+          <p:cNvPr id="17" name="TextBox 16">
+            <a:extLst>
+              <a:ext uri="{FF2B5EF4-FFF2-40B4-BE49-F238E27FC236}">
+                <a16:creationId xmlns:a16="http://schemas.microsoft.com/office/drawing/2014/main" id="{E0991C32-1C75-4E8F-9235-0ACA3933259B}"/>
+              </a:ext>
+            </a:extLst>
+          </p:cNvPr>
+          <p:cNvSpPr txBox="1"/>
+          <p:nvPr/>
+        </p:nvSpPr>
+        <p:spPr>
+          <a:xfrm>
+            <a:off x="9530450" y="863084"/>
+            <a:ext cx="1714500" cy="369332"/>
+          </a:xfrm>
+          <a:prstGeom prst="rect">
+            <a:avLst/>
+          </a:prstGeom>
+          <a:noFill/>
+        </p:spPr>
+        <p:txBody>
+          <a:bodyPr wrap="square" rtlCol="0">
+            <a:spAutoFit/>
+          </a:bodyPr>
+          <a:lstStyle/>
+          <a:p>
+            <a:r>
+              <a:rPr lang="ko-KR" altLang="en-US" dirty="0">
+                <a:solidFill>
+                  <a:schemeClr val="bg1"/>
+                </a:solidFill>
+              </a:rPr>
+              <a:t>시연</a:t>
+            </a:r>
+          </a:p>
+        </p:txBody>
+      </p:sp>
+      <p:sp>
+        <p:nvSpPr>
+          <p:cNvPr id="18" name="직사각형 17">
+            <a:extLst>
+              <a:ext uri="{FF2B5EF4-FFF2-40B4-BE49-F238E27FC236}">
+                <a16:creationId xmlns:a16="http://schemas.microsoft.com/office/drawing/2014/main" id="{11E9767A-68BC-466D-825E-D1791ADBE145}"/>
+              </a:ext>
+            </a:extLst>
+          </p:cNvPr>
+          <p:cNvSpPr/>
+          <p:nvPr/>
+        </p:nvSpPr>
+        <p:spPr>
+          <a:xfrm>
+            <a:off x="8870464" y="1245573"/>
+            <a:ext cx="1209600" cy="96744"/>
+          </a:xfrm>
+          <a:prstGeom prst="rect">
+            <a:avLst/>
+          </a:prstGeom>
+          <a:solidFill>
+            <a:srgbClr val="3399FF"/>
+          </a:solidFill>
+          <a:ln>
+            <a:noFill/>
+          </a:ln>
+        </p:spPr>
+        <p:style>
+          <a:lnRef idx="2">
+            <a:schemeClr val="accent1">
+              <a:shade val="50000"/>
+            </a:schemeClr>
+          </a:lnRef>
+          <a:fillRef idx="1">
+            <a:schemeClr val="accent1"/>
+          </a:fillRef>
+          <a:effectRef idx="0">
+            <a:schemeClr val="accent1"/>
+          </a:effectRef>
+          <a:fontRef idx="minor">
+            <a:schemeClr val="lt1"/>
+          </a:fontRef>
+        </p:style>
+        <p:txBody>
+          <a:bodyPr rtlCol="0" anchor="ctr"/>
+          <a:lstStyle/>
+          <a:p>
+            <a:pPr algn="ctr"/>
+            <a:endParaRPr lang="ko-KR" altLang="en-US" dirty="0"/>
+          </a:p>
+        </p:txBody>
+      </p:sp>
+      <p:sp>
+        <p:nvSpPr>
+          <p:cNvPr id="15" name="직사각형 14">
+            <a:extLst>
+              <a:ext uri="{FF2B5EF4-FFF2-40B4-BE49-F238E27FC236}">
+                <a16:creationId xmlns:a16="http://schemas.microsoft.com/office/drawing/2014/main" id="{1CF9AE64-1CFE-439C-853D-72C2139E7BCB}"/>
+              </a:ext>
+            </a:extLst>
+          </p:cNvPr>
+          <p:cNvSpPr/>
+          <p:nvPr/>
+        </p:nvSpPr>
+        <p:spPr>
+          <a:xfrm>
+            <a:off x="0" y="1333499"/>
+            <a:ext cx="12192000" cy="369332"/>
+          </a:xfrm>
+          <a:prstGeom prst="rect">
+            <a:avLst/>
+          </a:prstGeom>
+          <a:solidFill>
+            <a:srgbClr val="3399FF"/>
+          </a:solidFill>
+          <a:ln>
+            <a:noFill/>
+          </a:ln>
+        </p:spPr>
+        <p:style>
+          <a:lnRef idx="2">
+            <a:schemeClr val="accent1">
+              <a:shade val="50000"/>
+            </a:schemeClr>
+          </a:lnRef>
+          <a:fillRef idx="1">
+            <a:schemeClr val="accent1"/>
+          </a:fillRef>
+          <a:effectRef idx="0">
+            <a:schemeClr val="accent1"/>
+          </a:effectRef>
+          <a:fontRef idx="minor">
+            <a:schemeClr val="lt1"/>
+          </a:fontRef>
+        </p:style>
+        <p:txBody>
+          <a:bodyPr rtlCol="0" anchor="ctr"/>
+          <a:lstStyle/>
+          <a:p>
+            <a:pPr algn="ctr"/>
+            <a:endParaRPr lang="ko-KR" altLang="en-US"/>
+          </a:p>
+        </p:txBody>
+      </p:sp>
+      <p:pic>
+        <p:nvPicPr>
+          <p:cNvPr id="19" name="그림 18">
+            <a:extLst>
+              <a:ext uri="{FF2B5EF4-FFF2-40B4-BE49-F238E27FC236}">
+                <a16:creationId xmlns:a16="http://schemas.microsoft.com/office/drawing/2014/main" id="{A2FBE3F0-4D77-4B4F-AB7D-440A2911D65A}"/>
+              </a:ext>
+            </a:extLst>
+          </p:cNvPr>
+          <p:cNvPicPr>
+            <a:picLocks noChangeAspect="1"/>
+          </p:cNvPicPr>
+          <p:nvPr/>
+        </p:nvPicPr>
+        <p:blipFill>
+          <a:blip r:embed="rId13">
+            <a:extLst>
+              <a:ext uri="{28A0092B-C50C-407E-A947-70E740481C1C}">
+                <a14:useLocalDpi xmlns:a14="http://schemas.microsoft.com/office/drawing/2010/main" val="0"/>
+              </a:ext>
+            </a:extLst>
+          </a:blip>
+          <a:stretch>
+            <a:fillRect/>
+          </a:stretch>
+        </p:blipFill>
+        <p:spPr>
+          <a:xfrm>
+            <a:off x="2597602" y="1790757"/>
+            <a:ext cx="6996795" cy="4891071"/>
+          </a:xfrm>
+          <a:prstGeom prst="rect">
+            <a:avLst/>
+          </a:prstGeom>
+        </p:spPr>
+      </p:pic>
+      <p:sp>
+        <p:nvSpPr>
+          <p:cNvPr id="20" name="사각형: 둥근 모서리 19">
+            <a:extLst>
+              <a:ext uri="{FF2B5EF4-FFF2-40B4-BE49-F238E27FC236}">
+                <a16:creationId xmlns:a16="http://schemas.microsoft.com/office/drawing/2014/main" id="{D2A18CE7-B76D-408B-93EE-722B75101BA5}"/>
+              </a:ext>
+            </a:extLst>
+          </p:cNvPr>
+          <p:cNvSpPr/>
+          <p:nvPr/>
+        </p:nvSpPr>
+        <p:spPr>
+          <a:xfrm>
+            <a:off x="5017168" y="6376737"/>
+            <a:ext cx="385011" cy="324852"/>
+          </a:xfrm>
+          <a:prstGeom prst="roundRect">
+            <a:avLst/>
+          </a:prstGeom>
+          <a:noFill/>
+          <a:ln w="38100">
+            <a:solidFill>
+              <a:srgbClr val="FF0000"/>
+            </a:solidFill>
+          </a:ln>
+        </p:spPr>
+        <p:style>
+          <a:lnRef idx="2">
+            <a:schemeClr val="accent1">
+              <a:shade val="50000"/>
+            </a:schemeClr>
+          </a:lnRef>
+          <a:fillRef idx="1">
+            <a:schemeClr val="accent1"/>
+          </a:fillRef>
+          <a:effectRef idx="0">
+            <a:schemeClr val="accent1"/>
+          </a:effectRef>
+          <a:fontRef idx="minor">
+            <a:schemeClr val="lt1"/>
+          </a:fontRef>
+        </p:style>
+        <p:txBody>
+          <a:bodyPr rtlCol="0" anchor="ctr"/>
+          <a:lstStyle/>
+          <a:p>
+            <a:pPr algn="ctr"/>
+            <a:endParaRPr lang="ko-KR" altLang="en-US"/>
+          </a:p>
+        </p:txBody>
+      </p:sp>
+    </p:spTree>
+    <p:extLst>
+      <p:ext uri="{BB962C8B-B14F-4D97-AF65-F5344CB8AC3E}">
+        <p14:creationId xmlns:p14="http://schemas.microsoft.com/office/powerpoint/2010/main" val="1183882260"/>
       </p:ext>
     </p:extLst>
   </p:cSld>
@@ -32597,6 +35398,2746 @@
     <p:extLst>
       <p:ext uri="{BB962C8B-B14F-4D97-AF65-F5344CB8AC3E}">
         <p14:creationId xmlns:p14="http://schemas.microsoft.com/office/powerpoint/2010/main" val="3717848965"/>
+      </p:ext>
+    </p:extLst>
+  </p:cSld>
+  <p:clrMapOvr>
+    <a:masterClrMapping/>
+  </p:clrMapOvr>
+</p:sld>
+</file>
+
+<file path=ppt/slides/slide50.xml><?xml version="1.0" encoding="utf-8"?>
+<p:sld xmlns:a="http://schemas.openxmlformats.org/drawingml/2006/main" xmlns:r="http://schemas.openxmlformats.org/officeDocument/2006/relationships" xmlns:p="http://schemas.openxmlformats.org/presentationml/2006/main">
+  <p:cSld>
+    <p:spTree>
+      <p:nvGrpSpPr>
+        <p:cNvPr id="1" name=""/>
+        <p:cNvGrpSpPr/>
+        <p:nvPr/>
+      </p:nvGrpSpPr>
+      <p:grpSpPr>
+        <a:xfrm>
+          <a:off x="0" y="0"/>
+          <a:ext cx="0" cy="0"/>
+          <a:chOff x="0" y="0"/>
+          <a:chExt cx="0" cy="0"/>
+        </a:xfrm>
+      </p:grpSpPr>
+      <p:pic>
+        <p:nvPicPr>
+          <p:cNvPr id="6" name="그림 5">
+            <a:extLst>
+              <a:ext uri="{FF2B5EF4-FFF2-40B4-BE49-F238E27FC236}">
+                <a16:creationId xmlns:a16="http://schemas.microsoft.com/office/drawing/2014/main" id="{78F5A0B9-40B2-4B71-BA0F-BCA0D1027FAD}"/>
+              </a:ext>
+            </a:extLst>
+          </p:cNvPr>
+          <p:cNvPicPr>
+            <a:picLocks noChangeAspect="1"/>
+          </p:cNvPicPr>
+          <p:nvPr/>
+        </p:nvPicPr>
+        <p:blipFill>
+          <a:blip r:embed="rId2"/>
+          <a:stretch>
+            <a:fillRect/>
+          </a:stretch>
+        </p:blipFill>
+        <p:spPr>
+          <a:xfrm>
+            <a:off x="0" y="0"/>
+            <a:ext cx="12192000" cy="1333499"/>
+          </a:xfrm>
+          <a:prstGeom prst="rect">
+            <a:avLst/>
+          </a:prstGeom>
+          <a:ln>
+            <a:noFill/>
+          </a:ln>
+        </p:spPr>
+      </p:pic>
+      <p:sp>
+        <p:nvSpPr>
+          <p:cNvPr id="7" name="TextBox 6">
+            <a:extLst>
+              <a:ext uri="{FF2B5EF4-FFF2-40B4-BE49-F238E27FC236}">
+                <a16:creationId xmlns:a16="http://schemas.microsoft.com/office/drawing/2014/main" id="{FE219C83-6162-46A7-A59B-DDA8E6921274}"/>
+              </a:ext>
+            </a:extLst>
+          </p:cNvPr>
+          <p:cNvSpPr txBox="1"/>
+          <p:nvPr/>
+        </p:nvSpPr>
+        <p:spPr>
+          <a:xfrm>
+            <a:off x="749300" y="-12700"/>
+            <a:ext cx="3187700" cy="584775"/>
+          </a:xfrm>
+          <a:prstGeom prst="rect">
+            <a:avLst/>
+          </a:prstGeom>
+          <a:noFill/>
+        </p:spPr>
+        <p:txBody>
+          <a:bodyPr wrap="square" rtlCol="0">
+            <a:spAutoFit/>
+          </a:bodyPr>
+          <a:lstStyle/>
+          <a:p>
+            <a:r>
+              <a:rPr lang="en-US" altLang="ko-KR" sz="3200" b="1" dirty="0">
+                <a:solidFill>
+                  <a:schemeClr val="bg1"/>
+                </a:solidFill>
+              </a:rPr>
+              <a:t>Hacking</a:t>
+            </a:r>
+            <a:r>
+              <a:rPr lang="en-US" altLang="ko-KR" sz="3200" b="1" dirty="0">
+                <a:solidFill>
+                  <a:srgbClr val="3399FF"/>
+                </a:solidFill>
+              </a:rPr>
+              <a:t>.com</a:t>
+            </a:r>
+            <a:endParaRPr lang="ko-KR" altLang="en-US" sz="3200" b="1" dirty="0">
+              <a:solidFill>
+                <a:srgbClr val="3399FF"/>
+              </a:solidFill>
+            </a:endParaRPr>
+          </a:p>
+        </p:txBody>
+      </p:sp>
+      <p:pic>
+        <p:nvPicPr>
+          <p:cNvPr id="9" name="그래픽 8" descr="자막">
+            <a:extLst>
+              <a:ext uri="{FF2B5EF4-FFF2-40B4-BE49-F238E27FC236}">
+                <a16:creationId xmlns:a16="http://schemas.microsoft.com/office/drawing/2014/main" id="{239AD4E6-2E98-4B0A-A085-C8B887B25586}"/>
+              </a:ext>
+            </a:extLst>
+          </p:cNvPr>
+          <p:cNvPicPr>
+            <a:picLocks noChangeAspect="1"/>
+          </p:cNvPicPr>
+          <p:nvPr/>
+        </p:nvPicPr>
+        <p:blipFill>
+          <a:blip r:embed="rId3">
+            <a:extLst>
+              <a:ext uri="{28A0092B-C50C-407E-A947-70E740481C1C}">
+                <a14:useLocalDpi xmlns:a14="http://schemas.microsoft.com/office/drawing/2010/main" val="0"/>
+              </a:ext>
+              <a:ext uri="{96DAC541-7B7A-43D3-8B79-37D633B846F1}">
+                <asvg:svgBlip xmlns:asvg="http://schemas.microsoft.com/office/drawing/2016/SVG/main" r:embed="rId4"/>
+              </a:ext>
+            </a:extLst>
+          </a:blip>
+          <a:stretch>
+            <a:fillRect/>
+          </a:stretch>
+        </p:blipFill>
+        <p:spPr>
+          <a:xfrm>
+            <a:off x="749300" y="762000"/>
+            <a:ext cx="571500" cy="571500"/>
+          </a:xfrm>
+          <a:prstGeom prst="rect">
+            <a:avLst/>
+          </a:prstGeom>
+        </p:spPr>
+      </p:pic>
+      <p:sp>
+        <p:nvSpPr>
+          <p:cNvPr id="10" name="TextBox 9">
+            <a:extLst>
+              <a:ext uri="{FF2B5EF4-FFF2-40B4-BE49-F238E27FC236}">
+                <a16:creationId xmlns:a16="http://schemas.microsoft.com/office/drawing/2014/main" id="{10274D82-910A-4A51-9633-E7C84967FA95}"/>
+              </a:ext>
+            </a:extLst>
+          </p:cNvPr>
+          <p:cNvSpPr txBox="1"/>
+          <p:nvPr/>
+        </p:nvSpPr>
+        <p:spPr>
+          <a:xfrm>
+            <a:off x="1212850" y="863084"/>
+            <a:ext cx="1714500" cy="369332"/>
+          </a:xfrm>
+          <a:prstGeom prst="rect">
+            <a:avLst/>
+          </a:prstGeom>
+          <a:noFill/>
+        </p:spPr>
+        <p:txBody>
+          <a:bodyPr wrap="square" rtlCol="0">
+            <a:spAutoFit/>
+          </a:bodyPr>
+          <a:lstStyle/>
+          <a:p>
+            <a:r>
+              <a:rPr lang="ko-KR" altLang="en-US" dirty="0">
+                <a:solidFill>
+                  <a:schemeClr val="bg1"/>
+                </a:solidFill>
+              </a:rPr>
+              <a:t>프로젝트 개요</a:t>
+            </a:r>
+          </a:p>
+        </p:txBody>
+      </p:sp>
+      <p:pic>
+        <p:nvPicPr>
+          <p:cNvPr id="12" name="그래픽 11" descr="데이터베이스">
+            <a:extLst>
+              <a:ext uri="{FF2B5EF4-FFF2-40B4-BE49-F238E27FC236}">
+                <a16:creationId xmlns:a16="http://schemas.microsoft.com/office/drawing/2014/main" id="{91F3831C-BD5B-41C4-8CA8-414F74080185}"/>
+              </a:ext>
+            </a:extLst>
+          </p:cNvPr>
+          <p:cNvPicPr>
+            <a:picLocks noChangeAspect="1"/>
+          </p:cNvPicPr>
+          <p:nvPr/>
+        </p:nvPicPr>
+        <p:blipFill>
+          <a:blip r:embed="rId5">
+            <a:extLst>
+              <a:ext uri="{28A0092B-C50C-407E-A947-70E740481C1C}">
+                <a14:useLocalDpi xmlns:a14="http://schemas.microsoft.com/office/drawing/2010/main" val="0"/>
+              </a:ext>
+              <a:ext uri="{96DAC541-7B7A-43D3-8B79-37D633B846F1}">
+                <asvg:svgBlip xmlns:asvg="http://schemas.microsoft.com/office/drawing/2016/SVG/main" r:embed="rId6"/>
+              </a:ext>
+            </a:extLst>
+          </a:blip>
+          <a:stretch>
+            <a:fillRect/>
+          </a:stretch>
+        </p:blipFill>
+        <p:spPr>
+          <a:xfrm>
+            <a:off x="3105150" y="761999"/>
+            <a:ext cx="571500" cy="571500"/>
+          </a:xfrm>
+          <a:prstGeom prst="rect">
+            <a:avLst/>
+          </a:prstGeom>
+        </p:spPr>
+      </p:pic>
+      <p:sp>
+        <p:nvSpPr>
+          <p:cNvPr id="13" name="TextBox 12">
+            <a:extLst>
+              <a:ext uri="{FF2B5EF4-FFF2-40B4-BE49-F238E27FC236}">
+                <a16:creationId xmlns:a16="http://schemas.microsoft.com/office/drawing/2014/main" id="{554715A9-D454-45E5-A539-219A9B5F0856}"/>
+              </a:ext>
+            </a:extLst>
+          </p:cNvPr>
+          <p:cNvSpPr txBox="1"/>
+          <p:nvPr/>
+        </p:nvSpPr>
+        <p:spPr>
+          <a:xfrm>
+            <a:off x="3676650" y="863084"/>
+            <a:ext cx="1714500" cy="369332"/>
+          </a:xfrm>
+          <a:prstGeom prst="rect">
+            <a:avLst/>
+          </a:prstGeom>
+          <a:noFill/>
+        </p:spPr>
+        <p:txBody>
+          <a:bodyPr wrap="square" rtlCol="0">
+            <a:spAutoFit/>
+          </a:bodyPr>
+          <a:lstStyle/>
+          <a:p>
+            <a:r>
+              <a:rPr lang="ko-KR" altLang="en-US" dirty="0">
+                <a:solidFill>
+                  <a:schemeClr val="bg1"/>
+                </a:solidFill>
+              </a:rPr>
+              <a:t>데이터베이스</a:t>
+            </a:r>
+          </a:p>
+        </p:txBody>
+      </p:sp>
+      <p:pic>
+        <p:nvPicPr>
+          <p:cNvPr id="3" name="그래픽 2" descr="조직도">
+            <a:extLst>
+              <a:ext uri="{FF2B5EF4-FFF2-40B4-BE49-F238E27FC236}">
+                <a16:creationId xmlns:a16="http://schemas.microsoft.com/office/drawing/2014/main" id="{37FD1974-A90D-4F93-8D0A-4ED9755A5EF1}"/>
+              </a:ext>
+            </a:extLst>
+          </p:cNvPr>
+          <p:cNvPicPr>
+            <a:picLocks noChangeAspect="1"/>
+          </p:cNvPicPr>
+          <p:nvPr/>
+        </p:nvPicPr>
+        <p:blipFill>
+          <a:blip r:embed="rId7">
+            <a:extLst>
+              <a:ext uri="{28A0092B-C50C-407E-A947-70E740481C1C}">
+                <a14:useLocalDpi xmlns:a14="http://schemas.microsoft.com/office/drawing/2010/main" val="0"/>
+              </a:ext>
+              <a:ext uri="{96DAC541-7B7A-43D3-8B79-37D633B846F1}">
+                <asvg:svgBlip xmlns:asvg="http://schemas.microsoft.com/office/drawing/2016/SVG/main" r:embed="rId8"/>
+              </a:ext>
+            </a:extLst>
+          </a:blip>
+          <a:stretch>
+            <a:fillRect/>
+          </a:stretch>
+        </p:blipFill>
+        <p:spPr>
+          <a:xfrm>
+            <a:off x="5460100" y="739328"/>
+            <a:ext cx="572400" cy="572400"/>
+          </a:xfrm>
+          <a:prstGeom prst="rect">
+            <a:avLst/>
+          </a:prstGeom>
+        </p:spPr>
+      </p:pic>
+      <p:sp>
+        <p:nvSpPr>
+          <p:cNvPr id="11" name="TextBox 10">
+            <a:extLst>
+              <a:ext uri="{FF2B5EF4-FFF2-40B4-BE49-F238E27FC236}">
+                <a16:creationId xmlns:a16="http://schemas.microsoft.com/office/drawing/2014/main" id="{AE216EA7-6C70-49B1-8443-2C7C47C24F6E}"/>
+              </a:ext>
+            </a:extLst>
+          </p:cNvPr>
+          <p:cNvSpPr txBox="1"/>
+          <p:nvPr/>
+        </p:nvSpPr>
+        <p:spPr>
+          <a:xfrm>
+            <a:off x="6096000" y="863084"/>
+            <a:ext cx="1714500" cy="369332"/>
+          </a:xfrm>
+          <a:prstGeom prst="rect">
+            <a:avLst/>
+          </a:prstGeom>
+          <a:noFill/>
+        </p:spPr>
+        <p:txBody>
+          <a:bodyPr wrap="square" rtlCol="0">
+            <a:spAutoFit/>
+          </a:bodyPr>
+          <a:lstStyle/>
+          <a:p>
+            <a:r>
+              <a:rPr lang="en-US" altLang="ko-KR" dirty="0">
+                <a:solidFill>
+                  <a:schemeClr val="bg1"/>
+                </a:solidFill>
+              </a:rPr>
+              <a:t>UML</a:t>
+            </a:r>
+            <a:endParaRPr lang="ko-KR" altLang="en-US" dirty="0">
+              <a:solidFill>
+                <a:schemeClr val="bg1"/>
+              </a:solidFill>
+            </a:endParaRPr>
+          </a:p>
+        </p:txBody>
+      </p:sp>
+      <p:pic>
+        <p:nvPicPr>
+          <p:cNvPr id="8" name="그래픽 7" descr="돋보기">
+            <a:extLst>
+              <a:ext uri="{FF2B5EF4-FFF2-40B4-BE49-F238E27FC236}">
+                <a16:creationId xmlns:a16="http://schemas.microsoft.com/office/drawing/2014/main" id="{E67C439E-4038-4B7B-871F-B02C0D611A17}"/>
+              </a:ext>
+            </a:extLst>
+          </p:cNvPr>
+          <p:cNvPicPr>
+            <a:picLocks noChangeAspect="1"/>
+          </p:cNvPicPr>
+          <p:nvPr/>
+        </p:nvPicPr>
+        <p:blipFill>
+          <a:blip r:embed="rId9">
+            <a:extLst>
+              <a:ext uri="{28A0092B-C50C-407E-A947-70E740481C1C}">
+                <a14:useLocalDpi xmlns:a14="http://schemas.microsoft.com/office/drawing/2010/main" val="0"/>
+              </a:ext>
+              <a:ext uri="{96DAC541-7B7A-43D3-8B79-37D633B846F1}">
+                <asvg:svgBlip xmlns:asvg="http://schemas.microsoft.com/office/drawing/2016/SVG/main" r:embed="rId10"/>
+              </a:ext>
+            </a:extLst>
+          </a:blip>
+          <a:stretch>
+            <a:fillRect/>
+          </a:stretch>
+        </p:blipFill>
+        <p:spPr>
+          <a:xfrm>
+            <a:off x="7009500" y="739328"/>
+            <a:ext cx="572400" cy="572400"/>
+          </a:xfrm>
+          <a:prstGeom prst="rect">
+            <a:avLst/>
+          </a:prstGeom>
+        </p:spPr>
+      </p:pic>
+      <p:sp>
+        <p:nvSpPr>
+          <p:cNvPr id="14" name="TextBox 13">
+            <a:extLst>
+              <a:ext uri="{FF2B5EF4-FFF2-40B4-BE49-F238E27FC236}">
+                <a16:creationId xmlns:a16="http://schemas.microsoft.com/office/drawing/2014/main" id="{93B30826-5625-4DB1-A044-FBA8DC3D0C81}"/>
+              </a:ext>
+            </a:extLst>
+          </p:cNvPr>
+          <p:cNvSpPr txBox="1"/>
+          <p:nvPr/>
+        </p:nvSpPr>
+        <p:spPr>
+          <a:xfrm>
+            <a:off x="7638150" y="863084"/>
+            <a:ext cx="1714500" cy="369332"/>
+          </a:xfrm>
+          <a:prstGeom prst="rect">
+            <a:avLst/>
+          </a:prstGeom>
+          <a:noFill/>
+        </p:spPr>
+        <p:txBody>
+          <a:bodyPr wrap="square" rtlCol="0">
+            <a:spAutoFit/>
+          </a:bodyPr>
+          <a:lstStyle/>
+          <a:p>
+            <a:r>
+              <a:rPr lang="ko-KR" altLang="en-US" dirty="0">
+                <a:solidFill>
+                  <a:schemeClr val="bg1"/>
+                </a:solidFill>
+              </a:rPr>
+              <a:t>상세설명</a:t>
+            </a:r>
+          </a:p>
+        </p:txBody>
+      </p:sp>
+      <p:pic>
+        <p:nvPicPr>
+          <p:cNvPr id="16" name="그래픽 15" descr="눈">
+            <a:extLst>
+              <a:ext uri="{FF2B5EF4-FFF2-40B4-BE49-F238E27FC236}">
+                <a16:creationId xmlns:a16="http://schemas.microsoft.com/office/drawing/2014/main" id="{2BA2A6DB-BCAF-44BA-9C70-D2C26BB53AE5}"/>
+              </a:ext>
+            </a:extLst>
+          </p:cNvPr>
+          <p:cNvPicPr>
+            <a:picLocks noChangeAspect="1"/>
+          </p:cNvPicPr>
+          <p:nvPr/>
+        </p:nvPicPr>
+        <p:blipFill>
+          <a:blip r:embed="rId11">
+            <a:extLst>
+              <a:ext uri="{28A0092B-C50C-407E-A947-70E740481C1C}">
+                <a14:useLocalDpi xmlns:a14="http://schemas.microsoft.com/office/drawing/2010/main" val="0"/>
+              </a:ext>
+              <a:ext uri="{96DAC541-7B7A-43D3-8B79-37D633B846F1}">
+                <asvg:svgBlip xmlns:asvg="http://schemas.microsoft.com/office/drawing/2016/SVG/main" r:embed="rId12"/>
+              </a:ext>
+            </a:extLst>
+          </a:blip>
+          <a:stretch>
+            <a:fillRect/>
+          </a:stretch>
+        </p:blipFill>
+        <p:spPr>
+          <a:xfrm>
+            <a:off x="8870464" y="761999"/>
+            <a:ext cx="572400" cy="572400"/>
+          </a:xfrm>
+          <a:prstGeom prst="rect">
+            <a:avLst/>
+          </a:prstGeom>
+        </p:spPr>
+      </p:pic>
+      <p:sp>
+        <p:nvSpPr>
+          <p:cNvPr id="17" name="TextBox 16">
+            <a:extLst>
+              <a:ext uri="{FF2B5EF4-FFF2-40B4-BE49-F238E27FC236}">
+                <a16:creationId xmlns:a16="http://schemas.microsoft.com/office/drawing/2014/main" id="{E0991C32-1C75-4E8F-9235-0ACA3933259B}"/>
+              </a:ext>
+            </a:extLst>
+          </p:cNvPr>
+          <p:cNvSpPr txBox="1"/>
+          <p:nvPr/>
+        </p:nvSpPr>
+        <p:spPr>
+          <a:xfrm>
+            <a:off x="9530450" y="863084"/>
+            <a:ext cx="1714500" cy="369332"/>
+          </a:xfrm>
+          <a:prstGeom prst="rect">
+            <a:avLst/>
+          </a:prstGeom>
+          <a:noFill/>
+        </p:spPr>
+        <p:txBody>
+          <a:bodyPr wrap="square" rtlCol="0">
+            <a:spAutoFit/>
+          </a:bodyPr>
+          <a:lstStyle/>
+          <a:p>
+            <a:r>
+              <a:rPr lang="ko-KR" altLang="en-US" dirty="0">
+                <a:solidFill>
+                  <a:schemeClr val="bg1"/>
+                </a:solidFill>
+              </a:rPr>
+              <a:t>시연</a:t>
+            </a:r>
+          </a:p>
+        </p:txBody>
+      </p:sp>
+      <p:sp>
+        <p:nvSpPr>
+          <p:cNvPr id="18" name="직사각형 17">
+            <a:extLst>
+              <a:ext uri="{FF2B5EF4-FFF2-40B4-BE49-F238E27FC236}">
+                <a16:creationId xmlns:a16="http://schemas.microsoft.com/office/drawing/2014/main" id="{11E9767A-68BC-466D-825E-D1791ADBE145}"/>
+              </a:ext>
+            </a:extLst>
+          </p:cNvPr>
+          <p:cNvSpPr/>
+          <p:nvPr/>
+        </p:nvSpPr>
+        <p:spPr>
+          <a:xfrm>
+            <a:off x="8870464" y="1245573"/>
+            <a:ext cx="1209600" cy="96744"/>
+          </a:xfrm>
+          <a:prstGeom prst="rect">
+            <a:avLst/>
+          </a:prstGeom>
+          <a:solidFill>
+            <a:srgbClr val="3399FF"/>
+          </a:solidFill>
+          <a:ln>
+            <a:noFill/>
+          </a:ln>
+        </p:spPr>
+        <p:style>
+          <a:lnRef idx="2">
+            <a:schemeClr val="accent1">
+              <a:shade val="50000"/>
+            </a:schemeClr>
+          </a:lnRef>
+          <a:fillRef idx="1">
+            <a:schemeClr val="accent1"/>
+          </a:fillRef>
+          <a:effectRef idx="0">
+            <a:schemeClr val="accent1"/>
+          </a:effectRef>
+          <a:fontRef idx="minor">
+            <a:schemeClr val="lt1"/>
+          </a:fontRef>
+        </p:style>
+        <p:txBody>
+          <a:bodyPr rtlCol="0" anchor="ctr"/>
+          <a:lstStyle/>
+          <a:p>
+            <a:pPr algn="ctr"/>
+            <a:endParaRPr lang="ko-KR" altLang="en-US" dirty="0"/>
+          </a:p>
+        </p:txBody>
+      </p:sp>
+      <p:sp>
+        <p:nvSpPr>
+          <p:cNvPr id="15" name="직사각형 14">
+            <a:extLst>
+              <a:ext uri="{FF2B5EF4-FFF2-40B4-BE49-F238E27FC236}">
+                <a16:creationId xmlns:a16="http://schemas.microsoft.com/office/drawing/2014/main" id="{1CF9AE64-1CFE-439C-853D-72C2139E7BCB}"/>
+              </a:ext>
+            </a:extLst>
+          </p:cNvPr>
+          <p:cNvSpPr/>
+          <p:nvPr/>
+        </p:nvSpPr>
+        <p:spPr>
+          <a:xfrm>
+            <a:off x="0" y="1333499"/>
+            <a:ext cx="12192000" cy="369332"/>
+          </a:xfrm>
+          <a:prstGeom prst="rect">
+            <a:avLst/>
+          </a:prstGeom>
+          <a:solidFill>
+            <a:srgbClr val="3399FF"/>
+          </a:solidFill>
+          <a:ln>
+            <a:noFill/>
+          </a:ln>
+        </p:spPr>
+        <p:style>
+          <a:lnRef idx="2">
+            <a:schemeClr val="accent1">
+              <a:shade val="50000"/>
+            </a:schemeClr>
+          </a:lnRef>
+          <a:fillRef idx="1">
+            <a:schemeClr val="accent1"/>
+          </a:fillRef>
+          <a:effectRef idx="0">
+            <a:schemeClr val="accent1"/>
+          </a:effectRef>
+          <a:fontRef idx="minor">
+            <a:schemeClr val="lt1"/>
+          </a:fontRef>
+        </p:style>
+        <p:txBody>
+          <a:bodyPr rtlCol="0" anchor="ctr"/>
+          <a:lstStyle/>
+          <a:p>
+            <a:pPr algn="ctr"/>
+            <a:endParaRPr lang="ko-KR" altLang="en-US"/>
+          </a:p>
+        </p:txBody>
+      </p:sp>
+      <p:pic>
+        <p:nvPicPr>
+          <p:cNvPr id="4" name="그림 3">
+            <a:extLst>
+              <a:ext uri="{FF2B5EF4-FFF2-40B4-BE49-F238E27FC236}">
+                <a16:creationId xmlns:a16="http://schemas.microsoft.com/office/drawing/2014/main" id="{80A4B7CB-A402-4B29-8198-7BD7FE34B81B}"/>
+              </a:ext>
+            </a:extLst>
+          </p:cNvPr>
+          <p:cNvPicPr>
+            <a:picLocks noChangeAspect="1"/>
+          </p:cNvPicPr>
+          <p:nvPr/>
+        </p:nvPicPr>
+        <p:blipFill>
+          <a:blip r:embed="rId13">
+            <a:extLst>
+              <a:ext uri="{28A0092B-C50C-407E-A947-70E740481C1C}">
+                <a14:useLocalDpi xmlns:a14="http://schemas.microsoft.com/office/drawing/2010/main" val="0"/>
+              </a:ext>
+            </a:extLst>
+          </a:blip>
+          <a:stretch>
+            <a:fillRect/>
+          </a:stretch>
+        </p:blipFill>
+        <p:spPr>
+          <a:xfrm>
+            <a:off x="1959039" y="1825891"/>
+            <a:ext cx="8273921" cy="4711176"/>
+          </a:xfrm>
+          <a:prstGeom prst="rect">
+            <a:avLst/>
+          </a:prstGeom>
+        </p:spPr>
+      </p:pic>
+      <p:sp>
+        <p:nvSpPr>
+          <p:cNvPr id="5" name="사각형: 둥근 모서리 4">
+            <a:extLst>
+              <a:ext uri="{FF2B5EF4-FFF2-40B4-BE49-F238E27FC236}">
+                <a16:creationId xmlns:a16="http://schemas.microsoft.com/office/drawing/2014/main" id="{DF886EE5-0A79-45B8-8E62-AD3075716265}"/>
+              </a:ext>
+            </a:extLst>
+          </p:cNvPr>
+          <p:cNvSpPr/>
+          <p:nvPr/>
+        </p:nvSpPr>
+        <p:spPr>
+          <a:xfrm>
+            <a:off x="2249905" y="3705726"/>
+            <a:ext cx="709863" cy="372979"/>
+          </a:xfrm>
+          <a:prstGeom prst="roundRect">
+            <a:avLst/>
+          </a:prstGeom>
+          <a:noFill/>
+          <a:ln w="38100">
+            <a:solidFill>
+              <a:srgbClr val="FF0000"/>
+            </a:solidFill>
+          </a:ln>
+        </p:spPr>
+        <p:style>
+          <a:lnRef idx="2">
+            <a:schemeClr val="accent1">
+              <a:shade val="50000"/>
+            </a:schemeClr>
+          </a:lnRef>
+          <a:fillRef idx="1">
+            <a:schemeClr val="accent1"/>
+          </a:fillRef>
+          <a:effectRef idx="0">
+            <a:schemeClr val="accent1"/>
+          </a:effectRef>
+          <a:fontRef idx="minor">
+            <a:schemeClr val="lt1"/>
+          </a:fontRef>
+        </p:style>
+        <p:txBody>
+          <a:bodyPr rtlCol="0" anchor="ctr"/>
+          <a:lstStyle/>
+          <a:p>
+            <a:pPr algn="ctr"/>
+            <a:endParaRPr lang="ko-KR" altLang="en-US"/>
+          </a:p>
+        </p:txBody>
+      </p:sp>
+    </p:spTree>
+    <p:extLst>
+      <p:ext uri="{BB962C8B-B14F-4D97-AF65-F5344CB8AC3E}">
+        <p14:creationId xmlns:p14="http://schemas.microsoft.com/office/powerpoint/2010/main" val="2858539006"/>
+      </p:ext>
+    </p:extLst>
+  </p:cSld>
+  <p:clrMapOvr>
+    <a:masterClrMapping/>
+  </p:clrMapOvr>
+</p:sld>
+</file>
+
+<file path=ppt/slides/slide51.xml><?xml version="1.0" encoding="utf-8"?>
+<p:sld xmlns:a="http://schemas.openxmlformats.org/drawingml/2006/main" xmlns:r="http://schemas.openxmlformats.org/officeDocument/2006/relationships" xmlns:p="http://schemas.openxmlformats.org/presentationml/2006/main">
+  <p:cSld>
+    <p:spTree>
+      <p:nvGrpSpPr>
+        <p:cNvPr id="1" name=""/>
+        <p:cNvGrpSpPr/>
+        <p:nvPr/>
+      </p:nvGrpSpPr>
+      <p:grpSpPr>
+        <a:xfrm>
+          <a:off x="0" y="0"/>
+          <a:ext cx="0" cy="0"/>
+          <a:chOff x="0" y="0"/>
+          <a:chExt cx="0" cy="0"/>
+        </a:xfrm>
+      </p:grpSpPr>
+      <p:pic>
+        <p:nvPicPr>
+          <p:cNvPr id="6" name="그림 5">
+            <a:extLst>
+              <a:ext uri="{FF2B5EF4-FFF2-40B4-BE49-F238E27FC236}">
+                <a16:creationId xmlns:a16="http://schemas.microsoft.com/office/drawing/2014/main" id="{78F5A0B9-40B2-4B71-BA0F-BCA0D1027FAD}"/>
+              </a:ext>
+            </a:extLst>
+          </p:cNvPr>
+          <p:cNvPicPr>
+            <a:picLocks noChangeAspect="1"/>
+          </p:cNvPicPr>
+          <p:nvPr/>
+        </p:nvPicPr>
+        <p:blipFill>
+          <a:blip r:embed="rId2"/>
+          <a:stretch>
+            <a:fillRect/>
+          </a:stretch>
+        </p:blipFill>
+        <p:spPr>
+          <a:xfrm>
+            <a:off x="0" y="0"/>
+            <a:ext cx="12192000" cy="1333499"/>
+          </a:xfrm>
+          <a:prstGeom prst="rect">
+            <a:avLst/>
+          </a:prstGeom>
+          <a:ln>
+            <a:noFill/>
+          </a:ln>
+        </p:spPr>
+      </p:pic>
+      <p:sp>
+        <p:nvSpPr>
+          <p:cNvPr id="7" name="TextBox 6">
+            <a:extLst>
+              <a:ext uri="{FF2B5EF4-FFF2-40B4-BE49-F238E27FC236}">
+                <a16:creationId xmlns:a16="http://schemas.microsoft.com/office/drawing/2014/main" id="{FE219C83-6162-46A7-A59B-DDA8E6921274}"/>
+              </a:ext>
+            </a:extLst>
+          </p:cNvPr>
+          <p:cNvSpPr txBox="1"/>
+          <p:nvPr/>
+        </p:nvSpPr>
+        <p:spPr>
+          <a:xfrm>
+            <a:off x="749300" y="-12700"/>
+            <a:ext cx="3187700" cy="584775"/>
+          </a:xfrm>
+          <a:prstGeom prst="rect">
+            <a:avLst/>
+          </a:prstGeom>
+          <a:noFill/>
+        </p:spPr>
+        <p:txBody>
+          <a:bodyPr wrap="square" rtlCol="0">
+            <a:spAutoFit/>
+          </a:bodyPr>
+          <a:lstStyle/>
+          <a:p>
+            <a:r>
+              <a:rPr lang="en-US" altLang="ko-KR" sz="3200" b="1" dirty="0">
+                <a:solidFill>
+                  <a:schemeClr val="bg1"/>
+                </a:solidFill>
+              </a:rPr>
+              <a:t>Hacking</a:t>
+            </a:r>
+            <a:r>
+              <a:rPr lang="en-US" altLang="ko-KR" sz="3200" b="1" dirty="0">
+                <a:solidFill>
+                  <a:srgbClr val="3399FF"/>
+                </a:solidFill>
+              </a:rPr>
+              <a:t>.com</a:t>
+            </a:r>
+            <a:endParaRPr lang="ko-KR" altLang="en-US" sz="3200" b="1" dirty="0">
+              <a:solidFill>
+                <a:srgbClr val="3399FF"/>
+              </a:solidFill>
+            </a:endParaRPr>
+          </a:p>
+        </p:txBody>
+      </p:sp>
+      <p:pic>
+        <p:nvPicPr>
+          <p:cNvPr id="9" name="그래픽 8" descr="자막">
+            <a:extLst>
+              <a:ext uri="{FF2B5EF4-FFF2-40B4-BE49-F238E27FC236}">
+                <a16:creationId xmlns:a16="http://schemas.microsoft.com/office/drawing/2014/main" id="{239AD4E6-2E98-4B0A-A085-C8B887B25586}"/>
+              </a:ext>
+            </a:extLst>
+          </p:cNvPr>
+          <p:cNvPicPr>
+            <a:picLocks noChangeAspect="1"/>
+          </p:cNvPicPr>
+          <p:nvPr/>
+        </p:nvPicPr>
+        <p:blipFill>
+          <a:blip r:embed="rId3">
+            <a:extLst>
+              <a:ext uri="{28A0092B-C50C-407E-A947-70E740481C1C}">
+                <a14:useLocalDpi xmlns:a14="http://schemas.microsoft.com/office/drawing/2010/main" val="0"/>
+              </a:ext>
+              <a:ext uri="{96DAC541-7B7A-43D3-8B79-37D633B846F1}">
+                <asvg:svgBlip xmlns:asvg="http://schemas.microsoft.com/office/drawing/2016/SVG/main" r:embed="rId4"/>
+              </a:ext>
+            </a:extLst>
+          </a:blip>
+          <a:stretch>
+            <a:fillRect/>
+          </a:stretch>
+        </p:blipFill>
+        <p:spPr>
+          <a:xfrm>
+            <a:off x="749300" y="762000"/>
+            <a:ext cx="571500" cy="571500"/>
+          </a:xfrm>
+          <a:prstGeom prst="rect">
+            <a:avLst/>
+          </a:prstGeom>
+        </p:spPr>
+      </p:pic>
+      <p:sp>
+        <p:nvSpPr>
+          <p:cNvPr id="10" name="TextBox 9">
+            <a:extLst>
+              <a:ext uri="{FF2B5EF4-FFF2-40B4-BE49-F238E27FC236}">
+                <a16:creationId xmlns:a16="http://schemas.microsoft.com/office/drawing/2014/main" id="{10274D82-910A-4A51-9633-E7C84967FA95}"/>
+              </a:ext>
+            </a:extLst>
+          </p:cNvPr>
+          <p:cNvSpPr txBox="1"/>
+          <p:nvPr/>
+        </p:nvSpPr>
+        <p:spPr>
+          <a:xfrm>
+            <a:off x="1212850" y="863084"/>
+            <a:ext cx="1714500" cy="369332"/>
+          </a:xfrm>
+          <a:prstGeom prst="rect">
+            <a:avLst/>
+          </a:prstGeom>
+          <a:noFill/>
+        </p:spPr>
+        <p:txBody>
+          <a:bodyPr wrap="square" rtlCol="0">
+            <a:spAutoFit/>
+          </a:bodyPr>
+          <a:lstStyle/>
+          <a:p>
+            <a:r>
+              <a:rPr lang="ko-KR" altLang="en-US" dirty="0">
+                <a:solidFill>
+                  <a:schemeClr val="bg1"/>
+                </a:solidFill>
+              </a:rPr>
+              <a:t>프로젝트 개요</a:t>
+            </a:r>
+          </a:p>
+        </p:txBody>
+      </p:sp>
+      <p:pic>
+        <p:nvPicPr>
+          <p:cNvPr id="12" name="그래픽 11" descr="데이터베이스">
+            <a:extLst>
+              <a:ext uri="{FF2B5EF4-FFF2-40B4-BE49-F238E27FC236}">
+                <a16:creationId xmlns:a16="http://schemas.microsoft.com/office/drawing/2014/main" id="{91F3831C-BD5B-41C4-8CA8-414F74080185}"/>
+              </a:ext>
+            </a:extLst>
+          </p:cNvPr>
+          <p:cNvPicPr>
+            <a:picLocks noChangeAspect="1"/>
+          </p:cNvPicPr>
+          <p:nvPr/>
+        </p:nvPicPr>
+        <p:blipFill>
+          <a:blip r:embed="rId5">
+            <a:extLst>
+              <a:ext uri="{28A0092B-C50C-407E-A947-70E740481C1C}">
+                <a14:useLocalDpi xmlns:a14="http://schemas.microsoft.com/office/drawing/2010/main" val="0"/>
+              </a:ext>
+              <a:ext uri="{96DAC541-7B7A-43D3-8B79-37D633B846F1}">
+                <asvg:svgBlip xmlns:asvg="http://schemas.microsoft.com/office/drawing/2016/SVG/main" r:embed="rId6"/>
+              </a:ext>
+            </a:extLst>
+          </a:blip>
+          <a:stretch>
+            <a:fillRect/>
+          </a:stretch>
+        </p:blipFill>
+        <p:spPr>
+          <a:xfrm>
+            <a:off x="3105150" y="761999"/>
+            <a:ext cx="571500" cy="571500"/>
+          </a:xfrm>
+          <a:prstGeom prst="rect">
+            <a:avLst/>
+          </a:prstGeom>
+        </p:spPr>
+      </p:pic>
+      <p:sp>
+        <p:nvSpPr>
+          <p:cNvPr id="13" name="TextBox 12">
+            <a:extLst>
+              <a:ext uri="{FF2B5EF4-FFF2-40B4-BE49-F238E27FC236}">
+                <a16:creationId xmlns:a16="http://schemas.microsoft.com/office/drawing/2014/main" id="{554715A9-D454-45E5-A539-219A9B5F0856}"/>
+              </a:ext>
+            </a:extLst>
+          </p:cNvPr>
+          <p:cNvSpPr txBox="1"/>
+          <p:nvPr/>
+        </p:nvSpPr>
+        <p:spPr>
+          <a:xfrm>
+            <a:off x="3676650" y="863084"/>
+            <a:ext cx="1714500" cy="369332"/>
+          </a:xfrm>
+          <a:prstGeom prst="rect">
+            <a:avLst/>
+          </a:prstGeom>
+          <a:noFill/>
+        </p:spPr>
+        <p:txBody>
+          <a:bodyPr wrap="square" rtlCol="0">
+            <a:spAutoFit/>
+          </a:bodyPr>
+          <a:lstStyle/>
+          <a:p>
+            <a:r>
+              <a:rPr lang="ko-KR" altLang="en-US" dirty="0">
+                <a:solidFill>
+                  <a:schemeClr val="bg1"/>
+                </a:solidFill>
+              </a:rPr>
+              <a:t>데이터베이스</a:t>
+            </a:r>
+          </a:p>
+        </p:txBody>
+      </p:sp>
+      <p:pic>
+        <p:nvPicPr>
+          <p:cNvPr id="3" name="그래픽 2" descr="조직도">
+            <a:extLst>
+              <a:ext uri="{FF2B5EF4-FFF2-40B4-BE49-F238E27FC236}">
+                <a16:creationId xmlns:a16="http://schemas.microsoft.com/office/drawing/2014/main" id="{37FD1974-A90D-4F93-8D0A-4ED9755A5EF1}"/>
+              </a:ext>
+            </a:extLst>
+          </p:cNvPr>
+          <p:cNvPicPr>
+            <a:picLocks noChangeAspect="1"/>
+          </p:cNvPicPr>
+          <p:nvPr/>
+        </p:nvPicPr>
+        <p:blipFill>
+          <a:blip r:embed="rId7">
+            <a:extLst>
+              <a:ext uri="{28A0092B-C50C-407E-A947-70E740481C1C}">
+                <a14:useLocalDpi xmlns:a14="http://schemas.microsoft.com/office/drawing/2010/main" val="0"/>
+              </a:ext>
+              <a:ext uri="{96DAC541-7B7A-43D3-8B79-37D633B846F1}">
+                <asvg:svgBlip xmlns:asvg="http://schemas.microsoft.com/office/drawing/2016/SVG/main" r:embed="rId8"/>
+              </a:ext>
+            </a:extLst>
+          </a:blip>
+          <a:stretch>
+            <a:fillRect/>
+          </a:stretch>
+        </p:blipFill>
+        <p:spPr>
+          <a:xfrm>
+            <a:off x="5460100" y="739328"/>
+            <a:ext cx="572400" cy="572400"/>
+          </a:xfrm>
+          <a:prstGeom prst="rect">
+            <a:avLst/>
+          </a:prstGeom>
+        </p:spPr>
+      </p:pic>
+      <p:sp>
+        <p:nvSpPr>
+          <p:cNvPr id="11" name="TextBox 10">
+            <a:extLst>
+              <a:ext uri="{FF2B5EF4-FFF2-40B4-BE49-F238E27FC236}">
+                <a16:creationId xmlns:a16="http://schemas.microsoft.com/office/drawing/2014/main" id="{AE216EA7-6C70-49B1-8443-2C7C47C24F6E}"/>
+              </a:ext>
+            </a:extLst>
+          </p:cNvPr>
+          <p:cNvSpPr txBox="1"/>
+          <p:nvPr/>
+        </p:nvSpPr>
+        <p:spPr>
+          <a:xfrm>
+            <a:off x="6096000" y="863084"/>
+            <a:ext cx="1714500" cy="369332"/>
+          </a:xfrm>
+          <a:prstGeom prst="rect">
+            <a:avLst/>
+          </a:prstGeom>
+          <a:noFill/>
+        </p:spPr>
+        <p:txBody>
+          <a:bodyPr wrap="square" rtlCol="0">
+            <a:spAutoFit/>
+          </a:bodyPr>
+          <a:lstStyle/>
+          <a:p>
+            <a:r>
+              <a:rPr lang="en-US" altLang="ko-KR" dirty="0">
+                <a:solidFill>
+                  <a:schemeClr val="bg1"/>
+                </a:solidFill>
+              </a:rPr>
+              <a:t>UML</a:t>
+            </a:r>
+            <a:endParaRPr lang="ko-KR" altLang="en-US" dirty="0">
+              <a:solidFill>
+                <a:schemeClr val="bg1"/>
+              </a:solidFill>
+            </a:endParaRPr>
+          </a:p>
+        </p:txBody>
+      </p:sp>
+      <p:pic>
+        <p:nvPicPr>
+          <p:cNvPr id="8" name="그래픽 7" descr="돋보기">
+            <a:extLst>
+              <a:ext uri="{FF2B5EF4-FFF2-40B4-BE49-F238E27FC236}">
+                <a16:creationId xmlns:a16="http://schemas.microsoft.com/office/drawing/2014/main" id="{E67C439E-4038-4B7B-871F-B02C0D611A17}"/>
+              </a:ext>
+            </a:extLst>
+          </p:cNvPr>
+          <p:cNvPicPr>
+            <a:picLocks noChangeAspect="1"/>
+          </p:cNvPicPr>
+          <p:nvPr/>
+        </p:nvPicPr>
+        <p:blipFill>
+          <a:blip r:embed="rId9">
+            <a:extLst>
+              <a:ext uri="{28A0092B-C50C-407E-A947-70E740481C1C}">
+                <a14:useLocalDpi xmlns:a14="http://schemas.microsoft.com/office/drawing/2010/main" val="0"/>
+              </a:ext>
+              <a:ext uri="{96DAC541-7B7A-43D3-8B79-37D633B846F1}">
+                <asvg:svgBlip xmlns:asvg="http://schemas.microsoft.com/office/drawing/2016/SVG/main" r:embed="rId10"/>
+              </a:ext>
+            </a:extLst>
+          </a:blip>
+          <a:stretch>
+            <a:fillRect/>
+          </a:stretch>
+        </p:blipFill>
+        <p:spPr>
+          <a:xfrm>
+            <a:off x="7009500" y="739328"/>
+            <a:ext cx="572400" cy="572400"/>
+          </a:xfrm>
+          <a:prstGeom prst="rect">
+            <a:avLst/>
+          </a:prstGeom>
+        </p:spPr>
+      </p:pic>
+      <p:sp>
+        <p:nvSpPr>
+          <p:cNvPr id="14" name="TextBox 13">
+            <a:extLst>
+              <a:ext uri="{FF2B5EF4-FFF2-40B4-BE49-F238E27FC236}">
+                <a16:creationId xmlns:a16="http://schemas.microsoft.com/office/drawing/2014/main" id="{93B30826-5625-4DB1-A044-FBA8DC3D0C81}"/>
+              </a:ext>
+            </a:extLst>
+          </p:cNvPr>
+          <p:cNvSpPr txBox="1"/>
+          <p:nvPr/>
+        </p:nvSpPr>
+        <p:spPr>
+          <a:xfrm>
+            <a:off x="7638150" y="863084"/>
+            <a:ext cx="1714500" cy="369332"/>
+          </a:xfrm>
+          <a:prstGeom prst="rect">
+            <a:avLst/>
+          </a:prstGeom>
+          <a:noFill/>
+        </p:spPr>
+        <p:txBody>
+          <a:bodyPr wrap="square" rtlCol="0">
+            <a:spAutoFit/>
+          </a:bodyPr>
+          <a:lstStyle/>
+          <a:p>
+            <a:r>
+              <a:rPr lang="ko-KR" altLang="en-US" dirty="0">
+                <a:solidFill>
+                  <a:schemeClr val="bg1"/>
+                </a:solidFill>
+              </a:rPr>
+              <a:t>상세설명</a:t>
+            </a:r>
+          </a:p>
+        </p:txBody>
+      </p:sp>
+      <p:pic>
+        <p:nvPicPr>
+          <p:cNvPr id="16" name="그래픽 15" descr="눈">
+            <a:extLst>
+              <a:ext uri="{FF2B5EF4-FFF2-40B4-BE49-F238E27FC236}">
+                <a16:creationId xmlns:a16="http://schemas.microsoft.com/office/drawing/2014/main" id="{2BA2A6DB-BCAF-44BA-9C70-D2C26BB53AE5}"/>
+              </a:ext>
+            </a:extLst>
+          </p:cNvPr>
+          <p:cNvPicPr>
+            <a:picLocks noChangeAspect="1"/>
+          </p:cNvPicPr>
+          <p:nvPr/>
+        </p:nvPicPr>
+        <p:blipFill>
+          <a:blip r:embed="rId11">
+            <a:extLst>
+              <a:ext uri="{28A0092B-C50C-407E-A947-70E740481C1C}">
+                <a14:useLocalDpi xmlns:a14="http://schemas.microsoft.com/office/drawing/2010/main" val="0"/>
+              </a:ext>
+              <a:ext uri="{96DAC541-7B7A-43D3-8B79-37D633B846F1}">
+                <asvg:svgBlip xmlns:asvg="http://schemas.microsoft.com/office/drawing/2016/SVG/main" r:embed="rId12"/>
+              </a:ext>
+            </a:extLst>
+          </a:blip>
+          <a:stretch>
+            <a:fillRect/>
+          </a:stretch>
+        </p:blipFill>
+        <p:spPr>
+          <a:xfrm>
+            <a:off x="8870464" y="761999"/>
+            <a:ext cx="572400" cy="572400"/>
+          </a:xfrm>
+          <a:prstGeom prst="rect">
+            <a:avLst/>
+          </a:prstGeom>
+        </p:spPr>
+      </p:pic>
+      <p:sp>
+        <p:nvSpPr>
+          <p:cNvPr id="17" name="TextBox 16">
+            <a:extLst>
+              <a:ext uri="{FF2B5EF4-FFF2-40B4-BE49-F238E27FC236}">
+                <a16:creationId xmlns:a16="http://schemas.microsoft.com/office/drawing/2014/main" id="{E0991C32-1C75-4E8F-9235-0ACA3933259B}"/>
+              </a:ext>
+            </a:extLst>
+          </p:cNvPr>
+          <p:cNvSpPr txBox="1"/>
+          <p:nvPr/>
+        </p:nvSpPr>
+        <p:spPr>
+          <a:xfrm>
+            <a:off x="9530450" y="863084"/>
+            <a:ext cx="1714500" cy="369332"/>
+          </a:xfrm>
+          <a:prstGeom prst="rect">
+            <a:avLst/>
+          </a:prstGeom>
+          <a:noFill/>
+        </p:spPr>
+        <p:txBody>
+          <a:bodyPr wrap="square" rtlCol="0">
+            <a:spAutoFit/>
+          </a:bodyPr>
+          <a:lstStyle/>
+          <a:p>
+            <a:r>
+              <a:rPr lang="ko-KR" altLang="en-US" dirty="0">
+                <a:solidFill>
+                  <a:schemeClr val="bg1"/>
+                </a:solidFill>
+              </a:rPr>
+              <a:t>시연</a:t>
+            </a:r>
+          </a:p>
+        </p:txBody>
+      </p:sp>
+      <p:sp>
+        <p:nvSpPr>
+          <p:cNvPr id="18" name="직사각형 17">
+            <a:extLst>
+              <a:ext uri="{FF2B5EF4-FFF2-40B4-BE49-F238E27FC236}">
+                <a16:creationId xmlns:a16="http://schemas.microsoft.com/office/drawing/2014/main" id="{11E9767A-68BC-466D-825E-D1791ADBE145}"/>
+              </a:ext>
+            </a:extLst>
+          </p:cNvPr>
+          <p:cNvSpPr/>
+          <p:nvPr/>
+        </p:nvSpPr>
+        <p:spPr>
+          <a:xfrm>
+            <a:off x="8870464" y="1245573"/>
+            <a:ext cx="1209600" cy="96744"/>
+          </a:xfrm>
+          <a:prstGeom prst="rect">
+            <a:avLst/>
+          </a:prstGeom>
+          <a:solidFill>
+            <a:srgbClr val="3399FF"/>
+          </a:solidFill>
+          <a:ln>
+            <a:noFill/>
+          </a:ln>
+        </p:spPr>
+        <p:style>
+          <a:lnRef idx="2">
+            <a:schemeClr val="accent1">
+              <a:shade val="50000"/>
+            </a:schemeClr>
+          </a:lnRef>
+          <a:fillRef idx="1">
+            <a:schemeClr val="accent1"/>
+          </a:fillRef>
+          <a:effectRef idx="0">
+            <a:schemeClr val="accent1"/>
+          </a:effectRef>
+          <a:fontRef idx="minor">
+            <a:schemeClr val="lt1"/>
+          </a:fontRef>
+        </p:style>
+        <p:txBody>
+          <a:bodyPr rtlCol="0" anchor="ctr"/>
+          <a:lstStyle/>
+          <a:p>
+            <a:pPr algn="ctr"/>
+            <a:endParaRPr lang="ko-KR" altLang="en-US" dirty="0"/>
+          </a:p>
+        </p:txBody>
+      </p:sp>
+      <p:sp>
+        <p:nvSpPr>
+          <p:cNvPr id="15" name="직사각형 14">
+            <a:extLst>
+              <a:ext uri="{FF2B5EF4-FFF2-40B4-BE49-F238E27FC236}">
+                <a16:creationId xmlns:a16="http://schemas.microsoft.com/office/drawing/2014/main" id="{1CF9AE64-1CFE-439C-853D-72C2139E7BCB}"/>
+              </a:ext>
+            </a:extLst>
+          </p:cNvPr>
+          <p:cNvSpPr/>
+          <p:nvPr/>
+        </p:nvSpPr>
+        <p:spPr>
+          <a:xfrm>
+            <a:off x="0" y="1333499"/>
+            <a:ext cx="12192000" cy="369332"/>
+          </a:xfrm>
+          <a:prstGeom prst="rect">
+            <a:avLst/>
+          </a:prstGeom>
+          <a:solidFill>
+            <a:srgbClr val="3399FF"/>
+          </a:solidFill>
+          <a:ln>
+            <a:noFill/>
+          </a:ln>
+        </p:spPr>
+        <p:style>
+          <a:lnRef idx="2">
+            <a:schemeClr val="accent1">
+              <a:shade val="50000"/>
+            </a:schemeClr>
+          </a:lnRef>
+          <a:fillRef idx="1">
+            <a:schemeClr val="accent1"/>
+          </a:fillRef>
+          <a:effectRef idx="0">
+            <a:schemeClr val="accent1"/>
+          </a:effectRef>
+          <a:fontRef idx="minor">
+            <a:schemeClr val="lt1"/>
+          </a:fontRef>
+        </p:style>
+        <p:txBody>
+          <a:bodyPr rtlCol="0" anchor="ctr"/>
+          <a:lstStyle/>
+          <a:p>
+            <a:pPr algn="ctr"/>
+            <a:endParaRPr lang="ko-KR" altLang="en-US"/>
+          </a:p>
+        </p:txBody>
+      </p:sp>
+      <p:pic>
+        <p:nvPicPr>
+          <p:cNvPr id="5" name="그림 4">
+            <a:extLst>
+              <a:ext uri="{FF2B5EF4-FFF2-40B4-BE49-F238E27FC236}">
+                <a16:creationId xmlns:a16="http://schemas.microsoft.com/office/drawing/2014/main" id="{8AE543F0-7C16-4CDD-ADE4-65561CBE56AF}"/>
+              </a:ext>
+            </a:extLst>
+          </p:cNvPr>
+          <p:cNvPicPr>
+            <a:picLocks noChangeAspect="1"/>
+          </p:cNvPicPr>
+          <p:nvPr/>
+        </p:nvPicPr>
+        <p:blipFill>
+          <a:blip r:embed="rId13">
+            <a:extLst>
+              <a:ext uri="{28A0092B-C50C-407E-A947-70E740481C1C}">
+                <a14:useLocalDpi xmlns:a14="http://schemas.microsoft.com/office/drawing/2010/main" val="0"/>
+              </a:ext>
+            </a:extLst>
+          </a:blip>
+          <a:stretch>
+            <a:fillRect/>
+          </a:stretch>
+        </p:blipFill>
+        <p:spPr>
+          <a:xfrm>
+            <a:off x="2784319" y="1883228"/>
+            <a:ext cx="6623362" cy="4594727"/>
+          </a:xfrm>
+          <a:prstGeom prst="rect">
+            <a:avLst/>
+          </a:prstGeom>
+        </p:spPr>
+      </p:pic>
+    </p:spTree>
+    <p:extLst>
+      <p:ext uri="{BB962C8B-B14F-4D97-AF65-F5344CB8AC3E}">
+        <p14:creationId xmlns:p14="http://schemas.microsoft.com/office/powerpoint/2010/main" val="1802339821"/>
+      </p:ext>
+    </p:extLst>
+  </p:cSld>
+  <p:clrMapOvr>
+    <a:masterClrMapping/>
+  </p:clrMapOvr>
+</p:sld>
+</file>
+
+<file path=ppt/slides/slide52.xml><?xml version="1.0" encoding="utf-8"?>
+<p:sld xmlns:a="http://schemas.openxmlformats.org/drawingml/2006/main" xmlns:r="http://schemas.openxmlformats.org/officeDocument/2006/relationships" xmlns:p="http://schemas.openxmlformats.org/presentationml/2006/main">
+  <p:cSld>
+    <p:spTree>
+      <p:nvGrpSpPr>
+        <p:cNvPr id="1" name=""/>
+        <p:cNvGrpSpPr/>
+        <p:nvPr/>
+      </p:nvGrpSpPr>
+      <p:grpSpPr>
+        <a:xfrm>
+          <a:off x="0" y="0"/>
+          <a:ext cx="0" cy="0"/>
+          <a:chOff x="0" y="0"/>
+          <a:chExt cx="0" cy="0"/>
+        </a:xfrm>
+      </p:grpSpPr>
+      <p:pic>
+        <p:nvPicPr>
+          <p:cNvPr id="6" name="그림 5">
+            <a:extLst>
+              <a:ext uri="{FF2B5EF4-FFF2-40B4-BE49-F238E27FC236}">
+                <a16:creationId xmlns:a16="http://schemas.microsoft.com/office/drawing/2014/main" id="{78F5A0B9-40B2-4B71-BA0F-BCA0D1027FAD}"/>
+              </a:ext>
+            </a:extLst>
+          </p:cNvPr>
+          <p:cNvPicPr>
+            <a:picLocks noChangeAspect="1"/>
+          </p:cNvPicPr>
+          <p:nvPr/>
+        </p:nvPicPr>
+        <p:blipFill>
+          <a:blip r:embed="rId2"/>
+          <a:stretch>
+            <a:fillRect/>
+          </a:stretch>
+        </p:blipFill>
+        <p:spPr>
+          <a:xfrm>
+            <a:off x="0" y="0"/>
+            <a:ext cx="12192000" cy="1333499"/>
+          </a:xfrm>
+          <a:prstGeom prst="rect">
+            <a:avLst/>
+          </a:prstGeom>
+          <a:ln>
+            <a:noFill/>
+          </a:ln>
+        </p:spPr>
+      </p:pic>
+      <p:sp>
+        <p:nvSpPr>
+          <p:cNvPr id="7" name="TextBox 6">
+            <a:extLst>
+              <a:ext uri="{FF2B5EF4-FFF2-40B4-BE49-F238E27FC236}">
+                <a16:creationId xmlns:a16="http://schemas.microsoft.com/office/drawing/2014/main" id="{FE219C83-6162-46A7-A59B-DDA8E6921274}"/>
+              </a:ext>
+            </a:extLst>
+          </p:cNvPr>
+          <p:cNvSpPr txBox="1"/>
+          <p:nvPr/>
+        </p:nvSpPr>
+        <p:spPr>
+          <a:xfrm>
+            <a:off x="749300" y="-12700"/>
+            <a:ext cx="3187700" cy="584775"/>
+          </a:xfrm>
+          <a:prstGeom prst="rect">
+            <a:avLst/>
+          </a:prstGeom>
+          <a:noFill/>
+        </p:spPr>
+        <p:txBody>
+          <a:bodyPr wrap="square" rtlCol="0">
+            <a:spAutoFit/>
+          </a:bodyPr>
+          <a:lstStyle/>
+          <a:p>
+            <a:r>
+              <a:rPr lang="en-US" altLang="ko-KR" sz="3200" b="1" dirty="0">
+                <a:solidFill>
+                  <a:schemeClr val="bg1"/>
+                </a:solidFill>
+              </a:rPr>
+              <a:t>Hacking</a:t>
+            </a:r>
+            <a:r>
+              <a:rPr lang="en-US" altLang="ko-KR" sz="3200" b="1" dirty="0">
+                <a:solidFill>
+                  <a:srgbClr val="3399FF"/>
+                </a:solidFill>
+              </a:rPr>
+              <a:t>.com</a:t>
+            </a:r>
+            <a:endParaRPr lang="ko-KR" altLang="en-US" sz="3200" b="1" dirty="0">
+              <a:solidFill>
+                <a:srgbClr val="3399FF"/>
+              </a:solidFill>
+            </a:endParaRPr>
+          </a:p>
+        </p:txBody>
+      </p:sp>
+      <p:pic>
+        <p:nvPicPr>
+          <p:cNvPr id="9" name="그래픽 8" descr="자막">
+            <a:extLst>
+              <a:ext uri="{FF2B5EF4-FFF2-40B4-BE49-F238E27FC236}">
+                <a16:creationId xmlns:a16="http://schemas.microsoft.com/office/drawing/2014/main" id="{239AD4E6-2E98-4B0A-A085-C8B887B25586}"/>
+              </a:ext>
+            </a:extLst>
+          </p:cNvPr>
+          <p:cNvPicPr>
+            <a:picLocks noChangeAspect="1"/>
+          </p:cNvPicPr>
+          <p:nvPr/>
+        </p:nvPicPr>
+        <p:blipFill>
+          <a:blip r:embed="rId3">
+            <a:extLst>
+              <a:ext uri="{28A0092B-C50C-407E-A947-70E740481C1C}">
+                <a14:useLocalDpi xmlns:a14="http://schemas.microsoft.com/office/drawing/2010/main" val="0"/>
+              </a:ext>
+              <a:ext uri="{96DAC541-7B7A-43D3-8B79-37D633B846F1}">
+                <asvg:svgBlip xmlns:asvg="http://schemas.microsoft.com/office/drawing/2016/SVG/main" r:embed="rId4"/>
+              </a:ext>
+            </a:extLst>
+          </a:blip>
+          <a:stretch>
+            <a:fillRect/>
+          </a:stretch>
+        </p:blipFill>
+        <p:spPr>
+          <a:xfrm>
+            <a:off x="749300" y="762000"/>
+            <a:ext cx="571500" cy="571500"/>
+          </a:xfrm>
+          <a:prstGeom prst="rect">
+            <a:avLst/>
+          </a:prstGeom>
+        </p:spPr>
+      </p:pic>
+      <p:sp>
+        <p:nvSpPr>
+          <p:cNvPr id="10" name="TextBox 9">
+            <a:extLst>
+              <a:ext uri="{FF2B5EF4-FFF2-40B4-BE49-F238E27FC236}">
+                <a16:creationId xmlns:a16="http://schemas.microsoft.com/office/drawing/2014/main" id="{10274D82-910A-4A51-9633-E7C84967FA95}"/>
+              </a:ext>
+            </a:extLst>
+          </p:cNvPr>
+          <p:cNvSpPr txBox="1"/>
+          <p:nvPr/>
+        </p:nvSpPr>
+        <p:spPr>
+          <a:xfrm>
+            <a:off x="1212850" y="863084"/>
+            <a:ext cx="1714500" cy="369332"/>
+          </a:xfrm>
+          <a:prstGeom prst="rect">
+            <a:avLst/>
+          </a:prstGeom>
+          <a:noFill/>
+        </p:spPr>
+        <p:txBody>
+          <a:bodyPr wrap="square" rtlCol="0">
+            <a:spAutoFit/>
+          </a:bodyPr>
+          <a:lstStyle/>
+          <a:p>
+            <a:r>
+              <a:rPr lang="ko-KR" altLang="en-US" dirty="0">
+                <a:solidFill>
+                  <a:schemeClr val="bg1"/>
+                </a:solidFill>
+              </a:rPr>
+              <a:t>프로젝트 개요</a:t>
+            </a:r>
+          </a:p>
+        </p:txBody>
+      </p:sp>
+      <p:pic>
+        <p:nvPicPr>
+          <p:cNvPr id="12" name="그래픽 11" descr="데이터베이스">
+            <a:extLst>
+              <a:ext uri="{FF2B5EF4-FFF2-40B4-BE49-F238E27FC236}">
+                <a16:creationId xmlns:a16="http://schemas.microsoft.com/office/drawing/2014/main" id="{91F3831C-BD5B-41C4-8CA8-414F74080185}"/>
+              </a:ext>
+            </a:extLst>
+          </p:cNvPr>
+          <p:cNvPicPr>
+            <a:picLocks noChangeAspect="1"/>
+          </p:cNvPicPr>
+          <p:nvPr/>
+        </p:nvPicPr>
+        <p:blipFill>
+          <a:blip r:embed="rId5">
+            <a:extLst>
+              <a:ext uri="{28A0092B-C50C-407E-A947-70E740481C1C}">
+                <a14:useLocalDpi xmlns:a14="http://schemas.microsoft.com/office/drawing/2010/main" val="0"/>
+              </a:ext>
+              <a:ext uri="{96DAC541-7B7A-43D3-8B79-37D633B846F1}">
+                <asvg:svgBlip xmlns:asvg="http://schemas.microsoft.com/office/drawing/2016/SVG/main" r:embed="rId6"/>
+              </a:ext>
+            </a:extLst>
+          </a:blip>
+          <a:stretch>
+            <a:fillRect/>
+          </a:stretch>
+        </p:blipFill>
+        <p:spPr>
+          <a:xfrm>
+            <a:off x="3105150" y="761999"/>
+            <a:ext cx="571500" cy="571500"/>
+          </a:xfrm>
+          <a:prstGeom prst="rect">
+            <a:avLst/>
+          </a:prstGeom>
+        </p:spPr>
+      </p:pic>
+      <p:sp>
+        <p:nvSpPr>
+          <p:cNvPr id="13" name="TextBox 12">
+            <a:extLst>
+              <a:ext uri="{FF2B5EF4-FFF2-40B4-BE49-F238E27FC236}">
+                <a16:creationId xmlns:a16="http://schemas.microsoft.com/office/drawing/2014/main" id="{554715A9-D454-45E5-A539-219A9B5F0856}"/>
+              </a:ext>
+            </a:extLst>
+          </p:cNvPr>
+          <p:cNvSpPr txBox="1"/>
+          <p:nvPr/>
+        </p:nvSpPr>
+        <p:spPr>
+          <a:xfrm>
+            <a:off x="3676650" y="863084"/>
+            <a:ext cx="1714500" cy="369332"/>
+          </a:xfrm>
+          <a:prstGeom prst="rect">
+            <a:avLst/>
+          </a:prstGeom>
+          <a:noFill/>
+        </p:spPr>
+        <p:txBody>
+          <a:bodyPr wrap="square" rtlCol="0">
+            <a:spAutoFit/>
+          </a:bodyPr>
+          <a:lstStyle/>
+          <a:p>
+            <a:r>
+              <a:rPr lang="ko-KR" altLang="en-US" dirty="0">
+                <a:solidFill>
+                  <a:schemeClr val="bg1"/>
+                </a:solidFill>
+              </a:rPr>
+              <a:t>데이터베이스</a:t>
+            </a:r>
+          </a:p>
+        </p:txBody>
+      </p:sp>
+      <p:pic>
+        <p:nvPicPr>
+          <p:cNvPr id="3" name="그래픽 2" descr="조직도">
+            <a:extLst>
+              <a:ext uri="{FF2B5EF4-FFF2-40B4-BE49-F238E27FC236}">
+                <a16:creationId xmlns:a16="http://schemas.microsoft.com/office/drawing/2014/main" id="{37FD1974-A90D-4F93-8D0A-4ED9755A5EF1}"/>
+              </a:ext>
+            </a:extLst>
+          </p:cNvPr>
+          <p:cNvPicPr>
+            <a:picLocks noChangeAspect="1"/>
+          </p:cNvPicPr>
+          <p:nvPr/>
+        </p:nvPicPr>
+        <p:blipFill>
+          <a:blip r:embed="rId7">
+            <a:extLst>
+              <a:ext uri="{28A0092B-C50C-407E-A947-70E740481C1C}">
+                <a14:useLocalDpi xmlns:a14="http://schemas.microsoft.com/office/drawing/2010/main" val="0"/>
+              </a:ext>
+              <a:ext uri="{96DAC541-7B7A-43D3-8B79-37D633B846F1}">
+                <asvg:svgBlip xmlns:asvg="http://schemas.microsoft.com/office/drawing/2016/SVG/main" r:embed="rId8"/>
+              </a:ext>
+            </a:extLst>
+          </a:blip>
+          <a:stretch>
+            <a:fillRect/>
+          </a:stretch>
+        </p:blipFill>
+        <p:spPr>
+          <a:xfrm>
+            <a:off x="5460100" y="739328"/>
+            <a:ext cx="572400" cy="572400"/>
+          </a:xfrm>
+          <a:prstGeom prst="rect">
+            <a:avLst/>
+          </a:prstGeom>
+        </p:spPr>
+      </p:pic>
+      <p:sp>
+        <p:nvSpPr>
+          <p:cNvPr id="11" name="TextBox 10">
+            <a:extLst>
+              <a:ext uri="{FF2B5EF4-FFF2-40B4-BE49-F238E27FC236}">
+                <a16:creationId xmlns:a16="http://schemas.microsoft.com/office/drawing/2014/main" id="{AE216EA7-6C70-49B1-8443-2C7C47C24F6E}"/>
+              </a:ext>
+            </a:extLst>
+          </p:cNvPr>
+          <p:cNvSpPr txBox="1"/>
+          <p:nvPr/>
+        </p:nvSpPr>
+        <p:spPr>
+          <a:xfrm>
+            <a:off x="6096000" y="863084"/>
+            <a:ext cx="1714500" cy="369332"/>
+          </a:xfrm>
+          <a:prstGeom prst="rect">
+            <a:avLst/>
+          </a:prstGeom>
+          <a:noFill/>
+        </p:spPr>
+        <p:txBody>
+          <a:bodyPr wrap="square" rtlCol="0">
+            <a:spAutoFit/>
+          </a:bodyPr>
+          <a:lstStyle/>
+          <a:p>
+            <a:r>
+              <a:rPr lang="en-US" altLang="ko-KR" dirty="0">
+                <a:solidFill>
+                  <a:schemeClr val="bg1"/>
+                </a:solidFill>
+              </a:rPr>
+              <a:t>UML</a:t>
+            </a:r>
+            <a:endParaRPr lang="ko-KR" altLang="en-US" dirty="0">
+              <a:solidFill>
+                <a:schemeClr val="bg1"/>
+              </a:solidFill>
+            </a:endParaRPr>
+          </a:p>
+        </p:txBody>
+      </p:sp>
+      <p:pic>
+        <p:nvPicPr>
+          <p:cNvPr id="8" name="그래픽 7" descr="돋보기">
+            <a:extLst>
+              <a:ext uri="{FF2B5EF4-FFF2-40B4-BE49-F238E27FC236}">
+                <a16:creationId xmlns:a16="http://schemas.microsoft.com/office/drawing/2014/main" id="{E67C439E-4038-4B7B-871F-B02C0D611A17}"/>
+              </a:ext>
+            </a:extLst>
+          </p:cNvPr>
+          <p:cNvPicPr>
+            <a:picLocks noChangeAspect="1"/>
+          </p:cNvPicPr>
+          <p:nvPr/>
+        </p:nvPicPr>
+        <p:blipFill>
+          <a:blip r:embed="rId9">
+            <a:extLst>
+              <a:ext uri="{28A0092B-C50C-407E-A947-70E740481C1C}">
+                <a14:useLocalDpi xmlns:a14="http://schemas.microsoft.com/office/drawing/2010/main" val="0"/>
+              </a:ext>
+              <a:ext uri="{96DAC541-7B7A-43D3-8B79-37D633B846F1}">
+                <asvg:svgBlip xmlns:asvg="http://schemas.microsoft.com/office/drawing/2016/SVG/main" r:embed="rId10"/>
+              </a:ext>
+            </a:extLst>
+          </a:blip>
+          <a:stretch>
+            <a:fillRect/>
+          </a:stretch>
+        </p:blipFill>
+        <p:spPr>
+          <a:xfrm>
+            <a:off x="7009500" y="739328"/>
+            <a:ext cx="572400" cy="572400"/>
+          </a:xfrm>
+          <a:prstGeom prst="rect">
+            <a:avLst/>
+          </a:prstGeom>
+        </p:spPr>
+      </p:pic>
+      <p:sp>
+        <p:nvSpPr>
+          <p:cNvPr id="14" name="TextBox 13">
+            <a:extLst>
+              <a:ext uri="{FF2B5EF4-FFF2-40B4-BE49-F238E27FC236}">
+                <a16:creationId xmlns:a16="http://schemas.microsoft.com/office/drawing/2014/main" id="{93B30826-5625-4DB1-A044-FBA8DC3D0C81}"/>
+              </a:ext>
+            </a:extLst>
+          </p:cNvPr>
+          <p:cNvSpPr txBox="1"/>
+          <p:nvPr/>
+        </p:nvSpPr>
+        <p:spPr>
+          <a:xfrm>
+            <a:off x="7638150" y="863084"/>
+            <a:ext cx="1714500" cy="369332"/>
+          </a:xfrm>
+          <a:prstGeom prst="rect">
+            <a:avLst/>
+          </a:prstGeom>
+          <a:noFill/>
+        </p:spPr>
+        <p:txBody>
+          <a:bodyPr wrap="square" rtlCol="0">
+            <a:spAutoFit/>
+          </a:bodyPr>
+          <a:lstStyle/>
+          <a:p>
+            <a:r>
+              <a:rPr lang="ko-KR" altLang="en-US" dirty="0">
+                <a:solidFill>
+                  <a:schemeClr val="bg1"/>
+                </a:solidFill>
+              </a:rPr>
+              <a:t>상세설명</a:t>
+            </a:r>
+          </a:p>
+        </p:txBody>
+      </p:sp>
+      <p:pic>
+        <p:nvPicPr>
+          <p:cNvPr id="16" name="그래픽 15" descr="눈">
+            <a:extLst>
+              <a:ext uri="{FF2B5EF4-FFF2-40B4-BE49-F238E27FC236}">
+                <a16:creationId xmlns:a16="http://schemas.microsoft.com/office/drawing/2014/main" id="{2BA2A6DB-BCAF-44BA-9C70-D2C26BB53AE5}"/>
+              </a:ext>
+            </a:extLst>
+          </p:cNvPr>
+          <p:cNvPicPr>
+            <a:picLocks noChangeAspect="1"/>
+          </p:cNvPicPr>
+          <p:nvPr/>
+        </p:nvPicPr>
+        <p:blipFill>
+          <a:blip r:embed="rId11">
+            <a:extLst>
+              <a:ext uri="{28A0092B-C50C-407E-A947-70E740481C1C}">
+                <a14:useLocalDpi xmlns:a14="http://schemas.microsoft.com/office/drawing/2010/main" val="0"/>
+              </a:ext>
+              <a:ext uri="{96DAC541-7B7A-43D3-8B79-37D633B846F1}">
+                <asvg:svgBlip xmlns:asvg="http://schemas.microsoft.com/office/drawing/2016/SVG/main" r:embed="rId12"/>
+              </a:ext>
+            </a:extLst>
+          </a:blip>
+          <a:stretch>
+            <a:fillRect/>
+          </a:stretch>
+        </p:blipFill>
+        <p:spPr>
+          <a:xfrm>
+            <a:off x="8870464" y="761999"/>
+            <a:ext cx="572400" cy="572400"/>
+          </a:xfrm>
+          <a:prstGeom prst="rect">
+            <a:avLst/>
+          </a:prstGeom>
+        </p:spPr>
+      </p:pic>
+      <p:sp>
+        <p:nvSpPr>
+          <p:cNvPr id="17" name="TextBox 16">
+            <a:extLst>
+              <a:ext uri="{FF2B5EF4-FFF2-40B4-BE49-F238E27FC236}">
+                <a16:creationId xmlns:a16="http://schemas.microsoft.com/office/drawing/2014/main" id="{E0991C32-1C75-4E8F-9235-0ACA3933259B}"/>
+              </a:ext>
+            </a:extLst>
+          </p:cNvPr>
+          <p:cNvSpPr txBox="1"/>
+          <p:nvPr/>
+        </p:nvSpPr>
+        <p:spPr>
+          <a:xfrm>
+            <a:off x="9530450" y="863084"/>
+            <a:ext cx="1714500" cy="369332"/>
+          </a:xfrm>
+          <a:prstGeom prst="rect">
+            <a:avLst/>
+          </a:prstGeom>
+          <a:noFill/>
+        </p:spPr>
+        <p:txBody>
+          <a:bodyPr wrap="square" rtlCol="0">
+            <a:spAutoFit/>
+          </a:bodyPr>
+          <a:lstStyle/>
+          <a:p>
+            <a:r>
+              <a:rPr lang="ko-KR" altLang="en-US" dirty="0">
+                <a:solidFill>
+                  <a:schemeClr val="bg1"/>
+                </a:solidFill>
+              </a:rPr>
+              <a:t>시연</a:t>
+            </a:r>
+          </a:p>
+        </p:txBody>
+      </p:sp>
+      <p:sp>
+        <p:nvSpPr>
+          <p:cNvPr id="18" name="직사각형 17">
+            <a:extLst>
+              <a:ext uri="{FF2B5EF4-FFF2-40B4-BE49-F238E27FC236}">
+                <a16:creationId xmlns:a16="http://schemas.microsoft.com/office/drawing/2014/main" id="{11E9767A-68BC-466D-825E-D1791ADBE145}"/>
+              </a:ext>
+            </a:extLst>
+          </p:cNvPr>
+          <p:cNvSpPr/>
+          <p:nvPr/>
+        </p:nvSpPr>
+        <p:spPr>
+          <a:xfrm>
+            <a:off x="8870464" y="1245573"/>
+            <a:ext cx="1209600" cy="96744"/>
+          </a:xfrm>
+          <a:prstGeom prst="rect">
+            <a:avLst/>
+          </a:prstGeom>
+          <a:solidFill>
+            <a:srgbClr val="3399FF"/>
+          </a:solidFill>
+          <a:ln>
+            <a:noFill/>
+          </a:ln>
+        </p:spPr>
+        <p:style>
+          <a:lnRef idx="2">
+            <a:schemeClr val="accent1">
+              <a:shade val="50000"/>
+            </a:schemeClr>
+          </a:lnRef>
+          <a:fillRef idx="1">
+            <a:schemeClr val="accent1"/>
+          </a:fillRef>
+          <a:effectRef idx="0">
+            <a:schemeClr val="accent1"/>
+          </a:effectRef>
+          <a:fontRef idx="minor">
+            <a:schemeClr val="lt1"/>
+          </a:fontRef>
+        </p:style>
+        <p:txBody>
+          <a:bodyPr rtlCol="0" anchor="ctr"/>
+          <a:lstStyle/>
+          <a:p>
+            <a:pPr algn="ctr"/>
+            <a:endParaRPr lang="ko-KR" altLang="en-US" dirty="0"/>
+          </a:p>
+        </p:txBody>
+      </p:sp>
+      <p:sp>
+        <p:nvSpPr>
+          <p:cNvPr id="15" name="직사각형 14">
+            <a:extLst>
+              <a:ext uri="{FF2B5EF4-FFF2-40B4-BE49-F238E27FC236}">
+                <a16:creationId xmlns:a16="http://schemas.microsoft.com/office/drawing/2014/main" id="{1CF9AE64-1CFE-439C-853D-72C2139E7BCB}"/>
+              </a:ext>
+            </a:extLst>
+          </p:cNvPr>
+          <p:cNvSpPr/>
+          <p:nvPr/>
+        </p:nvSpPr>
+        <p:spPr>
+          <a:xfrm>
+            <a:off x="0" y="1333499"/>
+            <a:ext cx="12192000" cy="369332"/>
+          </a:xfrm>
+          <a:prstGeom prst="rect">
+            <a:avLst/>
+          </a:prstGeom>
+          <a:solidFill>
+            <a:srgbClr val="3399FF"/>
+          </a:solidFill>
+          <a:ln>
+            <a:noFill/>
+          </a:ln>
+        </p:spPr>
+        <p:style>
+          <a:lnRef idx="2">
+            <a:schemeClr val="accent1">
+              <a:shade val="50000"/>
+            </a:schemeClr>
+          </a:lnRef>
+          <a:fillRef idx="1">
+            <a:schemeClr val="accent1"/>
+          </a:fillRef>
+          <a:effectRef idx="0">
+            <a:schemeClr val="accent1"/>
+          </a:effectRef>
+          <a:fontRef idx="minor">
+            <a:schemeClr val="lt1"/>
+          </a:fontRef>
+        </p:style>
+        <p:txBody>
+          <a:bodyPr rtlCol="0" anchor="ctr"/>
+          <a:lstStyle/>
+          <a:p>
+            <a:pPr algn="ctr"/>
+            <a:endParaRPr lang="ko-KR" altLang="en-US"/>
+          </a:p>
+        </p:txBody>
+      </p:sp>
+      <p:pic>
+        <p:nvPicPr>
+          <p:cNvPr id="4" name="그림 3">
+            <a:extLst>
+              <a:ext uri="{FF2B5EF4-FFF2-40B4-BE49-F238E27FC236}">
+                <a16:creationId xmlns:a16="http://schemas.microsoft.com/office/drawing/2014/main" id="{80A4B7CB-A402-4B29-8198-7BD7FE34B81B}"/>
+              </a:ext>
+            </a:extLst>
+          </p:cNvPr>
+          <p:cNvPicPr>
+            <a:picLocks noChangeAspect="1"/>
+          </p:cNvPicPr>
+          <p:nvPr/>
+        </p:nvPicPr>
+        <p:blipFill>
+          <a:blip r:embed="rId13">
+            <a:extLst>
+              <a:ext uri="{28A0092B-C50C-407E-A947-70E740481C1C}">
+                <a14:useLocalDpi xmlns:a14="http://schemas.microsoft.com/office/drawing/2010/main" val="0"/>
+              </a:ext>
+            </a:extLst>
+          </a:blip>
+          <a:stretch>
+            <a:fillRect/>
+          </a:stretch>
+        </p:blipFill>
+        <p:spPr>
+          <a:xfrm>
+            <a:off x="1959039" y="1825891"/>
+            <a:ext cx="8273921" cy="4711176"/>
+          </a:xfrm>
+          <a:prstGeom prst="rect">
+            <a:avLst/>
+          </a:prstGeom>
+        </p:spPr>
+      </p:pic>
+      <p:sp>
+        <p:nvSpPr>
+          <p:cNvPr id="5" name="사각형: 둥근 모서리 4">
+            <a:extLst>
+              <a:ext uri="{FF2B5EF4-FFF2-40B4-BE49-F238E27FC236}">
+                <a16:creationId xmlns:a16="http://schemas.microsoft.com/office/drawing/2014/main" id="{DF886EE5-0A79-45B8-8E62-AD3075716265}"/>
+              </a:ext>
+            </a:extLst>
+          </p:cNvPr>
+          <p:cNvSpPr/>
+          <p:nvPr/>
+        </p:nvSpPr>
+        <p:spPr>
+          <a:xfrm>
+            <a:off x="9589168" y="3072425"/>
+            <a:ext cx="607697" cy="260323"/>
+          </a:xfrm>
+          <a:prstGeom prst="roundRect">
+            <a:avLst/>
+          </a:prstGeom>
+          <a:noFill/>
+          <a:ln w="38100">
+            <a:solidFill>
+              <a:srgbClr val="FF0000"/>
+            </a:solidFill>
+          </a:ln>
+        </p:spPr>
+        <p:style>
+          <a:lnRef idx="2">
+            <a:schemeClr val="accent1">
+              <a:shade val="50000"/>
+            </a:schemeClr>
+          </a:lnRef>
+          <a:fillRef idx="1">
+            <a:schemeClr val="accent1"/>
+          </a:fillRef>
+          <a:effectRef idx="0">
+            <a:schemeClr val="accent1"/>
+          </a:effectRef>
+          <a:fontRef idx="minor">
+            <a:schemeClr val="lt1"/>
+          </a:fontRef>
+        </p:style>
+        <p:txBody>
+          <a:bodyPr rtlCol="0" anchor="ctr"/>
+          <a:lstStyle/>
+          <a:p>
+            <a:pPr algn="ctr"/>
+            <a:endParaRPr lang="ko-KR" altLang="en-US"/>
+          </a:p>
+        </p:txBody>
+      </p:sp>
+    </p:spTree>
+    <p:extLst>
+      <p:ext uri="{BB962C8B-B14F-4D97-AF65-F5344CB8AC3E}">
+        <p14:creationId xmlns:p14="http://schemas.microsoft.com/office/powerpoint/2010/main" val="1567168611"/>
+      </p:ext>
+    </p:extLst>
+  </p:cSld>
+  <p:clrMapOvr>
+    <a:masterClrMapping/>
+  </p:clrMapOvr>
+</p:sld>
+</file>
+
+<file path=ppt/slides/slide53.xml><?xml version="1.0" encoding="utf-8"?>
+<p:sld xmlns:a="http://schemas.openxmlformats.org/drawingml/2006/main" xmlns:r="http://schemas.openxmlformats.org/officeDocument/2006/relationships" xmlns:p="http://schemas.openxmlformats.org/presentationml/2006/main">
+  <p:cSld>
+    <p:spTree>
+      <p:nvGrpSpPr>
+        <p:cNvPr id="1" name=""/>
+        <p:cNvGrpSpPr/>
+        <p:nvPr/>
+      </p:nvGrpSpPr>
+      <p:grpSpPr>
+        <a:xfrm>
+          <a:off x="0" y="0"/>
+          <a:ext cx="0" cy="0"/>
+          <a:chOff x="0" y="0"/>
+          <a:chExt cx="0" cy="0"/>
+        </a:xfrm>
+      </p:grpSpPr>
+      <p:pic>
+        <p:nvPicPr>
+          <p:cNvPr id="19" name="그림 18">
+            <a:extLst>
+              <a:ext uri="{FF2B5EF4-FFF2-40B4-BE49-F238E27FC236}">
+                <a16:creationId xmlns:a16="http://schemas.microsoft.com/office/drawing/2014/main" id="{ABAC2923-CF94-40A2-B4DC-EA8DE1B78752}"/>
+              </a:ext>
+            </a:extLst>
+          </p:cNvPr>
+          <p:cNvPicPr>
+            <a:picLocks noChangeAspect="1"/>
+          </p:cNvPicPr>
+          <p:nvPr/>
+        </p:nvPicPr>
+        <p:blipFill>
+          <a:blip r:embed="rId2">
+            <a:extLst>
+              <a:ext uri="{28A0092B-C50C-407E-A947-70E740481C1C}">
+                <a14:useLocalDpi xmlns:a14="http://schemas.microsoft.com/office/drawing/2010/main" val="0"/>
+              </a:ext>
+            </a:extLst>
+          </a:blip>
+          <a:stretch>
+            <a:fillRect/>
+          </a:stretch>
+        </p:blipFill>
+        <p:spPr>
+          <a:xfrm>
+            <a:off x="1959039" y="1825891"/>
+            <a:ext cx="8273921" cy="4711176"/>
+          </a:xfrm>
+          <a:prstGeom prst="rect">
+            <a:avLst/>
+          </a:prstGeom>
+        </p:spPr>
+      </p:pic>
+      <p:pic>
+        <p:nvPicPr>
+          <p:cNvPr id="6" name="그림 5">
+            <a:extLst>
+              <a:ext uri="{FF2B5EF4-FFF2-40B4-BE49-F238E27FC236}">
+                <a16:creationId xmlns:a16="http://schemas.microsoft.com/office/drawing/2014/main" id="{78F5A0B9-40B2-4B71-BA0F-BCA0D1027FAD}"/>
+              </a:ext>
+            </a:extLst>
+          </p:cNvPr>
+          <p:cNvPicPr>
+            <a:picLocks noChangeAspect="1"/>
+          </p:cNvPicPr>
+          <p:nvPr/>
+        </p:nvPicPr>
+        <p:blipFill>
+          <a:blip r:embed="rId3"/>
+          <a:stretch>
+            <a:fillRect/>
+          </a:stretch>
+        </p:blipFill>
+        <p:spPr>
+          <a:xfrm>
+            <a:off x="0" y="0"/>
+            <a:ext cx="12192000" cy="1333499"/>
+          </a:xfrm>
+          <a:prstGeom prst="rect">
+            <a:avLst/>
+          </a:prstGeom>
+          <a:ln>
+            <a:noFill/>
+          </a:ln>
+        </p:spPr>
+      </p:pic>
+      <p:sp>
+        <p:nvSpPr>
+          <p:cNvPr id="7" name="TextBox 6">
+            <a:extLst>
+              <a:ext uri="{FF2B5EF4-FFF2-40B4-BE49-F238E27FC236}">
+                <a16:creationId xmlns:a16="http://schemas.microsoft.com/office/drawing/2014/main" id="{FE219C83-6162-46A7-A59B-DDA8E6921274}"/>
+              </a:ext>
+            </a:extLst>
+          </p:cNvPr>
+          <p:cNvSpPr txBox="1"/>
+          <p:nvPr/>
+        </p:nvSpPr>
+        <p:spPr>
+          <a:xfrm>
+            <a:off x="749300" y="-12700"/>
+            <a:ext cx="3187700" cy="584775"/>
+          </a:xfrm>
+          <a:prstGeom prst="rect">
+            <a:avLst/>
+          </a:prstGeom>
+          <a:noFill/>
+        </p:spPr>
+        <p:txBody>
+          <a:bodyPr wrap="square" rtlCol="0">
+            <a:spAutoFit/>
+          </a:bodyPr>
+          <a:lstStyle/>
+          <a:p>
+            <a:r>
+              <a:rPr lang="en-US" altLang="ko-KR" sz="3200" b="1" dirty="0">
+                <a:solidFill>
+                  <a:schemeClr val="bg1"/>
+                </a:solidFill>
+              </a:rPr>
+              <a:t>Hacking</a:t>
+            </a:r>
+            <a:r>
+              <a:rPr lang="en-US" altLang="ko-KR" sz="3200" b="1" dirty="0">
+                <a:solidFill>
+                  <a:srgbClr val="3399FF"/>
+                </a:solidFill>
+              </a:rPr>
+              <a:t>.com</a:t>
+            </a:r>
+            <a:endParaRPr lang="ko-KR" altLang="en-US" sz="3200" b="1" dirty="0">
+              <a:solidFill>
+                <a:srgbClr val="3399FF"/>
+              </a:solidFill>
+            </a:endParaRPr>
+          </a:p>
+        </p:txBody>
+      </p:sp>
+      <p:pic>
+        <p:nvPicPr>
+          <p:cNvPr id="9" name="그래픽 8" descr="자막">
+            <a:extLst>
+              <a:ext uri="{FF2B5EF4-FFF2-40B4-BE49-F238E27FC236}">
+                <a16:creationId xmlns:a16="http://schemas.microsoft.com/office/drawing/2014/main" id="{239AD4E6-2E98-4B0A-A085-C8B887B25586}"/>
+              </a:ext>
+            </a:extLst>
+          </p:cNvPr>
+          <p:cNvPicPr>
+            <a:picLocks noChangeAspect="1"/>
+          </p:cNvPicPr>
+          <p:nvPr/>
+        </p:nvPicPr>
+        <p:blipFill>
+          <a:blip r:embed="rId4">
+            <a:extLst>
+              <a:ext uri="{28A0092B-C50C-407E-A947-70E740481C1C}">
+                <a14:useLocalDpi xmlns:a14="http://schemas.microsoft.com/office/drawing/2010/main" val="0"/>
+              </a:ext>
+              <a:ext uri="{96DAC541-7B7A-43D3-8B79-37D633B846F1}">
+                <asvg:svgBlip xmlns:asvg="http://schemas.microsoft.com/office/drawing/2016/SVG/main" r:embed="rId5"/>
+              </a:ext>
+            </a:extLst>
+          </a:blip>
+          <a:stretch>
+            <a:fillRect/>
+          </a:stretch>
+        </p:blipFill>
+        <p:spPr>
+          <a:xfrm>
+            <a:off x="749300" y="762000"/>
+            <a:ext cx="571500" cy="571500"/>
+          </a:xfrm>
+          <a:prstGeom prst="rect">
+            <a:avLst/>
+          </a:prstGeom>
+        </p:spPr>
+      </p:pic>
+      <p:sp>
+        <p:nvSpPr>
+          <p:cNvPr id="10" name="TextBox 9">
+            <a:extLst>
+              <a:ext uri="{FF2B5EF4-FFF2-40B4-BE49-F238E27FC236}">
+                <a16:creationId xmlns:a16="http://schemas.microsoft.com/office/drawing/2014/main" id="{10274D82-910A-4A51-9633-E7C84967FA95}"/>
+              </a:ext>
+            </a:extLst>
+          </p:cNvPr>
+          <p:cNvSpPr txBox="1"/>
+          <p:nvPr/>
+        </p:nvSpPr>
+        <p:spPr>
+          <a:xfrm>
+            <a:off x="1212850" y="863084"/>
+            <a:ext cx="1714500" cy="369332"/>
+          </a:xfrm>
+          <a:prstGeom prst="rect">
+            <a:avLst/>
+          </a:prstGeom>
+          <a:noFill/>
+        </p:spPr>
+        <p:txBody>
+          <a:bodyPr wrap="square" rtlCol="0">
+            <a:spAutoFit/>
+          </a:bodyPr>
+          <a:lstStyle/>
+          <a:p>
+            <a:r>
+              <a:rPr lang="ko-KR" altLang="en-US" dirty="0">
+                <a:solidFill>
+                  <a:schemeClr val="bg1"/>
+                </a:solidFill>
+              </a:rPr>
+              <a:t>프로젝트 개요</a:t>
+            </a:r>
+          </a:p>
+        </p:txBody>
+      </p:sp>
+      <p:pic>
+        <p:nvPicPr>
+          <p:cNvPr id="12" name="그래픽 11" descr="데이터베이스">
+            <a:extLst>
+              <a:ext uri="{FF2B5EF4-FFF2-40B4-BE49-F238E27FC236}">
+                <a16:creationId xmlns:a16="http://schemas.microsoft.com/office/drawing/2014/main" id="{91F3831C-BD5B-41C4-8CA8-414F74080185}"/>
+              </a:ext>
+            </a:extLst>
+          </p:cNvPr>
+          <p:cNvPicPr>
+            <a:picLocks noChangeAspect="1"/>
+          </p:cNvPicPr>
+          <p:nvPr/>
+        </p:nvPicPr>
+        <p:blipFill>
+          <a:blip r:embed="rId6">
+            <a:extLst>
+              <a:ext uri="{28A0092B-C50C-407E-A947-70E740481C1C}">
+                <a14:useLocalDpi xmlns:a14="http://schemas.microsoft.com/office/drawing/2010/main" val="0"/>
+              </a:ext>
+              <a:ext uri="{96DAC541-7B7A-43D3-8B79-37D633B846F1}">
+                <asvg:svgBlip xmlns:asvg="http://schemas.microsoft.com/office/drawing/2016/SVG/main" r:embed="rId7"/>
+              </a:ext>
+            </a:extLst>
+          </a:blip>
+          <a:stretch>
+            <a:fillRect/>
+          </a:stretch>
+        </p:blipFill>
+        <p:spPr>
+          <a:xfrm>
+            <a:off x="3105150" y="761999"/>
+            <a:ext cx="571500" cy="571500"/>
+          </a:xfrm>
+          <a:prstGeom prst="rect">
+            <a:avLst/>
+          </a:prstGeom>
+        </p:spPr>
+      </p:pic>
+      <p:sp>
+        <p:nvSpPr>
+          <p:cNvPr id="13" name="TextBox 12">
+            <a:extLst>
+              <a:ext uri="{FF2B5EF4-FFF2-40B4-BE49-F238E27FC236}">
+                <a16:creationId xmlns:a16="http://schemas.microsoft.com/office/drawing/2014/main" id="{554715A9-D454-45E5-A539-219A9B5F0856}"/>
+              </a:ext>
+            </a:extLst>
+          </p:cNvPr>
+          <p:cNvSpPr txBox="1"/>
+          <p:nvPr/>
+        </p:nvSpPr>
+        <p:spPr>
+          <a:xfrm>
+            <a:off x="3676650" y="863084"/>
+            <a:ext cx="1714500" cy="369332"/>
+          </a:xfrm>
+          <a:prstGeom prst="rect">
+            <a:avLst/>
+          </a:prstGeom>
+          <a:noFill/>
+        </p:spPr>
+        <p:txBody>
+          <a:bodyPr wrap="square" rtlCol="0">
+            <a:spAutoFit/>
+          </a:bodyPr>
+          <a:lstStyle/>
+          <a:p>
+            <a:r>
+              <a:rPr lang="ko-KR" altLang="en-US" dirty="0">
+                <a:solidFill>
+                  <a:schemeClr val="bg1"/>
+                </a:solidFill>
+              </a:rPr>
+              <a:t>데이터베이스</a:t>
+            </a:r>
+          </a:p>
+        </p:txBody>
+      </p:sp>
+      <p:pic>
+        <p:nvPicPr>
+          <p:cNvPr id="3" name="그래픽 2" descr="조직도">
+            <a:extLst>
+              <a:ext uri="{FF2B5EF4-FFF2-40B4-BE49-F238E27FC236}">
+                <a16:creationId xmlns:a16="http://schemas.microsoft.com/office/drawing/2014/main" id="{37FD1974-A90D-4F93-8D0A-4ED9755A5EF1}"/>
+              </a:ext>
+            </a:extLst>
+          </p:cNvPr>
+          <p:cNvPicPr>
+            <a:picLocks noChangeAspect="1"/>
+          </p:cNvPicPr>
+          <p:nvPr/>
+        </p:nvPicPr>
+        <p:blipFill>
+          <a:blip r:embed="rId8">
+            <a:extLst>
+              <a:ext uri="{28A0092B-C50C-407E-A947-70E740481C1C}">
+                <a14:useLocalDpi xmlns:a14="http://schemas.microsoft.com/office/drawing/2010/main" val="0"/>
+              </a:ext>
+              <a:ext uri="{96DAC541-7B7A-43D3-8B79-37D633B846F1}">
+                <asvg:svgBlip xmlns:asvg="http://schemas.microsoft.com/office/drawing/2016/SVG/main" r:embed="rId9"/>
+              </a:ext>
+            </a:extLst>
+          </a:blip>
+          <a:stretch>
+            <a:fillRect/>
+          </a:stretch>
+        </p:blipFill>
+        <p:spPr>
+          <a:xfrm>
+            <a:off x="5460100" y="739328"/>
+            <a:ext cx="572400" cy="572400"/>
+          </a:xfrm>
+          <a:prstGeom prst="rect">
+            <a:avLst/>
+          </a:prstGeom>
+        </p:spPr>
+      </p:pic>
+      <p:sp>
+        <p:nvSpPr>
+          <p:cNvPr id="11" name="TextBox 10">
+            <a:extLst>
+              <a:ext uri="{FF2B5EF4-FFF2-40B4-BE49-F238E27FC236}">
+                <a16:creationId xmlns:a16="http://schemas.microsoft.com/office/drawing/2014/main" id="{AE216EA7-6C70-49B1-8443-2C7C47C24F6E}"/>
+              </a:ext>
+            </a:extLst>
+          </p:cNvPr>
+          <p:cNvSpPr txBox="1"/>
+          <p:nvPr/>
+        </p:nvSpPr>
+        <p:spPr>
+          <a:xfrm>
+            <a:off x="6096000" y="863084"/>
+            <a:ext cx="1714500" cy="369332"/>
+          </a:xfrm>
+          <a:prstGeom prst="rect">
+            <a:avLst/>
+          </a:prstGeom>
+          <a:noFill/>
+        </p:spPr>
+        <p:txBody>
+          <a:bodyPr wrap="square" rtlCol="0">
+            <a:spAutoFit/>
+          </a:bodyPr>
+          <a:lstStyle/>
+          <a:p>
+            <a:r>
+              <a:rPr lang="en-US" altLang="ko-KR" dirty="0">
+                <a:solidFill>
+                  <a:schemeClr val="bg1"/>
+                </a:solidFill>
+              </a:rPr>
+              <a:t>UML</a:t>
+            </a:r>
+            <a:endParaRPr lang="ko-KR" altLang="en-US" dirty="0">
+              <a:solidFill>
+                <a:schemeClr val="bg1"/>
+              </a:solidFill>
+            </a:endParaRPr>
+          </a:p>
+        </p:txBody>
+      </p:sp>
+      <p:pic>
+        <p:nvPicPr>
+          <p:cNvPr id="8" name="그래픽 7" descr="돋보기">
+            <a:extLst>
+              <a:ext uri="{FF2B5EF4-FFF2-40B4-BE49-F238E27FC236}">
+                <a16:creationId xmlns:a16="http://schemas.microsoft.com/office/drawing/2014/main" id="{E67C439E-4038-4B7B-871F-B02C0D611A17}"/>
+              </a:ext>
+            </a:extLst>
+          </p:cNvPr>
+          <p:cNvPicPr>
+            <a:picLocks noChangeAspect="1"/>
+          </p:cNvPicPr>
+          <p:nvPr/>
+        </p:nvPicPr>
+        <p:blipFill>
+          <a:blip r:embed="rId10">
+            <a:extLst>
+              <a:ext uri="{28A0092B-C50C-407E-A947-70E740481C1C}">
+                <a14:useLocalDpi xmlns:a14="http://schemas.microsoft.com/office/drawing/2010/main" val="0"/>
+              </a:ext>
+              <a:ext uri="{96DAC541-7B7A-43D3-8B79-37D633B846F1}">
+                <asvg:svgBlip xmlns:asvg="http://schemas.microsoft.com/office/drawing/2016/SVG/main" r:embed="rId11"/>
+              </a:ext>
+            </a:extLst>
+          </a:blip>
+          <a:stretch>
+            <a:fillRect/>
+          </a:stretch>
+        </p:blipFill>
+        <p:spPr>
+          <a:xfrm>
+            <a:off x="7009500" y="739328"/>
+            <a:ext cx="572400" cy="572400"/>
+          </a:xfrm>
+          <a:prstGeom prst="rect">
+            <a:avLst/>
+          </a:prstGeom>
+        </p:spPr>
+      </p:pic>
+      <p:sp>
+        <p:nvSpPr>
+          <p:cNvPr id="14" name="TextBox 13">
+            <a:extLst>
+              <a:ext uri="{FF2B5EF4-FFF2-40B4-BE49-F238E27FC236}">
+                <a16:creationId xmlns:a16="http://schemas.microsoft.com/office/drawing/2014/main" id="{93B30826-5625-4DB1-A044-FBA8DC3D0C81}"/>
+              </a:ext>
+            </a:extLst>
+          </p:cNvPr>
+          <p:cNvSpPr txBox="1"/>
+          <p:nvPr/>
+        </p:nvSpPr>
+        <p:spPr>
+          <a:xfrm>
+            <a:off x="7638150" y="863084"/>
+            <a:ext cx="1714500" cy="369332"/>
+          </a:xfrm>
+          <a:prstGeom prst="rect">
+            <a:avLst/>
+          </a:prstGeom>
+          <a:noFill/>
+        </p:spPr>
+        <p:txBody>
+          <a:bodyPr wrap="square" rtlCol="0">
+            <a:spAutoFit/>
+          </a:bodyPr>
+          <a:lstStyle/>
+          <a:p>
+            <a:r>
+              <a:rPr lang="ko-KR" altLang="en-US" dirty="0">
+                <a:solidFill>
+                  <a:schemeClr val="bg1"/>
+                </a:solidFill>
+              </a:rPr>
+              <a:t>상세설명</a:t>
+            </a:r>
+          </a:p>
+        </p:txBody>
+      </p:sp>
+      <p:pic>
+        <p:nvPicPr>
+          <p:cNvPr id="16" name="그래픽 15" descr="눈">
+            <a:extLst>
+              <a:ext uri="{FF2B5EF4-FFF2-40B4-BE49-F238E27FC236}">
+                <a16:creationId xmlns:a16="http://schemas.microsoft.com/office/drawing/2014/main" id="{2BA2A6DB-BCAF-44BA-9C70-D2C26BB53AE5}"/>
+              </a:ext>
+            </a:extLst>
+          </p:cNvPr>
+          <p:cNvPicPr>
+            <a:picLocks noChangeAspect="1"/>
+          </p:cNvPicPr>
+          <p:nvPr/>
+        </p:nvPicPr>
+        <p:blipFill>
+          <a:blip r:embed="rId12">
+            <a:extLst>
+              <a:ext uri="{28A0092B-C50C-407E-A947-70E740481C1C}">
+                <a14:useLocalDpi xmlns:a14="http://schemas.microsoft.com/office/drawing/2010/main" val="0"/>
+              </a:ext>
+              <a:ext uri="{96DAC541-7B7A-43D3-8B79-37D633B846F1}">
+                <asvg:svgBlip xmlns:asvg="http://schemas.microsoft.com/office/drawing/2016/SVG/main" r:embed="rId13"/>
+              </a:ext>
+            </a:extLst>
+          </a:blip>
+          <a:stretch>
+            <a:fillRect/>
+          </a:stretch>
+        </p:blipFill>
+        <p:spPr>
+          <a:xfrm>
+            <a:off x="8870464" y="761999"/>
+            <a:ext cx="572400" cy="572400"/>
+          </a:xfrm>
+          <a:prstGeom prst="rect">
+            <a:avLst/>
+          </a:prstGeom>
+        </p:spPr>
+      </p:pic>
+      <p:sp>
+        <p:nvSpPr>
+          <p:cNvPr id="17" name="TextBox 16">
+            <a:extLst>
+              <a:ext uri="{FF2B5EF4-FFF2-40B4-BE49-F238E27FC236}">
+                <a16:creationId xmlns:a16="http://schemas.microsoft.com/office/drawing/2014/main" id="{E0991C32-1C75-4E8F-9235-0ACA3933259B}"/>
+              </a:ext>
+            </a:extLst>
+          </p:cNvPr>
+          <p:cNvSpPr txBox="1"/>
+          <p:nvPr/>
+        </p:nvSpPr>
+        <p:spPr>
+          <a:xfrm>
+            <a:off x="9530450" y="863084"/>
+            <a:ext cx="1714500" cy="369332"/>
+          </a:xfrm>
+          <a:prstGeom prst="rect">
+            <a:avLst/>
+          </a:prstGeom>
+          <a:noFill/>
+        </p:spPr>
+        <p:txBody>
+          <a:bodyPr wrap="square" rtlCol="0">
+            <a:spAutoFit/>
+          </a:bodyPr>
+          <a:lstStyle/>
+          <a:p>
+            <a:r>
+              <a:rPr lang="ko-KR" altLang="en-US" dirty="0">
+                <a:solidFill>
+                  <a:schemeClr val="bg1"/>
+                </a:solidFill>
+              </a:rPr>
+              <a:t>시연</a:t>
+            </a:r>
+          </a:p>
+        </p:txBody>
+      </p:sp>
+      <p:sp>
+        <p:nvSpPr>
+          <p:cNvPr id="18" name="직사각형 17">
+            <a:extLst>
+              <a:ext uri="{FF2B5EF4-FFF2-40B4-BE49-F238E27FC236}">
+                <a16:creationId xmlns:a16="http://schemas.microsoft.com/office/drawing/2014/main" id="{11E9767A-68BC-466D-825E-D1791ADBE145}"/>
+              </a:ext>
+            </a:extLst>
+          </p:cNvPr>
+          <p:cNvSpPr/>
+          <p:nvPr/>
+        </p:nvSpPr>
+        <p:spPr>
+          <a:xfrm>
+            <a:off x="8870464" y="1245573"/>
+            <a:ext cx="1209600" cy="96744"/>
+          </a:xfrm>
+          <a:prstGeom prst="rect">
+            <a:avLst/>
+          </a:prstGeom>
+          <a:solidFill>
+            <a:srgbClr val="3399FF"/>
+          </a:solidFill>
+          <a:ln>
+            <a:noFill/>
+          </a:ln>
+        </p:spPr>
+        <p:style>
+          <a:lnRef idx="2">
+            <a:schemeClr val="accent1">
+              <a:shade val="50000"/>
+            </a:schemeClr>
+          </a:lnRef>
+          <a:fillRef idx="1">
+            <a:schemeClr val="accent1"/>
+          </a:fillRef>
+          <a:effectRef idx="0">
+            <a:schemeClr val="accent1"/>
+          </a:effectRef>
+          <a:fontRef idx="minor">
+            <a:schemeClr val="lt1"/>
+          </a:fontRef>
+        </p:style>
+        <p:txBody>
+          <a:bodyPr rtlCol="0" anchor="ctr"/>
+          <a:lstStyle/>
+          <a:p>
+            <a:pPr algn="ctr"/>
+            <a:endParaRPr lang="ko-KR" altLang="en-US" dirty="0"/>
+          </a:p>
+        </p:txBody>
+      </p:sp>
+      <p:sp>
+        <p:nvSpPr>
+          <p:cNvPr id="15" name="직사각형 14">
+            <a:extLst>
+              <a:ext uri="{FF2B5EF4-FFF2-40B4-BE49-F238E27FC236}">
+                <a16:creationId xmlns:a16="http://schemas.microsoft.com/office/drawing/2014/main" id="{1CF9AE64-1CFE-439C-853D-72C2139E7BCB}"/>
+              </a:ext>
+            </a:extLst>
+          </p:cNvPr>
+          <p:cNvSpPr/>
+          <p:nvPr/>
+        </p:nvSpPr>
+        <p:spPr>
+          <a:xfrm>
+            <a:off x="0" y="1333499"/>
+            <a:ext cx="12192000" cy="369332"/>
+          </a:xfrm>
+          <a:prstGeom prst="rect">
+            <a:avLst/>
+          </a:prstGeom>
+          <a:solidFill>
+            <a:srgbClr val="3399FF"/>
+          </a:solidFill>
+          <a:ln>
+            <a:noFill/>
+          </a:ln>
+        </p:spPr>
+        <p:style>
+          <a:lnRef idx="2">
+            <a:schemeClr val="accent1">
+              <a:shade val="50000"/>
+            </a:schemeClr>
+          </a:lnRef>
+          <a:fillRef idx="1">
+            <a:schemeClr val="accent1"/>
+          </a:fillRef>
+          <a:effectRef idx="0">
+            <a:schemeClr val="accent1"/>
+          </a:effectRef>
+          <a:fontRef idx="minor">
+            <a:schemeClr val="lt1"/>
+          </a:fontRef>
+        </p:style>
+        <p:txBody>
+          <a:bodyPr rtlCol="0" anchor="ctr"/>
+          <a:lstStyle/>
+          <a:p>
+            <a:pPr algn="ctr"/>
+            <a:endParaRPr lang="ko-KR" altLang="en-US"/>
+          </a:p>
+        </p:txBody>
+      </p:sp>
+      <p:pic>
+        <p:nvPicPr>
+          <p:cNvPr id="4" name="그림 3">
+            <a:extLst>
+              <a:ext uri="{FF2B5EF4-FFF2-40B4-BE49-F238E27FC236}">
+                <a16:creationId xmlns:a16="http://schemas.microsoft.com/office/drawing/2014/main" id="{10F03075-A3B6-4398-A7A9-B2486B90F526}"/>
+              </a:ext>
+            </a:extLst>
+          </p:cNvPr>
+          <p:cNvPicPr>
+            <a:picLocks noChangeAspect="1"/>
+          </p:cNvPicPr>
+          <p:nvPr/>
+        </p:nvPicPr>
+        <p:blipFill>
+          <a:blip r:embed="rId14">
+            <a:extLst>
+              <a:ext uri="{28A0092B-C50C-407E-A947-70E740481C1C}">
+                <a14:useLocalDpi xmlns:a14="http://schemas.microsoft.com/office/drawing/2010/main" val="0"/>
+              </a:ext>
+            </a:extLst>
+          </a:blip>
+          <a:stretch>
+            <a:fillRect/>
+          </a:stretch>
+        </p:blipFill>
+        <p:spPr>
+          <a:xfrm>
+            <a:off x="3943048" y="2196583"/>
+            <a:ext cx="4305901" cy="1257475"/>
+          </a:xfrm>
+          <a:prstGeom prst="rect">
+            <a:avLst/>
+          </a:prstGeom>
+        </p:spPr>
+      </p:pic>
+    </p:spTree>
+    <p:extLst>
+      <p:ext uri="{BB962C8B-B14F-4D97-AF65-F5344CB8AC3E}">
+        <p14:creationId xmlns:p14="http://schemas.microsoft.com/office/powerpoint/2010/main" val="1752073391"/>
       </p:ext>
     </p:extLst>
   </p:cSld>
